--- a/Project.pptx
+++ b/Project.pptx
@@ -1,32 +1,32 @@
 
 <file path=ppt/presentation.xml><?xml version="1.0" encoding="utf-8"?>
-<p:presentation xmlns:p="http://schemas.openxmlformats.org/presentationml/2006/main" xmlns:r="http://schemas.openxmlformats.org/officeDocument/2006/relationships" xmlns:a="http://schemas.openxmlformats.org/drawingml/2006/main" autoCompressPictures="0" saveSubsetFonts="1">
+<p:presentation xmlns:a="http://schemas.openxmlformats.org/drawingml/2006/main" xmlns:r="http://schemas.openxmlformats.org/officeDocument/2006/relationships" xmlns:p="http://schemas.openxmlformats.org/presentationml/2006/main" saveSubsetFonts="1" autoCompressPictures="0">
   <p:sldMasterIdLst>
-    <p:sldMasterId id="2147483733" r:id="rId1"/>
+    <p:sldMasterId id="2147483832" r:id="rId4"/>
   </p:sldMasterIdLst>
   <p:notesMasterIdLst>
-    <p:notesMasterId r:id="rId2"/>
+    <p:notesMasterId r:id="rId16"/>
   </p:notesMasterIdLst>
   <p:sldIdLst>
-    <p:sldId id="317" r:id="rId3"/>
-    <p:sldId id="318" r:id="rId4"/>
-    <p:sldId id="319" r:id="rId5"/>
-    <p:sldId id="320" r:id="rId6"/>
-    <p:sldId id="321" r:id="rId7"/>
-    <p:sldId id="322" r:id="rId8"/>
-    <p:sldId id="323" r:id="rId9"/>
-    <p:sldId id="324" r:id="rId10"/>
-    <p:sldId id="325" r:id="rId11"/>
-    <p:sldId id="326" r:id="rId12"/>
-    <p:sldId id="327" r:id="rId13"/>
+    <p:sldId id="256" r:id="rId5"/>
+    <p:sldId id="2146847054" r:id="rId6"/>
+    <p:sldId id="262" r:id="rId7"/>
+    <p:sldId id="263" r:id="rId8"/>
+    <p:sldId id="265" r:id="rId9"/>
+    <p:sldId id="266" r:id="rId10"/>
+    <p:sldId id="267" r:id="rId11"/>
+    <p:sldId id="268" r:id="rId12"/>
+    <p:sldId id="2146847055" r:id="rId13"/>
+    <p:sldId id="269" r:id="rId14"/>
+    <p:sldId id="259" r:id="rId15"/>
   </p:sldIdLst>
-  <p:sldSz type="screen16x9" cy="6858000" cx="12192000"/>
+  <p:sldSz cx="12192000" cy="6858000"/>
   <p:notesSz cx="6858000" cy="9144000"/>
   <p:defaultTextStyle>
     <a:defPPr>
       <a:defRPr lang="en-US"/>
     </a:defPPr>
-    <a:lvl1pPr algn="l" defTabSz="457200" eaLnBrk="1" hangingPunct="1" latinLnBrk="0" marL="0" rtl="0">
+    <a:lvl1pPr marL="0" algn="l" defTabSz="457200" rtl="0" eaLnBrk="1" latinLnBrk="0" hangingPunct="1">
       <a:defRPr sz="1800" kern="1200">
         <a:solidFill>
           <a:schemeClr val="tx1"/>
@@ -36,7 +36,7 @@
         <a:cs typeface="+mn-cs"/>
       </a:defRPr>
     </a:lvl1pPr>
-    <a:lvl2pPr algn="l" defTabSz="457200" eaLnBrk="1" hangingPunct="1" latinLnBrk="0" marL="457200" rtl="0">
+    <a:lvl2pPr marL="457200" algn="l" defTabSz="457200" rtl="0" eaLnBrk="1" latinLnBrk="0" hangingPunct="1">
       <a:defRPr sz="1800" kern="1200">
         <a:solidFill>
           <a:schemeClr val="tx1"/>
@@ -46,7 +46,7 @@
         <a:cs typeface="+mn-cs"/>
       </a:defRPr>
     </a:lvl2pPr>
-    <a:lvl3pPr algn="l" defTabSz="457200" eaLnBrk="1" hangingPunct="1" latinLnBrk="0" marL="914400" rtl="0">
+    <a:lvl3pPr marL="914400" algn="l" defTabSz="457200" rtl="0" eaLnBrk="1" latinLnBrk="0" hangingPunct="1">
       <a:defRPr sz="1800" kern="1200">
         <a:solidFill>
           <a:schemeClr val="tx1"/>
@@ -56,7 +56,7 @@
         <a:cs typeface="+mn-cs"/>
       </a:defRPr>
     </a:lvl3pPr>
-    <a:lvl4pPr algn="l" defTabSz="457200" eaLnBrk="1" hangingPunct="1" latinLnBrk="0" marL="1371600" rtl="0">
+    <a:lvl4pPr marL="1371600" algn="l" defTabSz="457200" rtl="0" eaLnBrk="1" latinLnBrk="0" hangingPunct="1">
       <a:defRPr sz="1800" kern="1200">
         <a:solidFill>
           <a:schemeClr val="tx1"/>
@@ -66,7 +66,7 @@
         <a:cs typeface="+mn-cs"/>
       </a:defRPr>
     </a:lvl4pPr>
-    <a:lvl5pPr algn="l" defTabSz="457200" eaLnBrk="1" hangingPunct="1" latinLnBrk="0" marL="1828800" rtl="0">
+    <a:lvl5pPr marL="1828800" algn="l" defTabSz="457200" rtl="0" eaLnBrk="1" latinLnBrk="0" hangingPunct="1">
       <a:defRPr sz="1800" kern="1200">
         <a:solidFill>
           <a:schemeClr val="tx1"/>
@@ -76,7 +76,7 @@
         <a:cs typeface="+mn-cs"/>
       </a:defRPr>
     </a:lvl5pPr>
-    <a:lvl6pPr algn="l" defTabSz="457200" eaLnBrk="1" hangingPunct="1" latinLnBrk="0" marL="2286000" rtl="0">
+    <a:lvl6pPr marL="2286000" algn="l" defTabSz="457200" rtl="0" eaLnBrk="1" latinLnBrk="0" hangingPunct="1">
       <a:defRPr sz="1800" kern="1200">
         <a:solidFill>
           <a:schemeClr val="tx1"/>
@@ -86,7 +86,7 @@
         <a:cs typeface="+mn-cs"/>
       </a:defRPr>
     </a:lvl6pPr>
-    <a:lvl7pPr algn="l" defTabSz="457200" eaLnBrk="1" hangingPunct="1" latinLnBrk="0" marL="2743200" rtl="0">
+    <a:lvl7pPr marL="2743200" algn="l" defTabSz="457200" rtl="0" eaLnBrk="1" latinLnBrk="0" hangingPunct="1">
       <a:defRPr sz="1800" kern="1200">
         <a:solidFill>
           <a:schemeClr val="tx1"/>
@@ -96,7 +96,7 @@
         <a:cs typeface="+mn-cs"/>
       </a:defRPr>
     </a:lvl7pPr>
-    <a:lvl8pPr algn="l" defTabSz="457200" eaLnBrk="1" hangingPunct="1" latinLnBrk="0" marL="3200400" rtl="0">
+    <a:lvl8pPr marL="3200400" algn="l" defTabSz="457200" rtl="0" eaLnBrk="1" latinLnBrk="0" hangingPunct="1">
       <a:defRPr sz="1800" kern="1200">
         <a:solidFill>
           <a:schemeClr val="tx1"/>
@@ -106,7 +106,7 @@
         <a:cs typeface="+mn-cs"/>
       </a:defRPr>
     </a:lvl8pPr>
-    <a:lvl9pPr algn="l" defTabSz="457200" eaLnBrk="1" hangingPunct="1" latinLnBrk="0" marL="3657600" rtl="0">
+    <a:lvl9pPr marL="3657600" algn="l" defTabSz="457200" rtl="0" eaLnBrk="1" latinLnBrk="0" hangingPunct="1">
       <a:defRPr sz="1800" kern="1200">
         <a:solidFill>
           <a:schemeClr val="tx1"/>
@@ -117,7 +117,240 @@
       </a:defRPr>
     </a:lvl9pPr>
   </p:defaultTextStyle>
+  <p:extLst>
+    <p:ext uri="{EFAFB233-063F-42B5-8137-9DF3F51BA10A}">
+      <p15:sldGuideLst xmlns:p15="http://schemas.microsoft.com/office/powerpoint/2012/main"/>
+    </p:ext>
+  </p:extLst>
 </p:presentation>
+</file>
+
+<file path=ppt/changesInfos/changesInfo1.xml><?xml version="1.0" encoding="utf-8"?>
+<pc:chgInfo xmlns:a="http://schemas.openxmlformats.org/drawingml/2006/main" xmlns:r="http://schemas.openxmlformats.org/officeDocument/2006/relationships" xmlns:ac="http://schemas.microsoft.com/office/drawing/2013/main/command" xmlns:pc="http://schemas.microsoft.com/office/powerpoint/2013/main/command">
+  <pc:docChgLst>
+    <pc:chgData name="Uzma Sardar" userId="S::uzma@edunetfoundation.org::890a7be9-5a0a-41fe-80e8-7700810bf9d6" providerId="AD" clId="Web-{47C7BCB7-7546-3717-E035-B2126C89CD1A}"/>
+    <pc:docChg chg="modSld">
+      <pc:chgData name="Uzma Sardar" userId="S::uzma@edunetfoundation.org::890a7be9-5a0a-41fe-80e8-7700810bf9d6" providerId="AD" clId="Web-{47C7BCB7-7546-3717-E035-B2126C89CD1A}" dt="2023-11-22T12:55:27.328" v="2" actId="20577"/>
+      <pc:docMkLst>
+        <pc:docMk/>
+      </pc:docMkLst>
+      <pc:sldChg chg="modSp">
+        <pc:chgData name="Uzma Sardar" userId="S::uzma@edunetfoundation.org::890a7be9-5a0a-41fe-80e8-7700810bf9d6" providerId="AD" clId="Web-{47C7BCB7-7546-3717-E035-B2126C89CD1A}" dt="2023-11-22T12:55:27.328" v="2" actId="20577"/>
+        <pc:sldMkLst>
+          <pc:docMk/>
+          <pc:sldMk cId="1186421160" sldId="262"/>
+        </pc:sldMkLst>
+        <pc:spChg chg="mod">
+          <ac:chgData name="Uzma Sardar" userId="S::uzma@edunetfoundation.org::890a7be9-5a0a-41fe-80e8-7700810bf9d6" providerId="AD" clId="Web-{47C7BCB7-7546-3717-E035-B2126C89CD1A}" dt="2023-11-22T12:55:27.328" v="2" actId="20577"/>
+          <ac:spMkLst>
+            <pc:docMk/>
+            <pc:sldMk cId="1186421160" sldId="262"/>
+            <ac:spMk id="2" creationId="{8FEE4A9C-3F57-7DA7-91FD-715C3FB47F93}"/>
+          </ac:spMkLst>
+        </pc:spChg>
+      </pc:sldChg>
+    </pc:docChg>
+  </pc:docChgLst>
+  <pc:docChgLst>
+    <pc:chgData name="Uzma Sardar" userId="S::uzma@edunetfoundation.org::890a7be9-5a0a-41fe-80e8-7700810bf9d6" providerId="AD" clId="Web-{12466EFC-1F62-CA2C-07B1-96111B302B1B}"/>
+    <pc:docChg chg="addSld modSld sldOrd">
+      <pc:chgData name="Uzma Sardar" userId="S::uzma@edunetfoundation.org::890a7be9-5a0a-41fe-80e8-7700810bf9d6" providerId="AD" clId="Web-{12466EFC-1F62-CA2C-07B1-96111B302B1B}" dt="2023-11-22T13:37:01.483" v="138" actId="20577"/>
+      <pc:docMkLst>
+        <pc:docMk/>
+      </pc:docMkLst>
+      <pc:sldChg chg="modSp">
+        <pc:chgData name="Uzma Sardar" userId="S::uzma@edunetfoundation.org::890a7be9-5a0a-41fe-80e8-7700810bf9d6" providerId="AD" clId="Web-{12466EFC-1F62-CA2C-07B1-96111B302B1B}" dt="2023-11-22T12:50:28.225" v="0" actId="14100"/>
+        <pc:sldMkLst>
+          <pc:docMk/>
+          <pc:sldMk cId="953325580" sldId="256"/>
+        </pc:sldMkLst>
+        <pc:spChg chg="mod">
+          <ac:chgData name="Uzma Sardar" userId="S::uzma@edunetfoundation.org::890a7be9-5a0a-41fe-80e8-7700810bf9d6" providerId="AD" clId="Web-{12466EFC-1F62-CA2C-07B1-96111B302B1B}" dt="2023-11-22T12:50:28.225" v="0" actId="14100"/>
+          <ac:spMkLst>
+            <pc:docMk/>
+            <pc:sldMk cId="953325580" sldId="256"/>
+            <ac:spMk id="4" creationId="{00000000-0000-0000-0000-000000000000}"/>
+          </ac:spMkLst>
+        </pc:spChg>
+      </pc:sldChg>
+      <pc:sldChg chg="modSp ord">
+        <pc:chgData name="Uzma Sardar" userId="S::uzma@edunetfoundation.org::890a7be9-5a0a-41fe-80e8-7700810bf9d6" providerId="AD" clId="Web-{12466EFC-1F62-CA2C-07B1-96111B302B1B}" dt="2023-11-22T13:04:11.113" v="45" actId="20577"/>
+        <pc:sldMkLst>
+          <pc:docMk/>
+          <pc:sldMk cId="1186421160" sldId="262"/>
+        </pc:sldMkLst>
+        <pc:spChg chg="mod">
+          <ac:chgData name="Uzma Sardar" userId="S::uzma@edunetfoundation.org::890a7be9-5a0a-41fe-80e8-7700810bf9d6" providerId="AD" clId="Web-{12466EFC-1F62-CA2C-07B1-96111B302B1B}" dt="2023-11-22T13:04:11.113" v="45" actId="20577"/>
+          <ac:spMkLst>
+            <pc:docMk/>
+            <pc:sldMk cId="1186421160" sldId="262"/>
+            <ac:spMk id="2" creationId="{8FEE4A9C-3F57-7DA7-91FD-715C3FB47F93}"/>
+          </ac:spMkLst>
+        </pc:spChg>
+      </pc:sldChg>
+      <pc:sldChg chg="modSp">
+        <pc:chgData name="Uzma Sardar" userId="S::uzma@edunetfoundation.org::890a7be9-5a0a-41fe-80e8-7700810bf9d6" providerId="AD" clId="Web-{12466EFC-1F62-CA2C-07B1-96111B302B1B}" dt="2023-11-22T13:05:29.646" v="57" actId="20577"/>
+        <pc:sldMkLst>
+          <pc:docMk/>
+          <pc:sldMk cId="3210358481" sldId="263"/>
+        </pc:sldMkLst>
+        <pc:spChg chg="mod">
+          <ac:chgData name="Uzma Sardar" userId="S::uzma@edunetfoundation.org::890a7be9-5a0a-41fe-80e8-7700810bf9d6" providerId="AD" clId="Web-{12466EFC-1F62-CA2C-07B1-96111B302B1B}" dt="2023-11-22T13:05:29.646" v="57" actId="20577"/>
+          <ac:spMkLst>
+            <pc:docMk/>
+            <pc:sldMk cId="3210358481" sldId="263"/>
+            <ac:spMk id="2" creationId="{E041FD9D-DF07-9C37-1E61-1D920E0EF1D4}"/>
+          </ac:spMkLst>
+        </pc:spChg>
+      </pc:sldChg>
+      <pc:sldChg chg="modSp">
+        <pc:chgData name="Uzma Sardar" userId="S::uzma@edunetfoundation.org::890a7be9-5a0a-41fe-80e8-7700810bf9d6" providerId="AD" clId="Web-{12466EFC-1F62-CA2C-07B1-96111B302B1B}" dt="2023-11-22T13:14:11.606" v="93" actId="20577"/>
+        <pc:sldMkLst>
+          <pc:docMk/>
+          <pc:sldMk cId="3202024527" sldId="265"/>
+        </pc:sldMkLst>
+        <pc:spChg chg="mod">
+          <ac:chgData name="Uzma Sardar" userId="S::uzma@edunetfoundation.org::890a7be9-5a0a-41fe-80e8-7700810bf9d6" providerId="AD" clId="Web-{12466EFC-1F62-CA2C-07B1-96111B302B1B}" dt="2023-11-22T13:14:11.606" v="93" actId="20577"/>
+          <ac:spMkLst>
+            <pc:docMk/>
+            <pc:sldMk cId="3202024527" sldId="265"/>
+            <ac:spMk id="2" creationId="{C4FFAF3C-BA60-9181-132C-C36C403AAEA7}"/>
+          </ac:spMkLst>
+        </pc:spChg>
+        <pc:spChg chg="mod">
+          <ac:chgData name="Uzma Sardar" userId="S::uzma@edunetfoundation.org::890a7be9-5a0a-41fe-80e8-7700810bf9d6" providerId="AD" clId="Web-{12466EFC-1F62-CA2C-07B1-96111B302B1B}" dt="2023-11-22T13:11:59.339" v="59" actId="20577"/>
+          <ac:spMkLst>
+            <pc:docMk/>
+            <pc:sldMk cId="3202024527" sldId="265"/>
+            <ac:spMk id="5" creationId="{8FBA75B4-2DD5-42EB-9397-F36BFB8BA723}"/>
+          </ac:spMkLst>
+        </pc:spChg>
+      </pc:sldChg>
+      <pc:sldChg chg="modSp">
+        <pc:chgData name="Uzma Sardar" userId="S::uzma@edunetfoundation.org::890a7be9-5a0a-41fe-80e8-7700810bf9d6" providerId="AD" clId="Web-{12466EFC-1F62-CA2C-07B1-96111B302B1B}" dt="2023-11-22T13:36:39.545" v="134" actId="20577"/>
+        <pc:sldMkLst>
+          <pc:docMk/>
+          <pc:sldMk cId="4154508776" sldId="266"/>
+        </pc:sldMkLst>
+        <pc:spChg chg="mod">
+          <ac:chgData name="Uzma Sardar" userId="S::uzma@edunetfoundation.org::890a7be9-5a0a-41fe-80e8-7700810bf9d6" providerId="AD" clId="Web-{12466EFC-1F62-CA2C-07B1-96111B302B1B}" dt="2023-11-22T13:36:39.545" v="134" actId="20577"/>
+          <ac:spMkLst>
+            <pc:docMk/>
+            <pc:sldMk cId="4154508776" sldId="266"/>
+            <ac:spMk id="2" creationId="{F7F0871F-2198-9E37-C96F-3611AA199B60}"/>
+          </ac:spMkLst>
+        </pc:spChg>
+      </pc:sldChg>
+      <pc:sldChg chg="modSp">
+        <pc:chgData name="Uzma Sardar" userId="S::uzma@edunetfoundation.org::890a7be9-5a0a-41fe-80e8-7700810bf9d6" providerId="AD" clId="Web-{12466EFC-1F62-CA2C-07B1-96111B302B1B}" dt="2023-11-22T13:36:46.529" v="135" actId="20577"/>
+        <pc:sldMkLst>
+          <pc:docMk/>
+          <pc:sldMk cId="1483293388" sldId="267"/>
+        </pc:sldMkLst>
+        <pc:spChg chg="mod">
+          <ac:chgData name="Uzma Sardar" userId="S::uzma@edunetfoundation.org::890a7be9-5a0a-41fe-80e8-7700810bf9d6" providerId="AD" clId="Web-{12466EFC-1F62-CA2C-07B1-96111B302B1B}" dt="2023-11-22T13:36:46.529" v="135" actId="20577"/>
+          <ac:spMkLst>
+            <pc:docMk/>
+            <pc:sldMk cId="1483293388" sldId="267"/>
+            <ac:spMk id="2" creationId="{D3304455-6802-6CA9-8475-2F6DD1B8D409}"/>
+          </ac:spMkLst>
+        </pc:spChg>
+      </pc:sldChg>
+      <pc:sldChg chg="modSp">
+        <pc:chgData name="Uzma Sardar" userId="S::uzma@edunetfoundation.org::890a7be9-5a0a-41fe-80e8-7700810bf9d6" providerId="AD" clId="Web-{12466EFC-1F62-CA2C-07B1-96111B302B1B}" dt="2023-11-22T13:36:52.514" v="136" actId="20577"/>
+        <pc:sldMkLst>
+          <pc:docMk/>
+          <pc:sldMk cId="3183315129" sldId="268"/>
+        </pc:sldMkLst>
+        <pc:spChg chg="mod">
+          <ac:chgData name="Uzma Sardar" userId="S::uzma@edunetfoundation.org::890a7be9-5a0a-41fe-80e8-7700810bf9d6" providerId="AD" clId="Web-{12466EFC-1F62-CA2C-07B1-96111B302B1B}" dt="2023-11-22T13:36:52.514" v="136" actId="20577"/>
+          <ac:spMkLst>
+            <pc:docMk/>
+            <pc:sldMk cId="3183315129" sldId="268"/>
+            <ac:spMk id="2" creationId="{005E46AB-32C4-4B57-A2B1-50738A64BE1B}"/>
+          </ac:spMkLst>
+        </pc:spChg>
+      </pc:sldChg>
+      <pc:sldChg chg="modSp">
+        <pc:chgData name="Uzma Sardar" userId="S::uzma@edunetfoundation.org::890a7be9-5a0a-41fe-80e8-7700810bf9d6" providerId="AD" clId="Web-{12466EFC-1F62-CA2C-07B1-96111B302B1B}" dt="2023-11-22T13:37:01.483" v="138" actId="20577"/>
+        <pc:sldMkLst>
+          <pc:docMk/>
+          <pc:sldMk cId="728950222" sldId="269"/>
+        </pc:sldMkLst>
+        <pc:spChg chg="mod">
+          <ac:chgData name="Uzma Sardar" userId="S::uzma@edunetfoundation.org::890a7be9-5a0a-41fe-80e8-7700810bf9d6" providerId="AD" clId="Web-{12466EFC-1F62-CA2C-07B1-96111B302B1B}" dt="2023-11-22T13:37:01.483" v="138" actId="20577"/>
+          <ac:spMkLst>
+            <pc:docMk/>
+            <pc:sldMk cId="728950222" sldId="269"/>
+            <ac:spMk id="2" creationId="{357C38BC-22B3-37B2-E0C3-812020A76077}"/>
+          </ac:spMkLst>
+        </pc:spChg>
+      </pc:sldChg>
+      <pc:sldChg chg="ord">
+        <pc:chgData name="Uzma Sardar" userId="S::uzma@edunetfoundation.org::890a7be9-5a0a-41fe-80e8-7700810bf9d6" providerId="AD" clId="Web-{12466EFC-1F62-CA2C-07B1-96111B302B1B}" dt="2023-11-22T12:50:39.413" v="1"/>
+        <pc:sldMkLst>
+          <pc:docMk/>
+          <pc:sldMk cId="2900153716" sldId="2146847054"/>
+        </pc:sldMkLst>
+      </pc:sldChg>
+      <pc:sldChg chg="addSp delSp modSp new">
+        <pc:chgData name="Uzma Sardar" userId="S::uzma@edunetfoundation.org::890a7be9-5a0a-41fe-80e8-7700810bf9d6" providerId="AD" clId="Web-{12466EFC-1F62-CA2C-07B1-96111B302B1B}" dt="2023-11-22T13:36:56.748" v="137" actId="20577"/>
+        <pc:sldMkLst>
+          <pc:docMk/>
+          <pc:sldMk cId="614882681" sldId="2146847055"/>
+        </pc:sldMkLst>
+        <pc:spChg chg="del mod">
+          <ac:chgData name="Uzma Sardar" userId="S::uzma@edunetfoundation.org::890a7be9-5a0a-41fe-80e8-7700810bf9d6" providerId="AD" clId="Web-{12466EFC-1F62-CA2C-07B1-96111B302B1B}" dt="2023-11-22T13:35:34.513" v="121"/>
+          <ac:spMkLst>
+            <pc:docMk/>
+            <pc:sldMk cId="614882681" sldId="2146847055"/>
+            <ac:spMk id="2" creationId="{092FD957-A075-74CF-7EC5-14CBBC98A454}"/>
+          </ac:spMkLst>
+        </pc:spChg>
+        <pc:spChg chg="mod">
+          <ac:chgData name="Uzma Sardar" userId="S::uzma@edunetfoundation.org::890a7be9-5a0a-41fe-80e8-7700810bf9d6" providerId="AD" clId="Web-{12466EFC-1F62-CA2C-07B1-96111B302B1B}" dt="2023-11-22T13:36:56.748" v="137" actId="20577"/>
+          <ac:spMkLst>
+            <pc:docMk/>
+            <pc:sldMk cId="614882681" sldId="2146847055"/>
+            <ac:spMk id="3" creationId="{A6638FD1-D00E-E75B-705C-564F06D93D7B}"/>
+          </ac:spMkLst>
+        </pc:spChg>
+        <pc:spChg chg="add mod">
+          <ac:chgData name="Uzma Sardar" userId="S::uzma@edunetfoundation.org::890a7be9-5a0a-41fe-80e8-7700810bf9d6" providerId="AD" clId="Web-{12466EFC-1F62-CA2C-07B1-96111B302B1B}" dt="2023-11-22T13:35:36.794" v="122" actId="1076"/>
+          <ac:spMkLst>
+            <pc:docMk/>
+            <pc:sldMk cId="614882681" sldId="2146847055"/>
+            <ac:spMk id="5" creationId="{3F968F13-9AC4-7120-7ACD-9F752C767D5D}"/>
+          </ac:spMkLst>
+        </pc:spChg>
+      </pc:sldChg>
+    </pc:docChg>
+  </pc:docChgLst>
+  <pc:docChgLst>
+    <pc:chgData name="Shabaz Ahmed Ali" userId="S::shabaz@edunetfoundation.org::8937c481-946d-4552-82de-d81526054d6b" providerId="AD" clId="Web-{0A2B98E8-7AC3-75BD-DBFE-38A4BBF4F439}"/>
+    <pc:docChg chg="modSld">
+      <pc:chgData name="Shabaz Ahmed Ali" userId="S::shabaz@edunetfoundation.org::8937c481-946d-4552-82de-d81526054d6b" providerId="AD" clId="Web-{0A2B98E8-7AC3-75BD-DBFE-38A4BBF4F439}" dt="2024-01-05T12:23:35.348" v="9" actId="20577"/>
+      <pc:docMkLst>
+        <pc:docMk/>
+      </pc:docMkLst>
+      <pc:sldChg chg="modSp">
+        <pc:chgData name="Shabaz Ahmed Ali" userId="S::shabaz@edunetfoundation.org::8937c481-946d-4552-82de-d81526054d6b" providerId="AD" clId="Web-{0A2B98E8-7AC3-75BD-DBFE-38A4BBF4F439}" dt="2024-01-05T12:23:35.348" v="9" actId="20577"/>
+        <pc:sldMkLst>
+          <pc:docMk/>
+          <pc:sldMk cId="2900153716" sldId="2146847054"/>
+        </pc:sldMkLst>
+        <pc:spChg chg="mod">
+          <ac:chgData name="Shabaz Ahmed Ali" userId="S::shabaz@edunetfoundation.org::8937c481-946d-4552-82de-d81526054d6b" providerId="AD" clId="Web-{0A2B98E8-7AC3-75BD-DBFE-38A4BBF4F439}" dt="2024-01-05T12:23:35.348" v="9" actId="20577"/>
+          <ac:spMkLst>
+            <pc:docMk/>
+            <pc:sldMk cId="2900153716" sldId="2146847054"/>
+            <ac:spMk id="3" creationId="{B2678641-EEA3-4EC4-BF39-4075B0C120E8}"/>
+          </ac:spMkLst>
+        </pc:spChg>
+      </pc:sldChg>
+    </pc:docChg>
+  </pc:docChgLst>
+</pc:chgInfo>
 </file>
 
 <file path=ppt/notesMasters/notesMaster1.xml><?xml version="1.0" encoding="utf-8"?>
@@ -130,7 +363,7 @@
     </p:bg>
     <p:spTree>
       <p:nvGrpSpPr>
-        <p:cNvPr id="59" name=""/>
+        <p:cNvPr id="1" name=""/>
         <p:cNvGrpSpPr/>
         <p:nvPr/>
       </p:nvGrpSpPr>
@@ -144,7 +377,7 @@
       </p:grpSpPr>
       <p:sp>
         <p:nvSpPr>
-          <p:cNvPr id="1048709" name="Header Placeholder 1"/>
+          <p:cNvPr id="2" name="Header Placeholder 1"/>
           <p:cNvSpPr>
             <a:spLocks noGrp="1"/>
           </p:cNvSpPr>
@@ -157,10 +390,12 @@
             <a:off x="0" y="0"/>
             <a:ext cx="2971800" cy="458788"/>
           </a:xfrm>
-          <a:prstGeom prst="rect"/>
+          <a:prstGeom prst="rect">
+            <a:avLst/>
+          </a:prstGeom>
         </p:spPr>
         <p:txBody>
-          <a:bodyPr bIns="45720" lIns="91440" rIns="91440" rtlCol="0" tIns="45720" vert="horz"/>
+          <a:bodyPr vert="horz" lIns="91440" tIns="45720" rIns="91440" bIns="45720" rtlCol="0"/>
           <a:lstStyle>
             <a:lvl1pPr algn="l">
               <a:defRPr sz="1200"/>
@@ -173,7 +408,7 @@
       </p:sp>
       <p:sp>
         <p:nvSpPr>
-          <p:cNvPr id="1048710" name="Date Placeholder 2"/>
+          <p:cNvPr id="3" name="Date Placeholder 2"/>
           <p:cNvSpPr>
             <a:spLocks noGrp="1"/>
           </p:cNvSpPr>
@@ -186,10 +421,12 @@
             <a:off x="3884613" y="0"/>
             <a:ext cx="2971800" cy="458788"/>
           </a:xfrm>
-          <a:prstGeom prst="rect"/>
+          <a:prstGeom prst="rect">
+            <a:avLst/>
+          </a:prstGeom>
         </p:spPr>
         <p:txBody>
-          <a:bodyPr bIns="45720" lIns="91440" rIns="91440" rtlCol="0" tIns="45720" vert="horz"/>
+          <a:bodyPr vert="horz" lIns="91440" tIns="45720" rIns="91440" bIns="45720" rtlCol="0"/>
           <a:lstStyle>
             <a:lvl1pPr algn="r">
               <a:defRPr sz="1200"/>
@@ -198,7 +435,7 @@
           <a:p>
             <a:fld id="{46256A78-79A6-408F-8148-4F87BB81602D}" type="datetimeFigureOut">
               <a:rPr lang="en-IN" smtClean="0"/>
-              <a:t>29-03-2024</a:t>
+              <a:t>03-04-2024</a:t>
             </a:fld>
             <a:endParaRPr lang="en-IN"/>
           </a:p>
@@ -206,9 +443,9 @@
       </p:sp>
       <p:sp>
         <p:nvSpPr>
-          <p:cNvPr id="1048711" name="Slide Image Placeholder 3"/>
-          <p:cNvSpPr>
-            <a:spLocks noChangeAspect="1" noRot="1" noGrp="1"/>
+          <p:cNvPr id="4" name="Slide Image Placeholder 3"/>
+          <p:cNvSpPr>
+            <a:spLocks noGrp="1" noRot="1" noChangeAspect="1"/>
           </p:cNvSpPr>
           <p:nvPr>
             <p:ph type="sldImg" idx="2"/>
@@ -219,7 +456,9 @@
             <a:off x="685800" y="1143000"/>
             <a:ext cx="5486400" cy="3086100"/>
           </a:xfrm>
-          <a:prstGeom prst="rect"/>
+          <a:prstGeom prst="rect">
+            <a:avLst/>
+          </a:prstGeom>
           <a:noFill/>
           <a:ln w="12700">
             <a:solidFill>
@@ -228,7 +467,8 @@
           </a:ln>
         </p:spPr>
         <p:txBody>
-          <a:bodyPr anchor="ctr" bIns="45720" lIns="91440" rIns="91440" rtlCol="0" tIns="45720" vert="horz"/>
+          <a:bodyPr vert="horz" lIns="91440" tIns="45720" rIns="91440" bIns="45720" rtlCol="0" anchor="ctr"/>
+          <a:lstStyle/>
           <a:p>
             <a:endParaRPr lang="en-IN"/>
           </a:p>
@@ -236,7 +476,7 @@
       </p:sp>
       <p:sp>
         <p:nvSpPr>
-          <p:cNvPr id="1048712" name="Notes Placeholder 4"/>
+          <p:cNvPr id="5" name="Notes Placeholder 4"/>
           <p:cNvSpPr>
             <a:spLocks noGrp="1"/>
           </p:cNvSpPr>
@@ -249,10 +489,13 @@
             <a:off x="685800" y="4400550"/>
             <a:ext cx="5486400" cy="3600450"/>
           </a:xfrm>
-          <a:prstGeom prst="rect"/>
+          <a:prstGeom prst="rect">
+            <a:avLst/>
+          </a:prstGeom>
         </p:spPr>
         <p:txBody>
-          <a:bodyPr bIns="45720" lIns="91440" rIns="91440" rtlCol="0" tIns="45720" vert="horz"/>
+          <a:bodyPr vert="horz" lIns="91440" tIns="45720" rIns="91440" bIns="45720" rtlCol="0"/>
+          <a:lstStyle/>
           <a:p>
             <a:pPr lvl="0"/>
             <a:r>
@@ -293,7 +536,7 @@
       </p:sp>
       <p:sp>
         <p:nvSpPr>
-          <p:cNvPr id="1048713" name="Footer Placeholder 5"/>
+          <p:cNvPr id="6" name="Footer Placeholder 5"/>
           <p:cNvSpPr>
             <a:spLocks noGrp="1"/>
           </p:cNvSpPr>
@@ -306,10 +549,12 @@
             <a:off x="0" y="8685213"/>
             <a:ext cx="2971800" cy="458787"/>
           </a:xfrm>
-          <a:prstGeom prst="rect"/>
+          <a:prstGeom prst="rect">
+            <a:avLst/>
+          </a:prstGeom>
         </p:spPr>
         <p:txBody>
-          <a:bodyPr anchor="b" bIns="45720" lIns="91440" rIns="91440" rtlCol="0" tIns="45720" vert="horz"/>
+          <a:bodyPr vert="horz" lIns="91440" tIns="45720" rIns="91440" bIns="45720" rtlCol="0" anchor="b"/>
           <a:lstStyle>
             <a:lvl1pPr algn="l">
               <a:defRPr sz="1200"/>
@@ -322,7 +567,7 @@
       </p:sp>
       <p:sp>
         <p:nvSpPr>
-          <p:cNvPr id="1048714" name="Slide Number Placeholder 6"/>
+          <p:cNvPr id="7" name="Slide Number Placeholder 6"/>
           <p:cNvSpPr>
             <a:spLocks noGrp="1"/>
           </p:cNvSpPr>
@@ -335,10 +580,12 @@
             <a:off x="3884613" y="8685213"/>
             <a:ext cx="2971800" cy="458787"/>
           </a:xfrm>
-          <a:prstGeom prst="rect"/>
+          <a:prstGeom prst="rect">
+            <a:avLst/>
+          </a:prstGeom>
         </p:spPr>
         <p:txBody>
-          <a:bodyPr anchor="b" bIns="45720" lIns="91440" rIns="91440" rtlCol="0" tIns="45720" vert="horz"/>
+          <a:bodyPr vert="horz" lIns="91440" tIns="45720" rIns="91440" bIns="45720" rtlCol="0" anchor="b"/>
           <a:lstStyle>
             <a:lvl1pPr algn="r">
               <a:defRPr sz="1200"/>
@@ -354,10 +601,15 @@
         </p:txBody>
       </p:sp>
     </p:spTree>
+    <p:extLst>
+      <p:ext uri="{BB962C8B-B14F-4D97-AF65-F5344CB8AC3E}">
+        <p14:creationId xmlns:p14="http://schemas.microsoft.com/office/powerpoint/2010/main" val="538008421"/>
+      </p:ext>
+    </p:extLst>
   </p:cSld>
-  <p:clrMap accent1="accent1" accent2="accent2" accent3="accent3" accent4="accent4" accent5="accent5" accent6="accent6" bg1="lt1" bg2="lt2" tx1="dk1" tx2="dk2" hlink="hlink" folHlink="folHlink"/>
+  <p:clrMap bg1="lt1" tx1="dk1" bg2="lt2" tx2="dk2" accent1="accent1" accent2="accent2" accent3="accent3" accent4="accent4" accent5="accent5" accent6="accent6" hlink="hlink" folHlink="folHlink"/>
   <p:notesStyle>
-    <a:lvl1pPr algn="l" defTabSz="914400" eaLnBrk="1" hangingPunct="1" latinLnBrk="0" marL="0" rtl="0">
+    <a:lvl1pPr marL="0" algn="l" defTabSz="914400" rtl="0" eaLnBrk="1" latinLnBrk="0" hangingPunct="1">
       <a:defRPr sz="1200" kern="1200">
         <a:solidFill>
           <a:schemeClr val="tx1"/>
@@ -367,7 +619,7 @@
         <a:cs typeface="+mn-cs"/>
       </a:defRPr>
     </a:lvl1pPr>
-    <a:lvl2pPr algn="l" defTabSz="914400" eaLnBrk="1" hangingPunct="1" latinLnBrk="0" marL="457200" rtl="0">
+    <a:lvl2pPr marL="457200" algn="l" defTabSz="914400" rtl="0" eaLnBrk="1" latinLnBrk="0" hangingPunct="1">
       <a:defRPr sz="1200" kern="1200">
         <a:solidFill>
           <a:schemeClr val="tx1"/>
@@ -377,7 +629,7 @@
         <a:cs typeface="+mn-cs"/>
       </a:defRPr>
     </a:lvl2pPr>
-    <a:lvl3pPr algn="l" defTabSz="914400" eaLnBrk="1" hangingPunct="1" latinLnBrk="0" marL="914400" rtl="0">
+    <a:lvl3pPr marL="914400" algn="l" defTabSz="914400" rtl="0" eaLnBrk="1" latinLnBrk="0" hangingPunct="1">
       <a:defRPr sz="1200" kern="1200">
         <a:solidFill>
           <a:schemeClr val="tx1"/>
@@ -387,7 +639,7 @@
         <a:cs typeface="+mn-cs"/>
       </a:defRPr>
     </a:lvl3pPr>
-    <a:lvl4pPr algn="l" defTabSz="914400" eaLnBrk="1" hangingPunct="1" latinLnBrk="0" marL="1371600" rtl="0">
+    <a:lvl4pPr marL="1371600" algn="l" defTabSz="914400" rtl="0" eaLnBrk="1" latinLnBrk="0" hangingPunct="1">
       <a:defRPr sz="1200" kern="1200">
         <a:solidFill>
           <a:schemeClr val="tx1"/>
@@ -397,7 +649,7 @@
         <a:cs typeface="+mn-cs"/>
       </a:defRPr>
     </a:lvl4pPr>
-    <a:lvl5pPr algn="l" defTabSz="914400" eaLnBrk="1" hangingPunct="1" latinLnBrk="0" marL="1828800" rtl="0">
+    <a:lvl5pPr marL="1828800" algn="l" defTabSz="914400" rtl="0" eaLnBrk="1" latinLnBrk="0" hangingPunct="1">
       <a:defRPr sz="1200" kern="1200">
         <a:solidFill>
           <a:schemeClr val="tx1"/>
@@ -407,7 +659,7 @@
         <a:cs typeface="+mn-cs"/>
       </a:defRPr>
     </a:lvl5pPr>
-    <a:lvl6pPr algn="l" defTabSz="914400" eaLnBrk="1" hangingPunct="1" latinLnBrk="0" marL="2286000" rtl="0">
+    <a:lvl6pPr marL="2286000" algn="l" defTabSz="914400" rtl="0" eaLnBrk="1" latinLnBrk="0" hangingPunct="1">
       <a:defRPr sz="1200" kern="1200">
         <a:solidFill>
           <a:schemeClr val="tx1"/>
@@ -417,7 +669,7 @@
         <a:cs typeface="+mn-cs"/>
       </a:defRPr>
     </a:lvl6pPr>
-    <a:lvl7pPr algn="l" defTabSz="914400" eaLnBrk="1" hangingPunct="1" latinLnBrk="0" marL="2743200" rtl="0">
+    <a:lvl7pPr marL="2743200" algn="l" defTabSz="914400" rtl="0" eaLnBrk="1" latinLnBrk="0" hangingPunct="1">
       <a:defRPr sz="1200" kern="1200">
         <a:solidFill>
           <a:schemeClr val="tx1"/>
@@ -427,7 +679,7 @@
         <a:cs typeface="+mn-cs"/>
       </a:defRPr>
     </a:lvl7pPr>
-    <a:lvl8pPr algn="l" defTabSz="914400" eaLnBrk="1" hangingPunct="1" latinLnBrk="0" marL="3200400" rtl="0">
+    <a:lvl8pPr marL="3200400" algn="l" defTabSz="914400" rtl="0" eaLnBrk="1" latinLnBrk="0" hangingPunct="1">
       <a:defRPr sz="1200" kern="1200">
         <a:solidFill>
           <a:schemeClr val="tx1"/>
@@ -437,7 +689,7 @@
         <a:cs typeface="+mn-cs"/>
       </a:defRPr>
     </a:lvl8pPr>
-    <a:lvl9pPr algn="l" defTabSz="914400" eaLnBrk="1" hangingPunct="1" latinLnBrk="0" marL="3657600" rtl="0">
+    <a:lvl9pPr marL="3657600" algn="l" defTabSz="914400" rtl="0" eaLnBrk="1" latinLnBrk="0" hangingPunct="1">
       <a:defRPr sz="1200" kern="1200">
         <a:solidFill>
           <a:schemeClr val="tx1"/>
@@ -452,11 +704,11 @@
 </file>
 
 <file path=ppt/slideLayouts/slideLayout1.xml><?xml version="1.0" encoding="utf-8"?>
-<p:sldLayout xmlns:a="http://schemas.openxmlformats.org/drawingml/2006/main" xmlns:r="http://schemas.openxmlformats.org/officeDocument/2006/relationships" xmlns:p="http://schemas.openxmlformats.org/presentationml/2006/main" preserve="1" showMasterSp="0" type="title">
+<p:sldLayout xmlns:a="http://schemas.openxmlformats.org/drawingml/2006/main" xmlns:r="http://schemas.openxmlformats.org/officeDocument/2006/relationships" xmlns:p="http://schemas.openxmlformats.org/presentationml/2006/main" showMasterSp="0" type="title" preserve="1">
   <p:cSld name="Title Slide">
     <p:spTree>
       <p:nvGrpSpPr>
-        <p:cNvPr id="30" name=""/>
+        <p:cNvPr id="1" name=""/>
         <p:cNvGrpSpPr/>
         <p:nvPr/>
       </p:nvGrpSpPr>
@@ -470,7 +722,7 @@
       </p:grpSpPr>
       <p:grpSp>
         <p:nvGrpSpPr>
-          <p:cNvPr id="31" name="Group 6"/>
+          <p:cNvPr id="7" name="Group 6"/>
           <p:cNvGrpSpPr/>
           <p:nvPr/>
         </p:nvGrpSpPr>
@@ -484,10 +736,8 @@
         </p:grpSpPr>
         <p:cxnSp>
           <p:nvCxnSpPr>
-            <p:cNvPr id="3145730" name="Straight Connector 31"/>
-            <p:cNvCxnSpPr>
-              <a:cxnSpLocks/>
-            </p:cNvCxnSpPr>
+            <p:cNvPr id="32" name="Straight Connector 31"/>
+            <p:cNvCxnSpPr/>
             <p:nvPr/>
           </p:nvCxnSpPr>
           <p:spPr>
@@ -495,7 +745,9 @@
               <a:off x="9371012" y="0"/>
               <a:ext cx="1219200" cy="6858000"/>
             </a:xfrm>
-            <a:prstGeom prst="line"/>
+            <a:prstGeom prst="line">
+              <a:avLst/>
+            </a:prstGeom>
             <a:ln w="9525">
               <a:solidFill>
                 <a:schemeClr val="bg1">
@@ -521,10 +773,8 @@
         </p:cxnSp>
         <p:cxnSp>
           <p:nvCxnSpPr>
-            <p:cNvPr id="3145731" name="Straight Connector 20"/>
-            <p:cNvCxnSpPr>
-              <a:cxnSpLocks/>
-            </p:cNvCxnSpPr>
+            <p:cNvPr id="21" name="Straight Connector 20"/>
+            <p:cNvCxnSpPr/>
             <p:nvPr/>
           </p:nvCxnSpPr>
           <p:spPr>
@@ -532,7 +782,9 @@
               <a:off x="7425267" y="3681413"/>
               <a:ext cx="4763558" cy="3176587"/>
             </a:xfrm>
-            <a:prstGeom prst="line"/>
+            <a:prstGeom prst="line">
+              <a:avLst/>
+            </a:prstGeom>
             <a:ln w="9525">
               <a:solidFill>
                 <a:schemeClr val="bg1">
@@ -558,7 +810,7 @@
         </p:cxnSp>
         <p:sp>
           <p:nvSpPr>
-            <p:cNvPr id="1048589" name="Rectangle 23"/>
+            <p:cNvPr id="24" name="Rectangle 23"/>
             <p:cNvSpPr/>
             <p:nvPr/>
           </p:nvSpPr>
@@ -569,7 +821,9 @@
             </a:xfrm>
             <a:custGeom>
               <a:avLst/>
+              <a:gdLst/>
               <a:ahLst/>
+              <a:cxnLst/>
               <a:rect l="l" t="t" r="r" b="b"/>
               <a:pathLst>
                 <a:path w="3007349" h="6866467">
@@ -619,7 +873,7 @@
         </p:sp>
         <p:sp>
           <p:nvSpPr>
-            <p:cNvPr id="1048590" name="Rectangle 25"/>
+            <p:cNvPr id="26" name="Rectangle 25"/>
             <p:cNvSpPr/>
             <p:nvPr/>
           </p:nvSpPr>
@@ -630,7 +884,9 @@
             </a:xfrm>
             <a:custGeom>
               <a:avLst/>
+              <a:gdLst/>
               <a:ahLst/>
+              <a:cxnLst/>
               <a:rect l="l" t="t" r="r" b="b"/>
               <a:pathLst>
                 <a:path w="2573311" h="6866467">
@@ -680,7 +936,7 @@
         </p:sp>
         <p:sp>
           <p:nvSpPr>
-            <p:cNvPr id="1048591" name="Isosceles Triangle 26"/>
+            <p:cNvPr id="27" name="Isosceles Triangle 26"/>
             <p:cNvSpPr/>
             <p:nvPr/>
           </p:nvSpPr>
@@ -721,7 +977,7 @@
         </p:sp>
         <p:sp>
           <p:nvSpPr>
-            <p:cNvPr id="1048592" name="Rectangle 27"/>
+            <p:cNvPr id="28" name="Rectangle 27"/>
             <p:cNvSpPr/>
             <p:nvPr/>
           </p:nvSpPr>
@@ -732,7 +988,9 @@
             </a:xfrm>
             <a:custGeom>
               <a:avLst/>
+              <a:gdLst/>
               <a:ahLst/>
+              <a:cxnLst/>
               <a:rect l="l" t="t" r="r" b="b"/>
               <a:pathLst>
                 <a:path w="2858013" h="6866467">
@@ -783,7 +1041,7 @@
         </p:sp>
         <p:sp>
           <p:nvSpPr>
-            <p:cNvPr id="1048593" name="Rectangle 28"/>
+            <p:cNvPr id="29" name="Rectangle 28"/>
             <p:cNvSpPr/>
             <p:nvPr/>
           </p:nvSpPr>
@@ -794,7 +1052,9 @@
             </a:xfrm>
             <a:custGeom>
               <a:avLst/>
+              <a:gdLst/>
               <a:ahLst/>
+              <a:cxnLst/>
               <a:rect l="l" t="t" r="r" b="b"/>
               <a:pathLst>
                 <a:path w="1290094" h="6858000">
@@ -846,7 +1106,7 @@
         </p:sp>
         <p:sp>
           <p:nvSpPr>
-            <p:cNvPr id="1048594" name="Rectangle 29"/>
+            <p:cNvPr id="30" name="Rectangle 29"/>
             <p:cNvSpPr/>
             <p:nvPr/>
           </p:nvSpPr>
@@ -857,7 +1117,9 @@
             </a:xfrm>
             <a:custGeom>
               <a:avLst/>
+              <a:gdLst/>
               <a:ahLst/>
+              <a:cxnLst/>
               <a:rect l="l" t="t" r="r" b="b"/>
               <a:pathLst>
                 <a:path w="1249825" h="6858000">
@@ -907,7 +1169,7 @@
         </p:sp>
         <p:sp>
           <p:nvSpPr>
-            <p:cNvPr id="1048595" name="Isosceles Triangle 30"/>
+            <p:cNvPr id="31" name="Isosceles Triangle 30"/>
             <p:cNvSpPr/>
             <p:nvPr/>
           </p:nvSpPr>
@@ -948,7 +1210,7 @@
         </p:sp>
         <p:sp>
           <p:nvSpPr>
-            <p:cNvPr id="1048596" name="Isosceles Triangle 18"/>
+            <p:cNvPr id="19" name="Isosceles Triangle 18"/>
             <p:cNvSpPr/>
             <p:nvPr/>
           </p:nvSpPr>
@@ -990,7 +1252,7 @@
       </p:grpSp>
       <p:sp>
         <p:nvSpPr>
-          <p:cNvPr id="1048597" name="Title 1"/>
+          <p:cNvPr id="2" name="Title 1"/>
           <p:cNvSpPr>
             <a:spLocks noGrp="1"/>
           </p:cNvSpPr>
@@ -1022,13 +1284,13 @@
               <a:rPr lang="en-US"/>
               <a:t>Click to edit Master title style</a:t>
             </a:r>
-            <a:endParaRPr dirty="0" lang="en-US"/>
-          </a:p>
-        </p:txBody>
-      </p:sp>
-      <p:sp>
-        <p:nvSpPr>
-          <p:cNvPr id="1048598" name="Subtitle 2"/>
+            <a:endParaRPr lang="en-US" dirty="0"/>
+          </a:p>
+        </p:txBody>
+      </p:sp>
+      <p:sp>
+        <p:nvSpPr>
+          <p:cNvPr id="3" name="Subtitle 2"/>
           <p:cNvSpPr>
             <a:spLocks noGrp="1"/>
           </p:cNvSpPr>
@@ -1045,7 +1307,7 @@
         <p:txBody>
           <a:bodyPr anchor="t"/>
           <a:lstStyle>
-            <a:lvl1pPr algn="r" indent="0" marL="0">
+            <a:lvl1pPr marL="0" indent="0" algn="r">
               <a:buNone/>
               <a:defRPr>
                 <a:solidFill>
@@ -1056,7 +1318,7 @@
                 </a:solidFill>
               </a:defRPr>
             </a:lvl1pPr>
-            <a:lvl2pPr algn="ctr" indent="0" marL="457200">
+            <a:lvl2pPr marL="457200" indent="0" algn="ctr">
               <a:buNone/>
               <a:defRPr>
                 <a:solidFill>
@@ -1066,7 +1328,7 @@
                 </a:solidFill>
               </a:defRPr>
             </a:lvl2pPr>
-            <a:lvl3pPr algn="ctr" indent="0" marL="914400">
+            <a:lvl3pPr marL="914400" indent="0" algn="ctr">
               <a:buNone/>
               <a:defRPr>
                 <a:solidFill>
@@ -1076,7 +1338,7 @@
                 </a:solidFill>
               </a:defRPr>
             </a:lvl3pPr>
-            <a:lvl4pPr algn="ctr" indent="0" marL="1371600">
+            <a:lvl4pPr marL="1371600" indent="0" algn="ctr">
               <a:buNone/>
               <a:defRPr>
                 <a:solidFill>
@@ -1086,7 +1348,7 @@
                 </a:solidFill>
               </a:defRPr>
             </a:lvl4pPr>
-            <a:lvl5pPr algn="ctr" indent="0" marL="1828800">
+            <a:lvl5pPr marL="1828800" indent="0" algn="ctr">
               <a:buNone/>
               <a:defRPr>
                 <a:solidFill>
@@ -1096,7 +1358,7 @@
                 </a:solidFill>
               </a:defRPr>
             </a:lvl5pPr>
-            <a:lvl6pPr algn="ctr" indent="0" marL="2286000">
+            <a:lvl6pPr marL="2286000" indent="0" algn="ctr">
               <a:buNone/>
               <a:defRPr>
                 <a:solidFill>
@@ -1106,7 +1368,7 @@
                 </a:solidFill>
               </a:defRPr>
             </a:lvl6pPr>
-            <a:lvl7pPr algn="ctr" indent="0" marL="2743200">
+            <a:lvl7pPr marL="2743200" indent="0" algn="ctr">
               <a:buNone/>
               <a:defRPr>
                 <a:solidFill>
@@ -1116,7 +1378,7 @@
                 </a:solidFill>
               </a:defRPr>
             </a:lvl7pPr>
-            <a:lvl8pPr algn="ctr" indent="0" marL="3200400">
+            <a:lvl8pPr marL="3200400" indent="0" algn="ctr">
               <a:buNone/>
               <a:defRPr>
                 <a:solidFill>
@@ -1126,7 +1388,7 @@
                 </a:solidFill>
               </a:defRPr>
             </a:lvl8pPr>
-            <a:lvl9pPr algn="ctr" indent="0" marL="3657600">
+            <a:lvl9pPr marL="3657600" indent="0" algn="ctr">
               <a:buNone/>
               <a:defRPr>
                 <a:solidFill>
@@ -1142,13 +1404,13 @@
               <a:rPr lang="en-US"/>
               <a:t>Click to edit Master subtitle style</a:t>
             </a:r>
-            <a:endParaRPr dirty="0" lang="en-US"/>
-          </a:p>
-        </p:txBody>
-      </p:sp>
-      <p:sp>
-        <p:nvSpPr>
-          <p:cNvPr id="1048599" name="Date Placeholder 3"/>
+            <a:endParaRPr lang="en-US" dirty="0"/>
+          </a:p>
+        </p:txBody>
+      </p:sp>
+      <p:sp>
+        <p:nvSpPr>
+          <p:cNvPr id="4" name="Date Placeholder 3"/>
           <p:cNvSpPr>
             <a:spLocks noGrp="1"/>
           </p:cNvSpPr>
@@ -1159,10 +1421,11 @@
         <p:spPr/>
         <p:txBody>
           <a:bodyPr/>
+          <a:lstStyle/>
           <a:p>
             <a:fld id="{ED291B17-9318-49DB-B28B-6E5994AE9581}" type="datetime1">
               <a:rPr lang="en-US" smtClean="0"/>
-              <a:t>29-Mar-24</a:t>
+              <a:t>4/3/2024</a:t>
             </a:fld>
             <a:endParaRPr lang="en-US"/>
           </a:p>
@@ -1170,7 +1433,7 @@
       </p:sp>
       <p:sp>
         <p:nvSpPr>
-          <p:cNvPr id="1048600" name="Footer Placeholder 4"/>
+          <p:cNvPr id="5" name="Footer Placeholder 4"/>
           <p:cNvSpPr>
             <a:spLocks noGrp="1"/>
           </p:cNvSpPr>
@@ -1181,6 +1444,7 @@
         <p:spPr/>
         <p:txBody>
           <a:bodyPr/>
+          <a:lstStyle/>
           <a:p>
             <a:endParaRPr lang="en-US"/>
           </a:p>
@@ -1188,7 +1452,7 @@
       </p:sp>
       <p:sp>
         <p:nvSpPr>
-          <p:cNvPr id="1048601" name="Slide Number Placeholder 5"/>
+          <p:cNvPr id="6" name="Slide Number Placeholder 5"/>
           <p:cNvSpPr>
             <a:spLocks noGrp="1"/>
           </p:cNvSpPr>
@@ -1199,6 +1463,7 @@
         <p:spPr/>
         <p:txBody>
           <a:bodyPr/>
+          <a:lstStyle/>
           <a:p>
             <a:fld id="{3A98EE3D-8CD1-4C3F-BD1C-C98C9596463C}" type="slidenum">
               <a:rPr lang="en-US" smtClean="0"/>
@@ -1209,6 +1474,11 @@
         </p:txBody>
       </p:sp>
     </p:spTree>
+    <p:extLst>
+      <p:ext uri="{BB962C8B-B14F-4D97-AF65-F5344CB8AC3E}">
+        <p14:creationId xmlns:p14="http://schemas.microsoft.com/office/powerpoint/2010/main" val="2388222046"/>
+      </p:ext>
+    </p:extLst>
   </p:cSld>
   <p:clrMapOvr>
     <a:masterClrMapping/>
@@ -1221,7 +1491,7 @@
   <p:cSld name="Title and Caption">
     <p:spTree>
       <p:nvGrpSpPr>
-        <p:cNvPr id="54" name=""/>
+        <p:cNvPr id="1" name=""/>
         <p:cNvGrpSpPr/>
         <p:nvPr/>
       </p:nvGrpSpPr>
@@ -1235,7 +1505,7 @@
       </p:grpSpPr>
       <p:sp>
         <p:nvSpPr>
-          <p:cNvPr id="1048681" name="Title 1"/>
+          <p:cNvPr id="2" name="Title 1"/>
           <p:cNvSpPr>
             <a:spLocks noGrp="1"/>
           </p:cNvSpPr>
@@ -1255,7 +1525,7 @@
           </a:bodyPr>
           <a:lstStyle>
             <a:lvl1pPr algn="l">
-              <a:defRPr b="0" cap="none" sz="4400"/>
+              <a:defRPr sz="4400" b="0" cap="none"/>
             </a:lvl1pPr>
           </a:lstStyle>
           <a:p>
@@ -1263,13 +1533,13 @@
               <a:rPr lang="en-US"/>
               <a:t>Click to edit Master title style</a:t>
             </a:r>
-            <a:endParaRPr dirty="0" lang="en-US"/>
-          </a:p>
-        </p:txBody>
-      </p:sp>
-      <p:sp>
-        <p:nvSpPr>
-          <p:cNvPr id="1048682" name="Text Placeholder 2"/>
+            <a:endParaRPr lang="en-US" dirty="0"/>
+          </a:p>
+        </p:txBody>
+      </p:sp>
+      <p:sp>
+        <p:nvSpPr>
+          <p:cNvPr id="3" name="Text Placeholder 2"/>
           <p:cNvSpPr>
             <a:spLocks noGrp="1"/>
           </p:cNvSpPr>
@@ -1288,7 +1558,7 @@
             <a:normAutofit/>
           </a:bodyPr>
           <a:lstStyle>
-            <a:lvl1pPr algn="l" indent="0" marL="0">
+            <a:lvl1pPr marL="0" indent="0" algn="l">
               <a:buNone/>
               <a:defRPr sz="1800">
                 <a:solidFill>
@@ -1299,7 +1569,7 @@
                 </a:solidFill>
               </a:defRPr>
             </a:lvl1pPr>
-            <a:lvl2pPr indent="0" marL="457200">
+            <a:lvl2pPr marL="457200" indent="0">
               <a:buNone/>
               <a:defRPr sz="1800">
                 <a:solidFill>
@@ -1309,7 +1579,7 @@
                 </a:solidFill>
               </a:defRPr>
             </a:lvl2pPr>
-            <a:lvl3pPr indent="0" marL="914400">
+            <a:lvl3pPr marL="914400" indent="0">
               <a:buNone/>
               <a:defRPr sz="1600">
                 <a:solidFill>
@@ -1319,7 +1589,7 @@
                 </a:solidFill>
               </a:defRPr>
             </a:lvl3pPr>
-            <a:lvl4pPr indent="0" marL="1371600">
+            <a:lvl4pPr marL="1371600" indent="0">
               <a:buNone/>
               <a:defRPr sz="1400">
                 <a:solidFill>
@@ -1329,7 +1599,7 @@
                 </a:solidFill>
               </a:defRPr>
             </a:lvl4pPr>
-            <a:lvl5pPr indent="0" marL="1828800">
+            <a:lvl5pPr marL="1828800" indent="0">
               <a:buNone/>
               <a:defRPr sz="1400">
                 <a:solidFill>
@@ -1339,7 +1609,7 @@
                 </a:solidFill>
               </a:defRPr>
             </a:lvl5pPr>
-            <a:lvl6pPr indent="0" marL="2286000">
+            <a:lvl6pPr marL="2286000" indent="0">
               <a:buNone/>
               <a:defRPr sz="1400">
                 <a:solidFill>
@@ -1349,7 +1619,7 @@
                 </a:solidFill>
               </a:defRPr>
             </a:lvl6pPr>
-            <a:lvl7pPr indent="0" marL="2743200">
+            <a:lvl7pPr marL="2743200" indent="0">
               <a:buNone/>
               <a:defRPr sz="1400">
                 <a:solidFill>
@@ -1359,7 +1629,7 @@
                 </a:solidFill>
               </a:defRPr>
             </a:lvl7pPr>
-            <a:lvl8pPr indent="0" marL="3200400">
+            <a:lvl8pPr marL="3200400" indent="0">
               <a:buNone/>
               <a:defRPr sz="1400">
                 <a:solidFill>
@@ -1369,7 +1639,7 @@
                 </a:solidFill>
               </a:defRPr>
             </a:lvl8pPr>
-            <a:lvl9pPr indent="0" marL="3657600">
+            <a:lvl9pPr marL="3657600" indent="0">
               <a:buNone/>
               <a:defRPr sz="1400">
                 <a:solidFill>
@@ -1391,7 +1661,7 @@
       </p:sp>
       <p:sp>
         <p:nvSpPr>
-          <p:cNvPr id="1048683" name="Date Placeholder 3"/>
+          <p:cNvPr id="4" name="Date Placeholder 3"/>
           <p:cNvSpPr>
             <a:spLocks noGrp="1"/>
           </p:cNvSpPr>
@@ -1402,10 +1672,11 @@
         <p:spPr/>
         <p:txBody>
           <a:bodyPr/>
+          <a:lstStyle/>
           <a:p>
             <a:fld id="{ED291B17-9318-49DB-B28B-6E5994AE9581}" type="datetime1">
               <a:rPr lang="en-US" smtClean="0"/>
-              <a:t>29-Mar-24</a:t>
+              <a:t>4/3/2024</a:t>
             </a:fld>
             <a:endParaRPr lang="en-US"/>
           </a:p>
@@ -1413,7 +1684,7 @@
       </p:sp>
       <p:sp>
         <p:nvSpPr>
-          <p:cNvPr id="1048684" name="Footer Placeholder 4"/>
+          <p:cNvPr id="5" name="Footer Placeholder 4"/>
           <p:cNvSpPr>
             <a:spLocks noGrp="1"/>
           </p:cNvSpPr>
@@ -1424,14 +1695,15 @@
         <p:spPr/>
         <p:txBody>
           <a:bodyPr/>
-          <a:p>
-            <a:endParaRPr dirty="0" lang="en-US"/>
-          </a:p>
-        </p:txBody>
-      </p:sp>
-      <p:sp>
-        <p:nvSpPr>
-          <p:cNvPr id="1048685" name="Slide Number Placeholder 5"/>
+          <a:lstStyle/>
+          <a:p>
+            <a:endParaRPr lang="en-US" dirty="0"/>
+          </a:p>
+        </p:txBody>
+      </p:sp>
+      <p:sp>
+        <p:nvSpPr>
+          <p:cNvPr id="6" name="Slide Number Placeholder 5"/>
           <p:cNvSpPr>
             <a:spLocks noGrp="1"/>
           </p:cNvSpPr>
@@ -1442,6 +1714,7 @@
         <p:spPr/>
         <p:txBody>
           <a:bodyPr/>
+          <a:lstStyle/>
           <a:p>
             <a:fld id="{3A98EE3D-8CD1-4C3F-BD1C-C98C9596463C}" type="slidenum">
               <a:rPr lang="en-US" smtClean="0"/>
@@ -1452,11 +1725,16 @@
         </p:txBody>
       </p:sp>
     </p:spTree>
+    <p:extLst>
+      <p:ext uri="{BB962C8B-B14F-4D97-AF65-F5344CB8AC3E}">
+        <p14:creationId xmlns:p14="http://schemas.microsoft.com/office/powerpoint/2010/main" val="451663517"/>
+      </p:ext>
+    </p:extLst>
   </p:cSld>
   <p:clrMapOvr>
     <a:masterClrMapping/>
   </p:clrMapOvr>
-  <p:hf dt="0" ftr="0" hdr="0" sldNum="0"/>
+  <p:hf sldNum="0" hdr="0" ftr="0" dt="0"/>
 </p:sldLayout>
 </file>
 
@@ -1465,7 +1743,7 @@
   <p:cSld name="Quote with Caption">
     <p:spTree>
       <p:nvGrpSpPr>
-        <p:cNvPr id="47" name=""/>
+        <p:cNvPr id="1" name=""/>
         <p:cNvGrpSpPr/>
         <p:nvPr/>
       </p:nvGrpSpPr>
@@ -1479,7 +1757,7 @@
       </p:grpSpPr>
       <p:sp>
         <p:nvSpPr>
-          <p:cNvPr id="1048641" name="Title 1"/>
+          <p:cNvPr id="2" name="Title 1"/>
           <p:cNvSpPr>
             <a:spLocks noGrp="1"/>
           </p:cNvSpPr>
@@ -1499,7 +1777,7 @@
           </a:bodyPr>
           <a:lstStyle>
             <a:lvl1pPr algn="l">
-              <a:defRPr b="0" cap="none" sz="4400"/>
+              <a:defRPr sz="4400" b="0" cap="none"/>
             </a:lvl1pPr>
           </a:lstStyle>
           <a:p>
@@ -1507,13 +1785,13 @@
               <a:rPr lang="en-US"/>
               <a:t>Click to edit Master title style</a:t>
             </a:r>
-            <a:endParaRPr dirty="0" lang="en-US"/>
-          </a:p>
-        </p:txBody>
-      </p:sp>
-      <p:sp>
-        <p:nvSpPr>
-          <p:cNvPr id="1048642" name="Text Placeholder 9"/>
+            <a:endParaRPr lang="en-US" dirty="0"/>
+          </a:p>
+        </p:txBody>
+      </p:sp>
+      <p:sp>
+        <p:nvSpPr>
+          <p:cNvPr id="23" name="Text Placeholder 9"/>
           <p:cNvSpPr>
             <a:spLocks noGrp="1"/>
           </p:cNvSpPr>
@@ -1532,7 +1810,7 @@
             <a:noAutofit/>
           </a:bodyPr>
           <a:lstStyle>
-            <a:lvl1pPr indent="0" marL="0">
+            <a:lvl1pPr marL="0" indent="0">
               <a:buFontTx/>
               <a:buNone/>
               <a:defRPr sz="1600">
@@ -1544,21 +1822,25 @@
                 </a:solidFill>
               </a:defRPr>
             </a:lvl1pPr>
-            <a:lvl2pPr indent="0" marL="457200">
+            <a:lvl2pPr marL="457200" indent="0">
               <a:buFontTx/>
               <a:buNone/>
+              <a:defRPr/>
             </a:lvl2pPr>
-            <a:lvl3pPr indent="0" marL="914400">
+            <a:lvl3pPr marL="914400" indent="0">
               <a:buFontTx/>
               <a:buNone/>
+              <a:defRPr/>
             </a:lvl3pPr>
-            <a:lvl4pPr indent="0" marL="1371600">
+            <a:lvl4pPr marL="1371600" indent="0">
               <a:buFontTx/>
               <a:buNone/>
+              <a:defRPr/>
             </a:lvl4pPr>
-            <a:lvl5pPr indent="0" marL="1828800">
+            <a:lvl5pPr marL="1828800" indent="0">
               <a:buFontTx/>
               <a:buNone/>
+              <a:defRPr/>
             </a:lvl5pPr>
           </a:lstStyle>
           <a:p>
@@ -1572,7 +1854,7 @@
       </p:sp>
       <p:sp>
         <p:nvSpPr>
-          <p:cNvPr id="1048643" name="Text Placeholder 2"/>
+          <p:cNvPr id="3" name="Text Placeholder 2"/>
           <p:cNvSpPr>
             <a:spLocks noGrp="1"/>
           </p:cNvSpPr>
@@ -1591,7 +1873,7 @@
             <a:normAutofit/>
           </a:bodyPr>
           <a:lstStyle>
-            <a:lvl1pPr algn="l" indent="0" marL="0">
+            <a:lvl1pPr marL="0" indent="0" algn="l">
               <a:buNone/>
               <a:defRPr sz="1800">
                 <a:solidFill>
@@ -1602,7 +1884,7 @@
                 </a:solidFill>
               </a:defRPr>
             </a:lvl1pPr>
-            <a:lvl2pPr indent="0" marL="457200">
+            <a:lvl2pPr marL="457200" indent="0">
               <a:buNone/>
               <a:defRPr sz="1800">
                 <a:solidFill>
@@ -1612,7 +1894,7 @@
                 </a:solidFill>
               </a:defRPr>
             </a:lvl2pPr>
-            <a:lvl3pPr indent="0" marL="914400">
+            <a:lvl3pPr marL="914400" indent="0">
               <a:buNone/>
               <a:defRPr sz="1600">
                 <a:solidFill>
@@ -1622,7 +1904,7 @@
                 </a:solidFill>
               </a:defRPr>
             </a:lvl3pPr>
-            <a:lvl4pPr indent="0" marL="1371600">
+            <a:lvl4pPr marL="1371600" indent="0">
               <a:buNone/>
               <a:defRPr sz="1400">
                 <a:solidFill>
@@ -1632,7 +1914,7 @@
                 </a:solidFill>
               </a:defRPr>
             </a:lvl4pPr>
-            <a:lvl5pPr indent="0" marL="1828800">
+            <a:lvl5pPr marL="1828800" indent="0">
               <a:buNone/>
               <a:defRPr sz="1400">
                 <a:solidFill>
@@ -1642,7 +1924,7 @@
                 </a:solidFill>
               </a:defRPr>
             </a:lvl5pPr>
-            <a:lvl6pPr indent="0" marL="2286000">
+            <a:lvl6pPr marL="2286000" indent="0">
               <a:buNone/>
               <a:defRPr sz="1400">
                 <a:solidFill>
@@ -1652,7 +1934,7 @@
                 </a:solidFill>
               </a:defRPr>
             </a:lvl6pPr>
-            <a:lvl7pPr indent="0" marL="2743200">
+            <a:lvl7pPr marL="2743200" indent="0">
               <a:buNone/>
               <a:defRPr sz="1400">
                 <a:solidFill>
@@ -1662,7 +1944,7 @@
                 </a:solidFill>
               </a:defRPr>
             </a:lvl7pPr>
-            <a:lvl8pPr indent="0" marL="3200400">
+            <a:lvl8pPr marL="3200400" indent="0">
               <a:buNone/>
               <a:defRPr sz="1400">
                 <a:solidFill>
@@ -1672,7 +1954,7 @@
                 </a:solidFill>
               </a:defRPr>
             </a:lvl8pPr>
-            <a:lvl9pPr indent="0" marL="3657600">
+            <a:lvl9pPr marL="3657600" indent="0">
               <a:buNone/>
               <a:defRPr sz="1400">
                 <a:solidFill>
@@ -1694,7 +1976,7 @@
       </p:sp>
       <p:sp>
         <p:nvSpPr>
-          <p:cNvPr id="1048644" name="Date Placeholder 3"/>
+          <p:cNvPr id="4" name="Date Placeholder 3"/>
           <p:cNvSpPr>
             <a:spLocks noGrp="1"/>
           </p:cNvSpPr>
@@ -1705,10 +1987,11 @@
         <p:spPr/>
         <p:txBody>
           <a:bodyPr/>
+          <a:lstStyle/>
           <a:p>
             <a:fld id="{ED291B17-9318-49DB-B28B-6E5994AE9581}" type="datetime1">
               <a:rPr lang="en-US" smtClean="0"/>
-              <a:t>29-Mar-24</a:t>
+              <a:t>4/3/2024</a:t>
             </a:fld>
             <a:endParaRPr lang="en-US"/>
           </a:p>
@@ -1716,7 +1999,7 @@
       </p:sp>
       <p:sp>
         <p:nvSpPr>
-          <p:cNvPr id="1048645" name="Footer Placeholder 4"/>
+          <p:cNvPr id="5" name="Footer Placeholder 4"/>
           <p:cNvSpPr>
             <a:spLocks noGrp="1"/>
           </p:cNvSpPr>
@@ -1727,14 +2010,15 @@
         <p:spPr/>
         <p:txBody>
           <a:bodyPr/>
-          <a:p>
-            <a:endParaRPr dirty="0" lang="en-US"/>
-          </a:p>
-        </p:txBody>
-      </p:sp>
-      <p:sp>
-        <p:nvSpPr>
-          <p:cNvPr id="1048646" name="Slide Number Placeholder 5"/>
+          <a:lstStyle/>
+          <a:p>
+            <a:endParaRPr lang="en-US" dirty="0"/>
+          </a:p>
+        </p:txBody>
+      </p:sp>
+      <p:sp>
+        <p:nvSpPr>
+          <p:cNvPr id="6" name="Slide Number Placeholder 5"/>
           <p:cNvSpPr>
             <a:spLocks noGrp="1"/>
           </p:cNvSpPr>
@@ -1745,6 +2029,7 @@
         <p:spPr/>
         <p:txBody>
           <a:bodyPr/>
+          <a:lstStyle/>
           <a:p>
             <a:fld id="{3A98EE3D-8CD1-4C3F-BD1C-C98C9596463C}" type="slidenum">
               <a:rPr lang="en-US" smtClean="0"/>
@@ -1756,7 +2041,7 @@
       </p:sp>
       <p:sp>
         <p:nvSpPr>
-          <p:cNvPr id="1048647" name="TextBox 19"/>
+          <p:cNvPr id="20" name="TextBox 19"/>
           <p:cNvSpPr txBox="1"/>
           <p:nvPr/>
         </p:nvSpPr>
@@ -1765,16 +2050,19 @@
             <a:off x="541870" y="790378"/>
             <a:ext cx="609600" cy="584776"/>
           </a:xfrm>
-          <a:prstGeom prst="rect"/>
+          <a:prstGeom prst="rect">
+            <a:avLst/>
+          </a:prstGeom>
         </p:spPr>
         <p:txBody>
-          <a:bodyPr anchor="ctr" bIns="45720" lIns="91440" rIns="91440" rtlCol="0" tIns="45720" vert="horz">
+          <a:bodyPr vert="horz" lIns="91440" tIns="45720" rIns="91440" bIns="45720" rtlCol="0" anchor="ctr">
             <a:noAutofit/>
           </a:bodyPr>
+          <a:lstStyle/>
           <a:p>
             <a:pPr lvl="0"/>
             <a:r>
-              <a:rPr baseline="0" dirty="0" sz="8000" lang="en-US">
+              <a:rPr lang="en-US" sz="8000" baseline="0" dirty="0">
                 <a:ln w="3175" cmpd="sng">
                   <a:noFill/>
                 </a:ln>
@@ -1794,7 +2082,7 @@
       </p:sp>
       <p:sp>
         <p:nvSpPr>
-          <p:cNvPr id="1048648" name="TextBox 21"/>
+          <p:cNvPr id="22" name="TextBox 21"/>
           <p:cNvSpPr txBox="1"/>
           <p:nvPr/>
         </p:nvSpPr>
@@ -1803,16 +2091,19 @@
             <a:off x="8893011" y="2886556"/>
             <a:ext cx="609600" cy="584776"/>
           </a:xfrm>
-          <a:prstGeom prst="rect"/>
+          <a:prstGeom prst="rect">
+            <a:avLst/>
+          </a:prstGeom>
         </p:spPr>
         <p:txBody>
-          <a:bodyPr anchor="ctr" bIns="45720" lIns="91440" rIns="91440" rtlCol="0" tIns="45720" vert="horz">
+          <a:bodyPr vert="horz" lIns="91440" tIns="45720" rIns="91440" bIns="45720" rtlCol="0" anchor="ctr">
             <a:noAutofit/>
           </a:bodyPr>
+          <a:lstStyle/>
           <a:p>
             <a:pPr lvl="0"/>
             <a:r>
-              <a:rPr baseline="0" dirty="0" sz="8000" lang="en-US">
+              <a:rPr lang="en-US" sz="8000" baseline="0" dirty="0">
                 <a:ln w="3175" cmpd="sng">
                   <a:noFill/>
                 </a:ln>
@@ -1826,7 +2117,7 @@
               </a:rPr>
               <a:t>”</a:t>
             </a:r>
-            <a:endParaRPr dirty="0" lang="en-US">
+            <a:endParaRPr lang="en-US" dirty="0">
               <a:solidFill>
                 <a:schemeClr val="accent1">
                   <a:lumMod val="60000"/>
@@ -1839,11 +2130,16 @@
         </p:txBody>
       </p:sp>
     </p:spTree>
+    <p:extLst>
+      <p:ext uri="{BB962C8B-B14F-4D97-AF65-F5344CB8AC3E}">
+        <p14:creationId xmlns:p14="http://schemas.microsoft.com/office/powerpoint/2010/main" val="324370996"/>
+      </p:ext>
+    </p:extLst>
   </p:cSld>
   <p:clrMapOvr>
     <a:masterClrMapping/>
   </p:clrMapOvr>
-  <p:hf dt="0" ftr="0" hdr="0" sldNum="0"/>
+  <p:hf sldNum="0" hdr="0" ftr="0" dt="0"/>
 </p:sldLayout>
 </file>
 
@@ -1852,7 +2148,7 @@
   <p:cSld name="Name Card">
     <p:spTree>
       <p:nvGrpSpPr>
-        <p:cNvPr id="53" name=""/>
+        <p:cNvPr id="1" name=""/>
         <p:cNvGrpSpPr/>
         <p:nvPr/>
       </p:nvGrpSpPr>
@@ -1866,7 +2162,7 @@
       </p:grpSpPr>
       <p:sp>
         <p:nvSpPr>
-          <p:cNvPr id="1048676" name="Title 1"/>
+          <p:cNvPr id="2" name="Title 1"/>
           <p:cNvSpPr>
             <a:spLocks noGrp="1"/>
           </p:cNvSpPr>
@@ -1886,7 +2182,7 @@
           </a:bodyPr>
           <a:lstStyle>
             <a:lvl1pPr algn="l">
-              <a:defRPr b="0" cap="none" sz="4400"/>
+              <a:defRPr sz="4400" b="0" cap="none"/>
             </a:lvl1pPr>
           </a:lstStyle>
           <a:p>
@@ -1894,13 +2190,13 @@
               <a:rPr lang="en-US"/>
               <a:t>Click to edit Master title style</a:t>
             </a:r>
-            <a:endParaRPr dirty="0" lang="en-US"/>
-          </a:p>
-        </p:txBody>
-      </p:sp>
-      <p:sp>
-        <p:nvSpPr>
-          <p:cNvPr id="1048677" name="Text Placeholder 2"/>
+            <a:endParaRPr lang="en-US" dirty="0"/>
+          </a:p>
+        </p:txBody>
+      </p:sp>
+      <p:sp>
+        <p:nvSpPr>
+          <p:cNvPr id="3" name="Text Placeholder 2"/>
           <p:cNvSpPr>
             <a:spLocks noGrp="1"/>
           </p:cNvSpPr>
@@ -1919,7 +2215,7 @@
             <a:normAutofit/>
           </a:bodyPr>
           <a:lstStyle>
-            <a:lvl1pPr algn="l" indent="0" marL="0">
+            <a:lvl1pPr marL="0" indent="0" algn="l">
               <a:buNone/>
               <a:defRPr sz="1800">
                 <a:solidFill>
@@ -1930,7 +2226,7 @@
                 </a:solidFill>
               </a:defRPr>
             </a:lvl1pPr>
-            <a:lvl2pPr indent="0" marL="457200">
+            <a:lvl2pPr marL="457200" indent="0">
               <a:buNone/>
               <a:defRPr sz="1800">
                 <a:solidFill>
@@ -1940,7 +2236,7 @@
                 </a:solidFill>
               </a:defRPr>
             </a:lvl2pPr>
-            <a:lvl3pPr indent="0" marL="914400">
+            <a:lvl3pPr marL="914400" indent="0">
               <a:buNone/>
               <a:defRPr sz="1600">
                 <a:solidFill>
@@ -1950,7 +2246,7 @@
                 </a:solidFill>
               </a:defRPr>
             </a:lvl3pPr>
-            <a:lvl4pPr indent="0" marL="1371600">
+            <a:lvl4pPr marL="1371600" indent="0">
               <a:buNone/>
               <a:defRPr sz="1400">
                 <a:solidFill>
@@ -1960,7 +2256,7 @@
                 </a:solidFill>
               </a:defRPr>
             </a:lvl4pPr>
-            <a:lvl5pPr indent="0" marL="1828800">
+            <a:lvl5pPr marL="1828800" indent="0">
               <a:buNone/>
               <a:defRPr sz="1400">
                 <a:solidFill>
@@ -1970,7 +2266,7 @@
                 </a:solidFill>
               </a:defRPr>
             </a:lvl5pPr>
-            <a:lvl6pPr indent="0" marL="2286000">
+            <a:lvl6pPr marL="2286000" indent="0">
               <a:buNone/>
               <a:defRPr sz="1400">
                 <a:solidFill>
@@ -1980,7 +2276,7 @@
                 </a:solidFill>
               </a:defRPr>
             </a:lvl6pPr>
-            <a:lvl7pPr indent="0" marL="2743200">
+            <a:lvl7pPr marL="2743200" indent="0">
               <a:buNone/>
               <a:defRPr sz="1400">
                 <a:solidFill>
@@ -1990,7 +2286,7 @@
                 </a:solidFill>
               </a:defRPr>
             </a:lvl7pPr>
-            <a:lvl8pPr indent="0" marL="3200400">
+            <a:lvl8pPr marL="3200400" indent="0">
               <a:buNone/>
               <a:defRPr sz="1400">
                 <a:solidFill>
@@ -2000,7 +2296,7 @@
                 </a:solidFill>
               </a:defRPr>
             </a:lvl8pPr>
-            <a:lvl9pPr indent="0" marL="3657600">
+            <a:lvl9pPr marL="3657600" indent="0">
               <a:buNone/>
               <a:defRPr sz="1400">
                 <a:solidFill>
@@ -2022,7 +2318,7 @@
       </p:sp>
       <p:sp>
         <p:nvSpPr>
-          <p:cNvPr id="1048678" name="Date Placeholder 3"/>
+          <p:cNvPr id="4" name="Date Placeholder 3"/>
           <p:cNvSpPr>
             <a:spLocks noGrp="1"/>
           </p:cNvSpPr>
@@ -2033,10 +2329,11 @@
         <p:spPr/>
         <p:txBody>
           <a:bodyPr/>
+          <a:lstStyle/>
           <a:p>
             <a:fld id="{ED291B17-9318-49DB-B28B-6E5994AE9581}" type="datetime1">
               <a:rPr lang="en-US" smtClean="0"/>
-              <a:t>29-Mar-24</a:t>
+              <a:t>4/3/2024</a:t>
             </a:fld>
             <a:endParaRPr lang="en-US"/>
           </a:p>
@@ -2044,7 +2341,7 @@
       </p:sp>
       <p:sp>
         <p:nvSpPr>
-          <p:cNvPr id="1048679" name="Footer Placeholder 4"/>
+          <p:cNvPr id="5" name="Footer Placeholder 4"/>
           <p:cNvSpPr>
             <a:spLocks noGrp="1"/>
           </p:cNvSpPr>
@@ -2055,14 +2352,15 @@
         <p:spPr/>
         <p:txBody>
           <a:bodyPr/>
-          <a:p>
-            <a:endParaRPr dirty="0" lang="en-US"/>
-          </a:p>
-        </p:txBody>
-      </p:sp>
-      <p:sp>
-        <p:nvSpPr>
-          <p:cNvPr id="1048680" name="Slide Number Placeholder 5"/>
+          <a:lstStyle/>
+          <a:p>
+            <a:endParaRPr lang="en-US" dirty="0"/>
+          </a:p>
+        </p:txBody>
+      </p:sp>
+      <p:sp>
+        <p:nvSpPr>
+          <p:cNvPr id="6" name="Slide Number Placeholder 5"/>
           <p:cNvSpPr>
             <a:spLocks noGrp="1"/>
           </p:cNvSpPr>
@@ -2073,6 +2371,7 @@
         <p:spPr/>
         <p:txBody>
           <a:bodyPr/>
+          <a:lstStyle/>
           <a:p>
             <a:fld id="{3A98EE3D-8CD1-4C3F-BD1C-C98C9596463C}" type="slidenum">
               <a:rPr lang="en-US" smtClean="0"/>
@@ -2083,11 +2382,16 @@
         </p:txBody>
       </p:sp>
     </p:spTree>
+    <p:extLst>
+      <p:ext uri="{BB962C8B-B14F-4D97-AF65-F5344CB8AC3E}">
+        <p14:creationId xmlns:p14="http://schemas.microsoft.com/office/powerpoint/2010/main" val="1078814606"/>
+      </p:ext>
+    </p:extLst>
   </p:cSld>
   <p:clrMapOvr>
     <a:masterClrMapping/>
   </p:clrMapOvr>
-  <p:hf dt="0" ftr="0" hdr="0" sldNum="0"/>
+  <p:hf sldNum="0" hdr="0" ftr="0" dt="0"/>
 </p:sldLayout>
 </file>
 
@@ -2096,7 +2400,7 @@
   <p:cSld name="Quote Name Card">
     <p:spTree>
       <p:nvGrpSpPr>
-        <p:cNvPr id="46" name=""/>
+        <p:cNvPr id="1" name=""/>
         <p:cNvGrpSpPr/>
         <p:nvPr/>
       </p:nvGrpSpPr>
@@ -2110,7 +2414,7 @@
       </p:grpSpPr>
       <p:sp>
         <p:nvSpPr>
-          <p:cNvPr id="1048633" name="Title 1"/>
+          <p:cNvPr id="2" name="Title 1"/>
           <p:cNvSpPr>
             <a:spLocks noGrp="1"/>
           </p:cNvSpPr>
@@ -2130,7 +2434,7 @@
           </a:bodyPr>
           <a:lstStyle>
             <a:lvl1pPr algn="l">
-              <a:defRPr b="0" cap="none" sz="4400"/>
+              <a:defRPr sz="4400" b="0" cap="none"/>
             </a:lvl1pPr>
           </a:lstStyle>
           <a:p>
@@ -2138,13 +2442,13 @@
               <a:rPr lang="en-US"/>
               <a:t>Click to edit Master title style</a:t>
             </a:r>
-            <a:endParaRPr dirty="0" lang="en-US"/>
-          </a:p>
-        </p:txBody>
-      </p:sp>
-      <p:sp>
-        <p:nvSpPr>
-          <p:cNvPr id="1048634" name="Text Placeholder 9"/>
+            <a:endParaRPr lang="en-US" dirty="0"/>
+          </a:p>
+        </p:txBody>
+      </p:sp>
+      <p:sp>
+        <p:nvSpPr>
+          <p:cNvPr id="23" name="Text Placeholder 9"/>
           <p:cNvSpPr>
             <a:spLocks noGrp="1"/>
           </p:cNvSpPr>
@@ -2163,7 +2467,7 @@
             <a:noAutofit/>
           </a:bodyPr>
           <a:lstStyle>
-            <a:lvl1pPr indent="0" marL="0">
+            <a:lvl1pPr marL="0" indent="0">
               <a:buFontTx/>
               <a:buNone/>
               <a:defRPr sz="2400">
@@ -2175,21 +2479,25 @@
                 </a:solidFill>
               </a:defRPr>
             </a:lvl1pPr>
-            <a:lvl2pPr indent="0" marL="457200">
+            <a:lvl2pPr marL="457200" indent="0">
               <a:buFontTx/>
               <a:buNone/>
+              <a:defRPr/>
             </a:lvl2pPr>
-            <a:lvl3pPr indent="0" marL="914400">
+            <a:lvl3pPr marL="914400" indent="0">
               <a:buFontTx/>
               <a:buNone/>
+              <a:defRPr/>
             </a:lvl3pPr>
-            <a:lvl4pPr indent="0" marL="1371600">
+            <a:lvl4pPr marL="1371600" indent="0">
               <a:buFontTx/>
               <a:buNone/>
+              <a:defRPr/>
             </a:lvl4pPr>
-            <a:lvl5pPr indent="0" marL="1828800">
+            <a:lvl5pPr marL="1828800" indent="0">
               <a:buFontTx/>
               <a:buNone/>
+              <a:defRPr/>
             </a:lvl5pPr>
           </a:lstStyle>
           <a:p>
@@ -2203,7 +2511,7 @@
       </p:sp>
       <p:sp>
         <p:nvSpPr>
-          <p:cNvPr id="1048635" name="Text Placeholder 2"/>
+          <p:cNvPr id="3" name="Text Placeholder 2"/>
           <p:cNvSpPr>
             <a:spLocks noGrp="1"/>
           </p:cNvSpPr>
@@ -2222,7 +2530,7 @@
             <a:normAutofit/>
           </a:bodyPr>
           <a:lstStyle>
-            <a:lvl1pPr algn="l" indent="0" marL="0">
+            <a:lvl1pPr marL="0" indent="0" algn="l">
               <a:buNone/>
               <a:defRPr sz="1800">
                 <a:solidFill>
@@ -2233,7 +2541,7 @@
                 </a:solidFill>
               </a:defRPr>
             </a:lvl1pPr>
-            <a:lvl2pPr indent="0" marL="457200">
+            <a:lvl2pPr marL="457200" indent="0">
               <a:buNone/>
               <a:defRPr sz="1800">
                 <a:solidFill>
@@ -2243,7 +2551,7 @@
                 </a:solidFill>
               </a:defRPr>
             </a:lvl2pPr>
-            <a:lvl3pPr indent="0" marL="914400">
+            <a:lvl3pPr marL="914400" indent="0">
               <a:buNone/>
               <a:defRPr sz="1600">
                 <a:solidFill>
@@ -2253,7 +2561,7 @@
                 </a:solidFill>
               </a:defRPr>
             </a:lvl3pPr>
-            <a:lvl4pPr indent="0" marL="1371600">
+            <a:lvl4pPr marL="1371600" indent="0">
               <a:buNone/>
               <a:defRPr sz="1400">
                 <a:solidFill>
@@ -2263,7 +2571,7 @@
                 </a:solidFill>
               </a:defRPr>
             </a:lvl4pPr>
-            <a:lvl5pPr indent="0" marL="1828800">
+            <a:lvl5pPr marL="1828800" indent="0">
               <a:buNone/>
               <a:defRPr sz="1400">
                 <a:solidFill>
@@ -2273,7 +2581,7 @@
                 </a:solidFill>
               </a:defRPr>
             </a:lvl5pPr>
-            <a:lvl6pPr indent="0" marL="2286000">
+            <a:lvl6pPr marL="2286000" indent="0">
               <a:buNone/>
               <a:defRPr sz="1400">
                 <a:solidFill>
@@ -2283,7 +2591,7 @@
                 </a:solidFill>
               </a:defRPr>
             </a:lvl6pPr>
-            <a:lvl7pPr indent="0" marL="2743200">
+            <a:lvl7pPr marL="2743200" indent="0">
               <a:buNone/>
               <a:defRPr sz="1400">
                 <a:solidFill>
@@ -2293,7 +2601,7 @@
                 </a:solidFill>
               </a:defRPr>
             </a:lvl7pPr>
-            <a:lvl8pPr indent="0" marL="3200400">
+            <a:lvl8pPr marL="3200400" indent="0">
               <a:buNone/>
               <a:defRPr sz="1400">
                 <a:solidFill>
@@ -2303,7 +2611,7 @@
                 </a:solidFill>
               </a:defRPr>
             </a:lvl8pPr>
-            <a:lvl9pPr indent="0" marL="3657600">
+            <a:lvl9pPr marL="3657600" indent="0">
               <a:buNone/>
               <a:defRPr sz="1400">
                 <a:solidFill>
@@ -2325,7 +2633,7 @@
       </p:sp>
       <p:sp>
         <p:nvSpPr>
-          <p:cNvPr id="1048636" name="Date Placeholder 3"/>
+          <p:cNvPr id="4" name="Date Placeholder 3"/>
           <p:cNvSpPr>
             <a:spLocks noGrp="1"/>
           </p:cNvSpPr>
@@ -2336,10 +2644,11 @@
         <p:spPr/>
         <p:txBody>
           <a:bodyPr/>
+          <a:lstStyle/>
           <a:p>
             <a:fld id="{ED291B17-9318-49DB-B28B-6E5994AE9581}" type="datetime1">
               <a:rPr lang="en-US" smtClean="0"/>
-              <a:t>29-Mar-24</a:t>
+              <a:t>4/3/2024</a:t>
             </a:fld>
             <a:endParaRPr lang="en-US"/>
           </a:p>
@@ -2347,7 +2656,7 @@
       </p:sp>
       <p:sp>
         <p:nvSpPr>
-          <p:cNvPr id="1048637" name="Footer Placeholder 4"/>
+          <p:cNvPr id="5" name="Footer Placeholder 4"/>
           <p:cNvSpPr>
             <a:spLocks noGrp="1"/>
           </p:cNvSpPr>
@@ -2358,14 +2667,15 @@
         <p:spPr/>
         <p:txBody>
           <a:bodyPr/>
-          <a:p>
-            <a:endParaRPr dirty="0" lang="en-US"/>
-          </a:p>
-        </p:txBody>
-      </p:sp>
-      <p:sp>
-        <p:nvSpPr>
-          <p:cNvPr id="1048638" name="Slide Number Placeholder 5"/>
+          <a:lstStyle/>
+          <a:p>
+            <a:endParaRPr lang="en-US" dirty="0"/>
+          </a:p>
+        </p:txBody>
+      </p:sp>
+      <p:sp>
+        <p:nvSpPr>
+          <p:cNvPr id="6" name="Slide Number Placeholder 5"/>
           <p:cNvSpPr>
             <a:spLocks noGrp="1"/>
           </p:cNvSpPr>
@@ -2376,6 +2686,7 @@
         <p:spPr/>
         <p:txBody>
           <a:bodyPr/>
+          <a:lstStyle/>
           <a:p>
             <a:fld id="{3A98EE3D-8CD1-4C3F-BD1C-C98C9596463C}" type="slidenum">
               <a:rPr lang="en-US" smtClean="0"/>
@@ -2387,7 +2698,7 @@
       </p:sp>
       <p:sp>
         <p:nvSpPr>
-          <p:cNvPr id="1048639" name="TextBox 23"/>
+          <p:cNvPr id="24" name="TextBox 23"/>
           <p:cNvSpPr txBox="1"/>
           <p:nvPr/>
         </p:nvSpPr>
@@ -2396,16 +2707,19 @@
             <a:off x="541870" y="790378"/>
             <a:ext cx="609600" cy="584776"/>
           </a:xfrm>
-          <a:prstGeom prst="rect"/>
+          <a:prstGeom prst="rect">
+            <a:avLst/>
+          </a:prstGeom>
         </p:spPr>
         <p:txBody>
-          <a:bodyPr anchor="ctr" bIns="45720" lIns="91440" rIns="91440" rtlCol="0" tIns="45720" vert="horz">
+          <a:bodyPr vert="horz" lIns="91440" tIns="45720" rIns="91440" bIns="45720" rtlCol="0" anchor="ctr">
             <a:noAutofit/>
           </a:bodyPr>
+          <a:lstStyle/>
           <a:p>
             <a:pPr lvl="0"/>
             <a:r>
-              <a:rPr baseline="0" dirty="0" sz="8000" lang="en-US">
+              <a:rPr lang="en-US" sz="8000" baseline="0" dirty="0">
                 <a:ln w="3175" cmpd="sng">
                   <a:noFill/>
                 </a:ln>
@@ -2425,7 +2739,7 @@
       </p:sp>
       <p:sp>
         <p:nvSpPr>
-          <p:cNvPr id="1048640" name="TextBox 24"/>
+          <p:cNvPr id="25" name="TextBox 24"/>
           <p:cNvSpPr txBox="1"/>
           <p:nvPr/>
         </p:nvSpPr>
@@ -2434,16 +2748,19 @@
             <a:off x="8893011" y="2886556"/>
             <a:ext cx="609600" cy="584776"/>
           </a:xfrm>
-          <a:prstGeom prst="rect"/>
+          <a:prstGeom prst="rect">
+            <a:avLst/>
+          </a:prstGeom>
         </p:spPr>
         <p:txBody>
-          <a:bodyPr anchor="ctr" bIns="45720" lIns="91440" rIns="91440" rtlCol="0" tIns="45720" vert="horz">
+          <a:bodyPr vert="horz" lIns="91440" tIns="45720" rIns="91440" bIns="45720" rtlCol="0" anchor="ctr">
             <a:noAutofit/>
           </a:bodyPr>
+          <a:lstStyle/>
           <a:p>
             <a:pPr lvl="0"/>
             <a:r>
-              <a:rPr baseline="0" dirty="0" sz="8000" lang="en-US">
+              <a:rPr lang="en-US" sz="8000" baseline="0" dirty="0">
                 <a:ln w="3175" cmpd="sng">
                   <a:noFill/>
                 </a:ln>
@@ -2462,11 +2779,16 @@
         </p:txBody>
       </p:sp>
     </p:spTree>
+    <p:extLst>
+      <p:ext uri="{BB962C8B-B14F-4D97-AF65-F5344CB8AC3E}">
+        <p14:creationId xmlns:p14="http://schemas.microsoft.com/office/powerpoint/2010/main" val="3019652004"/>
+      </p:ext>
+    </p:extLst>
   </p:cSld>
   <p:clrMapOvr>
     <a:masterClrMapping/>
   </p:clrMapOvr>
-  <p:hf dt="0" ftr="0" hdr="0" sldNum="0"/>
+  <p:hf sldNum="0" hdr="0" ftr="0" dt="0"/>
 </p:sldLayout>
 </file>
 
@@ -2475,7 +2797,7 @@
   <p:cSld name="True or False">
     <p:spTree>
       <p:nvGrpSpPr>
-        <p:cNvPr id="56" name=""/>
+        <p:cNvPr id="1" name=""/>
         <p:cNvGrpSpPr/>
         <p:nvPr/>
       </p:nvGrpSpPr>
@@ -2489,7 +2811,7 @@
       </p:grpSpPr>
       <p:sp>
         <p:nvSpPr>
-          <p:cNvPr id="1048692" name="Title 1"/>
+          <p:cNvPr id="2" name="Title 1"/>
           <p:cNvSpPr>
             <a:spLocks noGrp="1"/>
           </p:cNvSpPr>
@@ -2509,7 +2831,7 @@
           </a:bodyPr>
           <a:lstStyle>
             <a:lvl1pPr algn="l">
-              <a:defRPr b="0" cap="none" sz="4400"/>
+              <a:defRPr sz="4400" b="0" cap="none"/>
             </a:lvl1pPr>
           </a:lstStyle>
           <a:p>
@@ -2517,13 +2839,13 @@
               <a:rPr lang="en-US"/>
               <a:t>Click to edit Master title style</a:t>
             </a:r>
-            <a:endParaRPr dirty="0" lang="en-US"/>
-          </a:p>
-        </p:txBody>
-      </p:sp>
-      <p:sp>
-        <p:nvSpPr>
-          <p:cNvPr id="1048693" name="Text Placeholder 9"/>
+            <a:endParaRPr lang="en-US" dirty="0"/>
+          </a:p>
+        </p:txBody>
+      </p:sp>
+      <p:sp>
+        <p:nvSpPr>
+          <p:cNvPr id="23" name="Text Placeholder 9"/>
           <p:cNvSpPr>
             <a:spLocks noGrp="1"/>
           </p:cNvSpPr>
@@ -2542,7 +2864,7 @@
             <a:noAutofit/>
           </a:bodyPr>
           <a:lstStyle>
-            <a:lvl1pPr indent="0" marL="0">
+            <a:lvl1pPr marL="0" indent="0">
               <a:buFontTx/>
               <a:buNone/>
               <a:defRPr sz="2400">
@@ -2551,21 +2873,25 @@
                 </a:solidFill>
               </a:defRPr>
             </a:lvl1pPr>
-            <a:lvl2pPr indent="0" marL="457200">
+            <a:lvl2pPr marL="457200" indent="0">
               <a:buFontTx/>
               <a:buNone/>
+              <a:defRPr/>
             </a:lvl2pPr>
-            <a:lvl3pPr indent="0" marL="914400">
+            <a:lvl3pPr marL="914400" indent="0">
               <a:buFontTx/>
               <a:buNone/>
+              <a:defRPr/>
             </a:lvl3pPr>
-            <a:lvl4pPr indent="0" marL="1371600">
+            <a:lvl4pPr marL="1371600" indent="0">
               <a:buFontTx/>
               <a:buNone/>
+              <a:defRPr/>
             </a:lvl4pPr>
-            <a:lvl5pPr indent="0" marL="1828800">
+            <a:lvl5pPr marL="1828800" indent="0">
               <a:buFontTx/>
               <a:buNone/>
+              <a:defRPr/>
             </a:lvl5pPr>
           </a:lstStyle>
           <a:p>
@@ -2579,7 +2905,7 @@
       </p:sp>
       <p:sp>
         <p:nvSpPr>
-          <p:cNvPr id="1048694" name="Text Placeholder 2"/>
+          <p:cNvPr id="3" name="Text Placeholder 2"/>
           <p:cNvSpPr>
             <a:spLocks noGrp="1"/>
           </p:cNvSpPr>
@@ -2598,7 +2924,7 @@
             <a:normAutofit/>
           </a:bodyPr>
           <a:lstStyle>
-            <a:lvl1pPr algn="l" indent="0" marL="0">
+            <a:lvl1pPr marL="0" indent="0" algn="l">
               <a:buNone/>
               <a:defRPr sz="1800">
                 <a:solidFill>
@@ -2609,7 +2935,7 @@
                 </a:solidFill>
               </a:defRPr>
             </a:lvl1pPr>
-            <a:lvl2pPr indent="0" marL="457200">
+            <a:lvl2pPr marL="457200" indent="0">
               <a:buNone/>
               <a:defRPr sz="1800">
                 <a:solidFill>
@@ -2619,7 +2945,7 @@
                 </a:solidFill>
               </a:defRPr>
             </a:lvl2pPr>
-            <a:lvl3pPr indent="0" marL="914400">
+            <a:lvl3pPr marL="914400" indent="0">
               <a:buNone/>
               <a:defRPr sz="1600">
                 <a:solidFill>
@@ -2629,7 +2955,7 @@
                 </a:solidFill>
               </a:defRPr>
             </a:lvl3pPr>
-            <a:lvl4pPr indent="0" marL="1371600">
+            <a:lvl4pPr marL="1371600" indent="0">
               <a:buNone/>
               <a:defRPr sz="1400">
                 <a:solidFill>
@@ -2639,7 +2965,7 @@
                 </a:solidFill>
               </a:defRPr>
             </a:lvl4pPr>
-            <a:lvl5pPr indent="0" marL="1828800">
+            <a:lvl5pPr marL="1828800" indent="0">
               <a:buNone/>
               <a:defRPr sz="1400">
                 <a:solidFill>
@@ -2649,7 +2975,7 @@
                 </a:solidFill>
               </a:defRPr>
             </a:lvl5pPr>
-            <a:lvl6pPr indent="0" marL="2286000">
+            <a:lvl6pPr marL="2286000" indent="0">
               <a:buNone/>
               <a:defRPr sz="1400">
                 <a:solidFill>
@@ -2659,7 +2985,7 @@
                 </a:solidFill>
               </a:defRPr>
             </a:lvl6pPr>
-            <a:lvl7pPr indent="0" marL="2743200">
+            <a:lvl7pPr marL="2743200" indent="0">
               <a:buNone/>
               <a:defRPr sz="1400">
                 <a:solidFill>
@@ -2669,7 +2995,7 @@
                 </a:solidFill>
               </a:defRPr>
             </a:lvl7pPr>
-            <a:lvl8pPr indent="0" marL="3200400">
+            <a:lvl8pPr marL="3200400" indent="0">
               <a:buNone/>
               <a:defRPr sz="1400">
                 <a:solidFill>
@@ -2679,7 +3005,7 @@
                 </a:solidFill>
               </a:defRPr>
             </a:lvl8pPr>
-            <a:lvl9pPr indent="0" marL="3657600">
+            <a:lvl9pPr marL="3657600" indent="0">
               <a:buNone/>
               <a:defRPr sz="1400">
                 <a:solidFill>
@@ -2701,7 +3027,7 @@
       </p:sp>
       <p:sp>
         <p:nvSpPr>
-          <p:cNvPr id="1048695" name="Date Placeholder 3"/>
+          <p:cNvPr id="4" name="Date Placeholder 3"/>
           <p:cNvSpPr>
             <a:spLocks noGrp="1"/>
           </p:cNvSpPr>
@@ -2712,10 +3038,11 @@
         <p:spPr/>
         <p:txBody>
           <a:bodyPr/>
+          <a:lstStyle/>
           <a:p>
             <a:fld id="{ED291B17-9318-49DB-B28B-6E5994AE9581}" type="datetime1">
               <a:rPr lang="en-US" smtClean="0"/>
-              <a:t>29-Mar-24</a:t>
+              <a:t>4/3/2024</a:t>
             </a:fld>
             <a:endParaRPr lang="en-US"/>
           </a:p>
@@ -2723,7 +3050,7 @@
       </p:sp>
       <p:sp>
         <p:nvSpPr>
-          <p:cNvPr id="1048696" name="Footer Placeholder 4"/>
+          <p:cNvPr id="5" name="Footer Placeholder 4"/>
           <p:cNvSpPr>
             <a:spLocks noGrp="1"/>
           </p:cNvSpPr>
@@ -2734,14 +3061,15 @@
         <p:spPr/>
         <p:txBody>
           <a:bodyPr/>
-          <a:p>
-            <a:endParaRPr dirty="0" lang="en-US"/>
-          </a:p>
-        </p:txBody>
-      </p:sp>
-      <p:sp>
-        <p:nvSpPr>
-          <p:cNvPr id="1048697" name="Slide Number Placeholder 5"/>
+          <a:lstStyle/>
+          <a:p>
+            <a:endParaRPr lang="en-US" dirty="0"/>
+          </a:p>
+        </p:txBody>
+      </p:sp>
+      <p:sp>
+        <p:nvSpPr>
+          <p:cNvPr id="6" name="Slide Number Placeholder 5"/>
           <p:cNvSpPr>
             <a:spLocks noGrp="1"/>
           </p:cNvSpPr>
@@ -2752,6 +3080,7 @@
         <p:spPr/>
         <p:txBody>
           <a:bodyPr/>
+          <a:lstStyle/>
           <a:p>
             <a:fld id="{3A98EE3D-8CD1-4C3F-BD1C-C98C9596463C}" type="slidenum">
               <a:rPr lang="en-US" smtClean="0"/>
@@ -2762,20 +3091,25 @@
         </p:txBody>
       </p:sp>
     </p:spTree>
+    <p:extLst>
+      <p:ext uri="{BB962C8B-B14F-4D97-AF65-F5344CB8AC3E}">
+        <p14:creationId xmlns:p14="http://schemas.microsoft.com/office/powerpoint/2010/main" val="1017141342"/>
+      </p:ext>
+    </p:extLst>
   </p:cSld>
   <p:clrMapOvr>
     <a:masterClrMapping/>
   </p:clrMapOvr>
-  <p:hf dt="0" ftr="0" hdr="0" sldNum="0"/>
+  <p:hf sldNum="0" hdr="0" ftr="0" dt="0"/>
 </p:sldLayout>
 </file>
 
 <file path=ppt/slideLayouts/slideLayout15.xml><?xml version="1.0" encoding="utf-8"?>
-<p:sldLayout xmlns:a="http://schemas.openxmlformats.org/drawingml/2006/main" xmlns:r="http://schemas.openxmlformats.org/officeDocument/2006/relationships" xmlns:p="http://schemas.openxmlformats.org/presentationml/2006/main" preserve="1" type="vertTx">
+<p:sldLayout xmlns:a="http://schemas.openxmlformats.org/drawingml/2006/main" xmlns:r="http://schemas.openxmlformats.org/officeDocument/2006/relationships" xmlns:p="http://schemas.openxmlformats.org/presentationml/2006/main" type="vertTx" preserve="1">
   <p:cSld name="Title and Vertical Text">
     <p:spTree>
       <p:nvGrpSpPr>
-        <p:cNvPr id="49" name=""/>
+        <p:cNvPr id="1" name=""/>
         <p:cNvGrpSpPr/>
         <p:nvPr/>
       </p:nvGrpSpPr>
@@ -2789,7 +3123,7 @@
       </p:grpSpPr>
       <p:sp>
         <p:nvSpPr>
-          <p:cNvPr id="1048655" name="Title 1"/>
+          <p:cNvPr id="2" name="Title 1"/>
           <p:cNvSpPr>
             <a:spLocks noGrp="1"/>
           </p:cNvSpPr>
@@ -2800,18 +3134,19 @@
         <p:spPr/>
         <p:txBody>
           <a:bodyPr/>
+          <a:lstStyle/>
           <a:p>
             <a:r>
               <a:rPr lang="en-US"/>
               <a:t>Click to edit Master title style</a:t>
             </a:r>
-            <a:endParaRPr dirty="0" lang="en-US"/>
-          </a:p>
-        </p:txBody>
-      </p:sp>
-      <p:sp>
-        <p:nvSpPr>
-          <p:cNvPr id="1048656" name="Vertical Text Placeholder 2"/>
+            <a:endParaRPr lang="en-US" dirty="0"/>
+          </a:p>
+        </p:txBody>
+      </p:sp>
+      <p:sp>
+        <p:nvSpPr>
+          <p:cNvPr id="3" name="Vertical Text Placeholder 2"/>
           <p:cNvSpPr>
             <a:spLocks noGrp="1"/>
           </p:cNvSpPr>
@@ -2822,6 +3157,7 @@
         <p:spPr/>
         <p:txBody>
           <a:bodyPr vert="eaVert"/>
+          <a:lstStyle/>
           <a:p>
             <a:pPr lvl="0"/>
             <a:r>
@@ -2856,13 +3192,13 @@
               <a:rPr lang="en-US"/>
               <a:t>Fifth level</a:t>
             </a:r>
-            <a:endParaRPr dirty="0" lang="en-US"/>
-          </a:p>
-        </p:txBody>
-      </p:sp>
-      <p:sp>
-        <p:nvSpPr>
-          <p:cNvPr id="1048657" name="Date Placeholder 3"/>
+            <a:endParaRPr lang="en-US" dirty="0"/>
+          </a:p>
+        </p:txBody>
+      </p:sp>
+      <p:sp>
+        <p:nvSpPr>
+          <p:cNvPr id="4" name="Date Placeholder 3"/>
           <p:cNvSpPr>
             <a:spLocks noGrp="1"/>
           </p:cNvSpPr>
@@ -2873,10 +3209,11 @@
         <p:spPr/>
         <p:txBody>
           <a:bodyPr/>
+          <a:lstStyle/>
           <a:p>
             <a:fld id="{2CED4963-E985-44C4-B8C4-FDD613B7C2F8}" type="datetime1">
               <a:rPr lang="en-US" smtClean="0"/>
-              <a:t>29-Mar-24</a:t>
+              <a:t>4/3/2024</a:t>
             </a:fld>
             <a:endParaRPr lang="en-US"/>
           </a:p>
@@ -2884,7 +3221,7 @@
       </p:sp>
       <p:sp>
         <p:nvSpPr>
-          <p:cNvPr id="1048658" name="Footer Placeholder 4"/>
+          <p:cNvPr id="5" name="Footer Placeholder 4"/>
           <p:cNvSpPr>
             <a:spLocks noGrp="1"/>
           </p:cNvSpPr>
@@ -2895,6 +3232,7 @@
         <p:spPr/>
         <p:txBody>
           <a:bodyPr/>
+          <a:lstStyle/>
           <a:p>
             <a:endParaRPr lang="en-US"/>
           </a:p>
@@ -2902,7 +3240,7 @@
       </p:sp>
       <p:sp>
         <p:nvSpPr>
-          <p:cNvPr id="1048659" name="Slide Number Placeholder 5"/>
+          <p:cNvPr id="6" name="Slide Number Placeholder 5"/>
           <p:cNvSpPr>
             <a:spLocks noGrp="1"/>
           </p:cNvSpPr>
@@ -2913,6 +3251,7 @@
         <p:spPr/>
         <p:txBody>
           <a:bodyPr/>
+          <a:lstStyle/>
           <a:p>
             <a:fld id="{3A98EE3D-8CD1-4C3F-BD1C-C98C9596463C}" type="slidenum">
               <a:rPr lang="en-US" smtClean="0"/>
@@ -2923,6 +3262,11 @@
         </p:txBody>
       </p:sp>
     </p:spTree>
+    <p:extLst>
+      <p:ext uri="{BB962C8B-B14F-4D97-AF65-F5344CB8AC3E}">
+        <p14:creationId xmlns:p14="http://schemas.microsoft.com/office/powerpoint/2010/main" val="779047057"/>
+      </p:ext>
+    </p:extLst>
   </p:cSld>
   <p:clrMapOvr>
     <a:masterClrMapping/>
@@ -2931,11 +3275,11 @@
 </file>
 
 <file path=ppt/slideLayouts/slideLayout16.xml><?xml version="1.0" encoding="utf-8"?>
-<p:sldLayout xmlns:a="http://schemas.openxmlformats.org/drawingml/2006/main" xmlns:r="http://schemas.openxmlformats.org/officeDocument/2006/relationships" xmlns:p="http://schemas.openxmlformats.org/presentationml/2006/main" preserve="1" type="vertTitleAndTx">
+<p:sldLayout xmlns:a="http://schemas.openxmlformats.org/drawingml/2006/main" xmlns:r="http://schemas.openxmlformats.org/officeDocument/2006/relationships" xmlns:p="http://schemas.openxmlformats.org/presentationml/2006/main" type="vertTitleAndTx" preserve="1">
   <p:cSld name="Vertical Title and Text">
     <p:spTree>
       <p:nvGrpSpPr>
-        <p:cNvPr id="58" name=""/>
+        <p:cNvPr id="1" name=""/>
         <p:cNvGrpSpPr/>
         <p:nvPr/>
       </p:nvGrpSpPr>
@@ -2949,7 +3293,7 @@
       </p:grpSpPr>
       <p:sp>
         <p:nvSpPr>
-          <p:cNvPr id="1048704" name="Vertical Title 1"/>
+          <p:cNvPr id="2" name="Vertical Title 1"/>
           <p:cNvSpPr>
             <a:spLocks noGrp="1"/>
           </p:cNvSpPr>
@@ -2964,19 +3308,20 @@
           </a:xfrm>
         </p:spPr>
         <p:txBody>
-          <a:bodyPr anchor="ctr" vert="eaVert"/>
+          <a:bodyPr vert="eaVert" anchor="ctr"/>
+          <a:lstStyle/>
           <a:p>
             <a:r>
               <a:rPr lang="en-US"/>
               <a:t>Click to edit Master title style</a:t>
             </a:r>
-            <a:endParaRPr dirty="0" lang="en-US"/>
-          </a:p>
-        </p:txBody>
-      </p:sp>
-      <p:sp>
-        <p:nvSpPr>
-          <p:cNvPr id="1048705" name="Vertical Text Placeholder 2"/>
+            <a:endParaRPr lang="en-US" dirty="0"/>
+          </a:p>
+        </p:txBody>
+      </p:sp>
+      <p:sp>
+        <p:nvSpPr>
+          <p:cNvPr id="3" name="Vertical Text Placeholder 2"/>
           <p:cNvSpPr>
             <a:spLocks noGrp="1"/>
           </p:cNvSpPr>
@@ -2992,6 +3337,7 @@
         </p:spPr>
         <p:txBody>
           <a:bodyPr vert="eaVert"/>
+          <a:lstStyle/>
           <a:p>
             <a:pPr lvl="0"/>
             <a:r>
@@ -3026,13 +3372,13 @@
               <a:rPr lang="en-US"/>
               <a:t>Fifth level</a:t>
             </a:r>
-            <a:endParaRPr dirty="0" lang="en-US"/>
-          </a:p>
-        </p:txBody>
-      </p:sp>
-      <p:sp>
-        <p:nvSpPr>
-          <p:cNvPr id="1048706" name="Date Placeholder 3"/>
+            <a:endParaRPr lang="en-US" dirty="0"/>
+          </a:p>
+        </p:txBody>
+      </p:sp>
+      <p:sp>
+        <p:nvSpPr>
+          <p:cNvPr id="4" name="Date Placeholder 3"/>
           <p:cNvSpPr>
             <a:spLocks noGrp="1"/>
           </p:cNvSpPr>
@@ -3043,10 +3389,11 @@
         <p:spPr/>
         <p:txBody>
           <a:bodyPr/>
+          <a:lstStyle/>
           <a:p>
             <a:fld id="{ED291B17-9318-49DB-B28B-6E5994AE9581}" type="datetime1">
               <a:rPr lang="en-US" smtClean="0"/>
-              <a:t>29-Mar-24</a:t>
+              <a:t>4/3/2024</a:t>
             </a:fld>
             <a:endParaRPr lang="en-US"/>
           </a:p>
@@ -3054,7 +3401,7 @@
       </p:sp>
       <p:sp>
         <p:nvSpPr>
-          <p:cNvPr id="1048707" name="Footer Placeholder 4"/>
+          <p:cNvPr id="5" name="Footer Placeholder 4"/>
           <p:cNvSpPr>
             <a:spLocks noGrp="1"/>
           </p:cNvSpPr>
@@ -3065,6 +3412,7 @@
         <p:spPr/>
         <p:txBody>
           <a:bodyPr/>
+          <a:lstStyle/>
           <a:p>
             <a:endParaRPr lang="en-US"/>
           </a:p>
@@ -3072,7 +3420,7 @@
       </p:sp>
       <p:sp>
         <p:nvSpPr>
-          <p:cNvPr id="1048708" name="Slide Number Placeholder 5"/>
+          <p:cNvPr id="6" name="Slide Number Placeholder 5"/>
           <p:cNvSpPr>
             <a:spLocks noGrp="1"/>
           </p:cNvSpPr>
@@ -3083,6 +3431,7 @@
         <p:spPr/>
         <p:txBody>
           <a:bodyPr/>
+          <a:lstStyle/>
           <a:p>
             <a:fld id="{3A98EE3D-8CD1-4C3F-BD1C-C98C9596463C}" type="slidenum">
               <a:rPr lang="en-US" smtClean="0"/>
@@ -3093,6 +3442,11 @@
         </p:txBody>
       </p:sp>
     </p:spTree>
+    <p:extLst>
+      <p:ext uri="{BB962C8B-B14F-4D97-AF65-F5344CB8AC3E}">
+        <p14:creationId xmlns:p14="http://schemas.microsoft.com/office/powerpoint/2010/main" val="1353014331"/>
+      </p:ext>
+    </p:extLst>
   </p:cSld>
   <p:clrMapOvr>
     <a:masterClrMapping/>
@@ -3101,11 +3455,11 @@
 </file>
 
 <file path=ppt/slideLayouts/slideLayout2.xml><?xml version="1.0" encoding="utf-8"?>
-<p:sldLayout xmlns:a="http://schemas.openxmlformats.org/drawingml/2006/main" xmlns:r="http://schemas.openxmlformats.org/officeDocument/2006/relationships" xmlns:p="http://schemas.openxmlformats.org/presentationml/2006/main" preserve="1" type="obj">
+<p:sldLayout xmlns:a="http://schemas.openxmlformats.org/drawingml/2006/main" xmlns:r="http://schemas.openxmlformats.org/officeDocument/2006/relationships" xmlns:p="http://schemas.openxmlformats.org/presentationml/2006/main" type="obj" preserve="1">
   <p:cSld name="Title and Content">
     <p:spTree>
       <p:nvGrpSpPr>
-        <p:cNvPr id="34" name=""/>
+        <p:cNvPr id="1" name=""/>
         <p:cNvGrpSpPr/>
         <p:nvPr/>
       </p:nvGrpSpPr>
@@ -3119,7 +3473,7 @@
       </p:grpSpPr>
       <p:sp>
         <p:nvSpPr>
-          <p:cNvPr id="1048605" name="Title 1"/>
+          <p:cNvPr id="2" name="Title 1"/>
           <p:cNvSpPr>
             <a:spLocks noGrp="1"/>
           </p:cNvSpPr>
@@ -3142,13 +3496,13 @@
               <a:rPr lang="en-US"/>
               <a:t>Click to edit Master title style</a:t>
             </a:r>
-            <a:endParaRPr dirty="0" lang="en-US"/>
-          </a:p>
-        </p:txBody>
-      </p:sp>
-      <p:sp>
-        <p:nvSpPr>
-          <p:cNvPr id="1048606" name="Content Placeholder 2"/>
+            <a:endParaRPr lang="en-US" dirty="0"/>
+          </a:p>
+        </p:txBody>
+      </p:sp>
+      <p:sp>
+        <p:nvSpPr>
+          <p:cNvPr id="3" name="Content Placeholder 2"/>
           <p:cNvSpPr>
             <a:spLocks noGrp="1"/>
           </p:cNvSpPr>
@@ -3159,6 +3513,7 @@
         <p:spPr/>
         <p:txBody>
           <a:bodyPr/>
+          <a:lstStyle/>
           <a:p>
             <a:pPr lvl="0"/>
             <a:r>
@@ -3193,13 +3548,13 @@
               <a:rPr lang="en-US"/>
               <a:t>Fifth level</a:t>
             </a:r>
-            <a:endParaRPr dirty="0" lang="en-US"/>
-          </a:p>
-        </p:txBody>
-      </p:sp>
-      <p:sp>
-        <p:nvSpPr>
-          <p:cNvPr id="1048607" name="Date Placeholder 3"/>
+            <a:endParaRPr lang="en-US" dirty="0"/>
+          </a:p>
+        </p:txBody>
+      </p:sp>
+      <p:sp>
+        <p:nvSpPr>
+          <p:cNvPr id="4" name="Date Placeholder 3"/>
           <p:cNvSpPr>
             <a:spLocks noGrp="1"/>
           </p:cNvSpPr>
@@ -3210,10 +3565,11 @@
         <p:spPr/>
         <p:txBody>
           <a:bodyPr/>
+          <a:lstStyle/>
           <a:p>
             <a:fld id="{78DD82B9-B8EE-4375-B6FF-88FA6ABB15D9}" type="datetime1">
               <a:rPr lang="en-US" smtClean="0"/>
-              <a:t>29-Mar-24</a:t>
+              <a:t>4/3/2024</a:t>
             </a:fld>
             <a:endParaRPr lang="en-US"/>
           </a:p>
@@ -3221,7 +3577,7 @@
       </p:sp>
       <p:sp>
         <p:nvSpPr>
-          <p:cNvPr id="1048608" name="Footer Placeholder 4"/>
+          <p:cNvPr id="5" name="Footer Placeholder 4"/>
           <p:cNvSpPr>
             <a:spLocks noGrp="1"/>
           </p:cNvSpPr>
@@ -3232,14 +3588,15 @@
         <p:spPr/>
         <p:txBody>
           <a:bodyPr/>
-          <a:p>
-            <a:endParaRPr dirty="0" lang="en-US"/>
-          </a:p>
-        </p:txBody>
-      </p:sp>
-      <p:sp>
-        <p:nvSpPr>
-          <p:cNvPr id="1048609" name="Slide Number Placeholder 5"/>
+          <a:lstStyle/>
+          <a:p>
+            <a:endParaRPr lang="en-US" dirty="0"/>
+          </a:p>
+        </p:txBody>
+      </p:sp>
+      <p:sp>
+        <p:nvSpPr>
+          <p:cNvPr id="6" name="Slide Number Placeholder 5"/>
           <p:cNvSpPr>
             <a:spLocks noGrp="1"/>
           </p:cNvSpPr>
@@ -3250,16 +3607,22 @@
         <p:spPr/>
         <p:txBody>
           <a:bodyPr/>
+          <a:lstStyle/>
           <a:p>
             <a:fld id="{D57F1E4F-1CFF-5643-939E-02111984F565}" type="slidenum">
               <a:rPr lang="en-US" smtClean="0"/>
               <a:t>‹#›</a:t>
             </a:fld>
-            <a:endParaRPr dirty="0" lang="en-US"/>
+            <a:endParaRPr lang="en-US" dirty="0"/>
           </a:p>
         </p:txBody>
       </p:sp>
     </p:spTree>
+    <p:extLst>
+      <p:ext uri="{BB962C8B-B14F-4D97-AF65-F5344CB8AC3E}">
+        <p14:creationId xmlns:p14="http://schemas.microsoft.com/office/powerpoint/2010/main" val="3541748247"/>
+      </p:ext>
+    </p:extLst>
   </p:cSld>
   <p:clrMapOvr>
     <a:masterClrMapping/>
@@ -3268,11 +3631,11 @@
 </file>
 
 <file path=ppt/slideLayouts/slideLayout3.xml><?xml version="1.0" encoding="utf-8"?>
-<p:sldLayout xmlns:a="http://schemas.openxmlformats.org/drawingml/2006/main" xmlns:r="http://schemas.openxmlformats.org/officeDocument/2006/relationships" xmlns:p="http://schemas.openxmlformats.org/presentationml/2006/main" preserve="1" type="secHead">
+<p:sldLayout xmlns:a="http://schemas.openxmlformats.org/drawingml/2006/main" xmlns:r="http://schemas.openxmlformats.org/officeDocument/2006/relationships" xmlns:p="http://schemas.openxmlformats.org/presentationml/2006/main" type="secHead" preserve="1">
   <p:cSld name="Section Header">
     <p:spTree>
       <p:nvGrpSpPr>
-        <p:cNvPr id="50" name=""/>
+        <p:cNvPr id="1" name=""/>
         <p:cNvGrpSpPr/>
         <p:nvPr/>
       </p:nvGrpSpPr>
@@ -3286,7 +3649,7 @@
       </p:grpSpPr>
       <p:sp>
         <p:nvSpPr>
-          <p:cNvPr id="1048660" name="Title 1"/>
+          <p:cNvPr id="2" name="Title 1"/>
           <p:cNvSpPr>
             <a:spLocks noGrp="1"/>
           </p:cNvSpPr>
@@ -3304,7 +3667,7 @@
           <a:bodyPr anchor="b"/>
           <a:lstStyle>
             <a:lvl1pPr algn="l">
-              <a:defRPr b="0" cap="none" sz="4000"/>
+              <a:defRPr sz="4000" b="0" cap="none"/>
             </a:lvl1pPr>
           </a:lstStyle>
           <a:p>
@@ -3312,13 +3675,13 @@
               <a:rPr lang="en-US"/>
               <a:t>Click to edit Master title style</a:t>
             </a:r>
-            <a:endParaRPr dirty="0" lang="en-US"/>
-          </a:p>
-        </p:txBody>
-      </p:sp>
-      <p:sp>
-        <p:nvSpPr>
-          <p:cNvPr id="1048661" name="Text Placeholder 2"/>
+            <a:endParaRPr lang="en-US" dirty="0"/>
+          </a:p>
+        </p:txBody>
+      </p:sp>
+      <p:sp>
+        <p:nvSpPr>
+          <p:cNvPr id="3" name="Text Placeholder 2"/>
           <p:cNvSpPr>
             <a:spLocks noGrp="1"/>
           </p:cNvSpPr>
@@ -3335,7 +3698,7 @@
         <p:txBody>
           <a:bodyPr anchor="t"/>
           <a:lstStyle>
-            <a:lvl1pPr algn="l" indent="0" marL="0">
+            <a:lvl1pPr marL="0" indent="0" algn="l">
               <a:buNone/>
               <a:defRPr sz="2000">
                 <a:solidFill>
@@ -3346,7 +3709,7 @@
                 </a:solidFill>
               </a:defRPr>
             </a:lvl1pPr>
-            <a:lvl2pPr indent="0" marL="457200">
+            <a:lvl2pPr marL="457200" indent="0">
               <a:buNone/>
               <a:defRPr sz="1800">
                 <a:solidFill>
@@ -3356,7 +3719,7 @@
                 </a:solidFill>
               </a:defRPr>
             </a:lvl2pPr>
-            <a:lvl3pPr indent="0" marL="914400">
+            <a:lvl3pPr marL="914400" indent="0">
               <a:buNone/>
               <a:defRPr sz="1600">
                 <a:solidFill>
@@ -3366,7 +3729,7 @@
                 </a:solidFill>
               </a:defRPr>
             </a:lvl3pPr>
-            <a:lvl4pPr indent="0" marL="1371600">
+            <a:lvl4pPr marL="1371600" indent="0">
               <a:buNone/>
               <a:defRPr sz="1400">
                 <a:solidFill>
@@ -3376,7 +3739,7 @@
                 </a:solidFill>
               </a:defRPr>
             </a:lvl4pPr>
-            <a:lvl5pPr indent="0" marL="1828800">
+            <a:lvl5pPr marL="1828800" indent="0">
               <a:buNone/>
               <a:defRPr sz="1400">
                 <a:solidFill>
@@ -3386,7 +3749,7 @@
                 </a:solidFill>
               </a:defRPr>
             </a:lvl5pPr>
-            <a:lvl6pPr indent="0" marL="2286000">
+            <a:lvl6pPr marL="2286000" indent="0">
               <a:buNone/>
               <a:defRPr sz="1400">
                 <a:solidFill>
@@ -3396,7 +3759,7 @@
                 </a:solidFill>
               </a:defRPr>
             </a:lvl6pPr>
-            <a:lvl7pPr indent="0" marL="2743200">
+            <a:lvl7pPr marL="2743200" indent="0">
               <a:buNone/>
               <a:defRPr sz="1400">
                 <a:solidFill>
@@ -3406,7 +3769,7 @@
                 </a:solidFill>
               </a:defRPr>
             </a:lvl7pPr>
-            <a:lvl8pPr indent="0" marL="3200400">
+            <a:lvl8pPr marL="3200400" indent="0">
               <a:buNone/>
               <a:defRPr sz="1400">
                 <a:solidFill>
@@ -3416,7 +3779,7 @@
                 </a:solidFill>
               </a:defRPr>
             </a:lvl8pPr>
-            <a:lvl9pPr indent="0" marL="3657600">
+            <a:lvl9pPr marL="3657600" indent="0">
               <a:buNone/>
               <a:defRPr sz="1400">
                 <a:solidFill>
@@ -3438,7 +3801,7 @@
       </p:sp>
       <p:sp>
         <p:nvSpPr>
-          <p:cNvPr id="1048662" name="Date Placeholder 3"/>
+          <p:cNvPr id="4" name="Date Placeholder 3"/>
           <p:cNvSpPr>
             <a:spLocks noGrp="1"/>
           </p:cNvSpPr>
@@ -3449,10 +3812,11 @@
         <p:spPr/>
         <p:txBody>
           <a:bodyPr/>
+          <a:lstStyle/>
           <a:p>
             <a:fld id="{B2497495-0637-405E-AE64-5CC7506D51F5}" type="datetime1">
               <a:rPr lang="en-US" smtClean="0"/>
-              <a:t>29-Mar-24</a:t>
+              <a:t>4/3/2024</a:t>
             </a:fld>
             <a:endParaRPr lang="en-US"/>
           </a:p>
@@ -3460,7 +3824,7 @@
       </p:sp>
       <p:sp>
         <p:nvSpPr>
-          <p:cNvPr id="1048663" name="Footer Placeholder 4"/>
+          <p:cNvPr id="5" name="Footer Placeholder 4"/>
           <p:cNvSpPr>
             <a:spLocks noGrp="1"/>
           </p:cNvSpPr>
@@ -3471,6 +3835,7 @@
         <p:spPr/>
         <p:txBody>
           <a:bodyPr/>
+          <a:lstStyle/>
           <a:p>
             <a:endParaRPr lang="en-US"/>
           </a:p>
@@ -3478,7 +3843,7 @@
       </p:sp>
       <p:sp>
         <p:nvSpPr>
-          <p:cNvPr id="1048664" name="Slide Number Placeholder 5"/>
+          <p:cNvPr id="6" name="Slide Number Placeholder 5"/>
           <p:cNvSpPr>
             <a:spLocks noGrp="1"/>
           </p:cNvSpPr>
@@ -3489,6 +3854,7 @@
         <p:spPr/>
         <p:txBody>
           <a:bodyPr/>
+          <a:lstStyle/>
           <a:p>
             <a:fld id="{3A98EE3D-8CD1-4C3F-BD1C-C98C9596463C}" type="slidenum">
               <a:rPr lang="en-US" smtClean="0"/>
@@ -3499,6 +3865,11 @@
         </p:txBody>
       </p:sp>
     </p:spTree>
+    <p:extLst>
+      <p:ext uri="{BB962C8B-B14F-4D97-AF65-F5344CB8AC3E}">
+        <p14:creationId xmlns:p14="http://schemas.microsoft.com/office/powerpoint/2010/main" val="185464370"/>
+      </p:ext>
+    </p:extLst>
   </p:cSld>
   <p:clrMapOvr>
     <a:masterClrMapping/>
@@ -3507,11 +3878,11 @@
 </file>
 
 <file path=ppt/slideLayouts/slideLayout4.xml><?xml version="1.0" encoding="utf-8"?>
-<p:sldLayout xmlns:a="http://schemas.openxmlformats.org/drawingml/2006/main" xmlns:r="http://schemas.openxmlformats.org/officeDocument/2006/relationships" xmlns:p="http://schemas.openxmlformats.org/presentationml/2006/main" preserve="1" type="twoObj">
+<p:sldLayout xmlns:a="http://schemas.openxmlformats.org/drawingml/2006/main" xmlns:r="http://schemas.openxmlformats.org/officeDocument/2006/relationships" xmlns:p="http://schemas.openxmlformats.org/presentationml/2006/main" type="twoObj" preserve="1">
   <p:cSld name="Two Content">
     <p:spTree>
       <p:nvGrpSpPr>
-        <p:cNvPr id="55" name=""/>
+        <p:cNvPr id="1" name=""/>
         <p:cNvGrpSpPr/>
         <p:nvPr/>
       </p:nvGrpSpPr>
@@ -3525,7 +3896,7 @@
       </p:grpSpPr>
       <p:sp>
         <p:nvSpPr>
-          <p:cNvPr id="1048686" name="Title 1"/>
+          <p:cNvPr id="2" name="Title 1"/>
           <p:cNvSpPr>
             <a:spLocks noGrp="1"/>
           </p:cNvSpPr>
@@ -3536,18 +3907,19 @@
         <p:spPr/>
         <p:txBody>
           <a:bodyPr/>
+          <a:lstStyle/>
           <a:p>
             <a:r>
               <a:rPr lang="en-US"/>
               <a:t>Click to edit Master title style</a:t>
             </a:r>
-            <a:endParaRPr dirty="0" lang="en-US"/>
-          </a:p>
-        </p:txBody>
-      </p:sp>
-      <p:sp>
-        <p:nvSpPr>
-          <p:cNvPr id="1048687" name="Content Placeholder 2"/>
+            <a:endParaRPr lang="en-US" dirty="0"/>
+          </a:p>
+        </p:txBody>
+      </p:sp>
+      <p:sp>
+        <p:nvSpPr>
+          <p:cNvPr id="3" name="Content Placeholder 2"/>
           <p:cNvSpPr>
             <a:spLocks noGrp="1"/>
           </p:cNvSpPr>
@@ -3563,6 +3935,7 @@
         </p:spPr>
         <p:txBody>
           <a:bodyPr/>
+          <a:lstStyle/>
           <a:p>
             <a:pPr lvl="0"/>
             <a:r>
@@ -3597,13 +3970,13 @@
               <a:rPr lang="en-US"/>
               <a:t>Fifth level</a:t>
             </a:r>
-            <a:endParaRPr dirty="0" lang="en-US"/>
-          </a:p>
-        </p:txBody>
-      </p:sp>
-      <p:sp>
-        <p:nvSpPr>
-          <p:cNvPr id="1048688" name="Content Placeholder 3"/>
+            <a:endParaRPr lang="en-US" dirty="0"/>
+          </a:p>
+        </p:txBody>
+      </p:sp>
+      <p:sp>
+        <p:nvSpPr>
+          <p:cNvPr id="4" name="Content Placeholder 3"/>
           <p:cNvSpPr>
             <a:spLocks noGrp="1"/>
           </p:cNvSpPr>
@@ -3619,6 +3992,7 @@
         </p:spPr>
         <p:txBody>
           <a:bodyPr/>
+          <a:lstStyle/>
           <a:p>
             <a:pPr lvl="0"/>
             <a:r>
@@ -3653,13 +4027,13 @@
               <a:rPr lang="en-US"/>
               <a:t>Fifth level</a:t>
             </a:r>
-            <a:endParaRPr dirty="0" lang="en-US"/>
-          </a:p>
-        </p:txBody>
-      </p:sp>
-      <p:sp>
-        <p:nvSpPr>
-          <p:cNvPr id="1048689" name="Date Placeholder 4"/>
+            <a:endParaRPr lang="en-US" dirty="0"/>
+          </a:p>
+        </p:txBody>
+      </p:sp>
+      <p:sp>
+        <p:nvSpPr>
+          <p:cNvPr id="5" name="Date Placeholder 4"/>
           <p:cNvSpPr>
             <a:spLocks noGrp="1"/>
           </p:cNvSpPr>
@@ -3670,10 +4044,11 @@
         <p:spPr/>
         <p:txBody>
           <a:bodyPr/>
+          <a:lstStyle/>
           <a:p>
             <a:fld id="{7BFFD690-9426-415D-8B65-26881E07B2D4}" type="datetime1">
               <a:rPr lang="en-US" smtClean="0"/>
-              <a:t>29-Mar-24</a:t>
+              <a:t>4/3/2024</a:t>
             </a:fld>
             <a:endParaRPr lang="en-US"/>
           </a:p>
@@ -3681,7 +4056,7 @@
       </p:sp>
       <p:sp>
         <p:nvSpPr>
-          <p:cNvPr id="1048690" name="Footer Placeholder 5"/>
+          <p:cNvPr id="6" name="Footer Placeholder 5"/>
           <p:cNvSpPr>
             <a:spLocks noGrp="1"/>
           </p:cNvSpPr>
@@ -3692,6 +4067,7 @@
         <p:spPr/>
         <p:txBody>
           <a:bodyPr/>
+          <a:lstStyle/>
           <a:p>
             <a:endParaRPr lang="en-US"/>
           </a:p>
@@ -3699,7 +4075,7 @@
       </p:sp>
       <p:sp>
         <p:nvSpPr>
-          <p:cNvPr id="1048691" name="Slide Number Placeholder 6"/>
+          <p:cNvPr id="7" name="Slide Number Placeholder 6"/>
           <p:cNvSpPr>
             <a:spLocks noGrp="1"/>
           </p:cNvSpPr>
@@ -3710,6 +4086,7 @@
         <p:spPr/>
         <p:txBody>
           <a:bodyPr/>
+          <a:lstStyle/>
           <a:p>
             <a:fld id="{3A98EE3D-8CD1-4C3F-BD1C-C98C9596463C}" type="slidenum">
               <a:rPr lang="en-US" smtClean="0"/>
@@ -3720,6 +4097,11 @@
         </p:txBody>
       </p:sp>
     </p:spTree>
+    <p:extLst>
+      <p:ext uri="{BB962C8B-B14F-4D97-AF65-F5344CB8AC3E}">
+        <p14:creationId xmlns:p14="http://schemas.microsoft.com/office/powerpoint/2010/main" val="2130658654"/>
+      </p:ext>
+    </p:extLst>
   </p:cSld>
   <p:clrMapOvr>
     <a:masterClrMapping/>
@@ -3728,11 +4110,11 @@
 </file>
 
 <file path=ppt/slideLayouts/slideLayout5.xml><?xml version="1.0" encoding="utf-8"?>
-<p:sldLayout xmlns:a="http://schemas.openxmlformats.org/drawingml/2006/main" xmlns:r="http://schemas.openxmlformats.org/officeDocument/2006/relationships" xmlns:p="http://schemas.openxmlformats.org/presentationml/2006/main" preserve="1" type="twoTxTwoObj">
+<p:sldLayout xmlns:a="http://schemas.openxmlformats.org/drawingml/2006/main" xmlns:r="http://schemas.openxmlformats.org/officeDocument/2006/relationships" xmlns:p="http://schemas.openxmlformats.org/presentationml/2006/main" type="twoTxTwoObj" preserve="1">
   <p:cSld name="Comparison">
     <p:spTree>
       <p:nvGrpSpPr>
-        <p:cNvPr id="51" name=""/>
+        <p:cNvPr id="1" name=""/>
         <p:cNvGrpSpPr/>
         <p:nvPr/>
       </p:nvGrpSpPr>
@@ -3746,7 +4128,7 @@
       </p:grpSpPr>
       <p:sp>
         <p:nvSpPr>
-          <p:cNvPr id="1048665" name="Title 1"/>
+          <p:cNvPr id="2" name="Title 1"/>
           <p:cNvSpPr>
             <a:spLocks noGrp="1"/>
           </p:cNvSpPr>
@@ -3757,18 +4139,23 @@
         <p:spPr/>
         <p:txBody>
           <a:bodyPr/>
+          <a:lstStyle>
+            <a:lvl1pPr>
+              <a:defRPr/>
+            </a:lvl1pPr>
+          </a:lstStyle>
           <a:p>
             <a:r>
               <a:rPr lang="en-US"/>
               <a:t>Click to edit Master title style</a:t>
             </a:r>
-            <a:endParaRPr dirty="0" lang="en-US"/>
-          </a:p>
-        </p:txBody>
-      </p:sp>
-      <p:sp>
-        <p:nvSpPr>
-          <p:cNvPr id="1048666" name="Text Placeholder 2"/>
+            <a:endParaRPr lang="en-US" dirty="0"/>
+          </a:p>
+        </p:txBody>
+      </p:sp>
+      <p:sp>
+        <p:nvSpPr>
+          <p:cNvPr id="3" name="Text Placeholder 2"/>
           <p:cNvSpPr>
             <a:spLocks noGrp="1"/>
           </p:cNvSpPr>
@@ -3787,41 +4174,41 @@
             <a:noAutofit/>
           </a:bodyPr>
           <a:lstStyle>
-            <a:lvl1pPr indent="0" marL="0">
-              <a:buNone/>
-              <a:defRPr b="0" sz="2400"/>
+            <a:lvl1pPr marL="0" indent="0">
+              <a:buNone/>
+              <a:defRPr sz="2400" b="0"/>
             </a:lvl1pPr>
-            <a:lvl2pPr indent="0" marL="457200">
-              <a:buNone/>
-              <a:defRPr b="1" sz="2000"/>
+            <a:lvl2pPr marL="457200" indent="0">
+              <a:buNone/>
+              <a:defRPr sz="2000" b="1"/>
             </a:lvl2pPr>
-            <a:lvl3pPr indent="0" marL="914400">
-              <a:buNone/>
-              <a:defRPr b="1" sz="1800"/>
+            <a:lvl3pPr marL="914400" indent="0">
+              <a:buNone/>
+              <a:defRPr sz="1800" b="1"/>
             </a:lvl3pPr>
-            <a:lvl4pPr indent="0" marL="1371600">
-              <a:buNone/>
-              <a:defRPr b="1" sz="1600"/>
+            <a:lvl4pPr marL="1371600" indent="0">
+              <a:buNone/>
+              <a:defRPr sz="1600" b="1"/>
             </a:lvl4pPr>
-            <a:lvl5pPr indent="0" marL="1828800">
-              <a:buNone/>
-              <a:defRPr b="1" sz="1600"/>
+            <a:lvl5pPr marL="1828800" indent="0">
+              <a:buNone/>
+              <a:defRPr sz="1600" b="1"/>
             </a:lvl5pPr>
-            <a:lvl6pPr indent="0" marL="2286000">
-              <a:buNone/>
-              <a:defRPr b="1" sz="1600"/>
+            <a:lvl6pPr marL="2286000" indent="0">
+              <a:buNone/>
+              <a:defRPr sz="1600" b="1"/>
             </a:lvl6pPr>
-            <a:lvl7pPr indent="0" marL="2743200">
-              <a:buNone/>
-              <a:defRPr b="1" sz="1600"/>
+            <a:lvl7pPr marL="2743200" indent="0">
+              <a:buNone/>
+              <a:defRPr sz="1600" b="1"/>
             </a:lvl7pPr>
-            <a:lvl8pPr indent="0" marL="3200400">
-              <a:buNone/>
-              <a:defRPr b="1" sz="1600"/>
+            <a:lvl8pPr marL="3200400" indent="0">
+              <a:buNone/>
+              <a:defRPr sz="1600" b="1"/>
             </a:lvl8pPr>
-            <a:lvl9pPr indent="0" marL="3657600">
-              <a:buNone/>
-              <a:defRPr b="1" sz="1600"/>
+            <a:lvl9pPr marL="3657600" indent="0">
+              <a:buNone/>
+              <a:defRPr sz="1600" b="1"/>
             </a:lvl9pPr>
           </a:lstStyle>
           <a:p>
@@ -3835,7 +4222,7 @@
       </p:sp>
       <p:sp>
         <p:nvSpPr>
-          <p:cNvPr id="1048667" name="Content Placeholder 3"/>
+          <p:cNvPr id="4" name="Content Placeholder 3"/>
           <p:cNvSpPr>
             <a:spLocks noGrp="1"/>
           </p:cNvSpPr>
@@ -3853,6 +4240,7 @@
           <a:bodyPr>
             <a:normAutofit/>
           </a:bodyPr>
+          <a:lstStyle/>
           <a:p>
             <a:pPr lvl="0"/>
             <a:r>
@@ -3887,13 +4275,13 @@
               <a:rPr lang="en-US"/>
               <a:t>Fifth level</a:t>
             </a:r>
-            <a:endParaRPr dirty="0" lang="en-US"/>
-          </a:p>
-        </p:txBody>
-      </p:sp>
-      <p:sp>
-        <p:nvSpPr>
-          <p:cNvPr id="1048668" name="Text Placeholder 4"/>
+            <a:endParaRPr lang="en-US" dirty="0"/>
+          </a:p>
+        </p:txBody>
+      </p:sp>
+      <p:sp>
+        <p:nvSpPr>
+          <p:cNvPr id="5" name="Text Placeholder 4"/>
           <p:cNvSpPr>
             <a:spLocks noGrp="1"/>
           </p:cNvSpPr>
@@ -3912,41 +4300,41 @@
             <a:noAutofit/>
           </a:bodyPr>
           <a:lstStyle>
-            <a:lvl1pPr indent="0" marL="0">
-              <a:buNone/>
-              <a:defRPr b="0" sz="2400"/>
+            <a:lvl1pPr marL="0" indent="0">
+              <a:buNone/>
+              <a:defRPr sz="2400" b="0"/>
             </a:lvl1pPr>
-            <a:lvl2pPr indent="0" marL="457200">
-              <a:buNone/>
-              <a:defRPr b="1" sz="2000"/>
+            <a:lvl2pPr marL="457200" indent="0">
+              <a:buNone/>
+              <a:defRPr sz="2000" b="1"/>
             </a:lvl2pPr>
-            <a:lvl3pPr indent="0" marL="914400">
-              <a:buNone/>
-              <a:defRPr b="1" sz="1800"/>
+            <a:lvl3pPr marL="914400" indent="0">
+              <a:buNone/>
+              <a:defRPr sz="1800" b="1"/>
             </a:lvl3pPr>
-            <a:lvl4pPr indent="0" marL="1371600">
-              <a:buNone/>
-              <a:defRPr b="1" sz="1600"/>
+            <a:lvl4pPr marL="1371600" indent="0">
+              <a:buNone/>
+              <a:defRPr sz="1600" b="1"/>
             </a:lvl4pPr>
-            <a:lvl5pPr indent="0" marL="1828800">
-              <a:buNone/>
-              <a:defRPr b="1" sz="1600"/>
+            <a:lvl5pPr marL="1828800" indent="0">
+              <a:buNone/>
+              <a:defRPr sz="1600" b="1"/>
             </a:lvl5pPr>
-            <a:lvl6pPr indent="0" marL="2286000">
-              <a:buNone/>
-              <a:defRPr b="1" sz="1600"/>
+            <a:lvl6pPr marL="2286000" indent="0">
+              <a:buNone/>
+              <a:defRPr sz="1600" b="1"/>
             </a:lvl6pPr>
-            <a:lvl7pPr indent="0" marL="2743200">
-              <a:buNone/>
-              <a:defRPr b="1" sz="1600"/>
+            <a:lvl7pPr marL="2743200" indent="0">
+              <a:buNone/>
+              <a:defRPr sz="1600" b="1"/>
             </a:lvl7pPr>
-            <a:lvl8pPr indent="0" marL="3200400">
-              <a:buNone/>
-              <a:defRPr b="1" sz="1600"/>
+            <a:lvl8pPr marL="3200400" indent="0">
+              <a:buNone/>
+              <a:defRPr sz="1600" b="1"/>
             </a:lvl8pPr>
-            <a:lvl9pPr indent="0" marL="3657600">
-              <a:buNone/>
-              <a:defRPr b="1" sz="1600"/>
+            <a:lvl9pPr marL="3657600" indent="0">
+              <a:buNone/>
+              <a:defRPr sz="1600" b="1"/>
             </a:lvl9pPr>
           </a:lstStyle>
           <a:p>
@@ -3960,7 +4348,7 @@
       </p:sp>
       <p:sp>
         <p:nvSpPr>
-          <p:cNvPr id="1048669" name="Content Placeholder 5"/>
+          <p:cNvPr id="6" name="Content Placeholder 5"/>
           <p:cNvSpPr>
             <a:spLocks noGrp="1"/>
           </p:cNvSpPr>
@@ -3978,6 +4366,7 @@
           <a:bodyPr>
             <a:normAutofit/>
           </a:bodyPr>
+          <a:lstStyle/>
           <a:p>
             <a:pPr lvl="0"/>
             <a:r>
@@ -4012,13 +4401,13 @@
               <a:rPr lang="en-US"/>
               <a:t>Fifth level</a:t>
             </a:r>
-            <a:endParaRPr dirty="0" lang="en-US"/>
-          </a:p>
-        </p:txBody>
-      </p:sp>
-      <p:sp>
-        <p:nvSpPr>
-          <p:cNvPr id="1048670" name="Date Placeholder 6"/>
+            <a:endParaRPr lang="en-US" dirty="0"/>
+          </a:p>
+        </p:txBody>
+      </p:sp>
+      <p:sp>
+        <p:nvSpPr>
+          <p:cNvPr id="7" name="Date Placeholder 6"/>
           <p:cNvSpPr>
             <a:spLocks noGrp="1"/>
           </p:cNvSpPr>
@@ -4029,10 +4418,11 @@
         <p:spPr/>
         <p:txBody>
           <a:bodyPr/>
+          <a:lstStyle/>
           <a:p>
             <a:fld id="{04C4989A-474C-40DE-95B9-011C28B71673}" type="datetime1">
               <a:rPr lang="en-US" smtClean="0"/>
-              <a:t>29-Mar-24</a:t>
+              <a:t>4/3/2024</a:t>
             </a:fld>
             <a:endParaRPr lang="en-US"/>
           </a:p>
@@ -4040,7 +4430,7 @@
       </p:sp>
       <p:sp>
         <p:nvSpPr>
-          <p:cNvPr id="1048671" name="Footer Placeholder 7"/>
+          <p:cNvPr id="8" name="Footer Placeholder 7"/>
           <p:cNvSpPr>
             <a:spLocks noGrp="1"/>
           </p:cNvSpPr>
@@ -4051,6 +4441,7 @@
         <p:spPr/>
         <p:txBody>
           <a:bodyPr/>
+          <a:lstStyle/>
           <a:p>
             <a:endParaRPr lang="en-US"/>
           </a:p>
@@ -4058,7 +4449,7 @@
       </p:sp>
       <p:sp>
         <p:nvSpPr>
-          <p:cNvPr id="1048672" name="Slide Number Placeholder 8"/>
+          <p:cNvPr id="9" name="Slide Number Placeholder 8"/>
           <p:cNvSpPr>
             <a:spLocks noGrp="1"/>
           </p:cNvSpPr>
@@ -4069,6 +4460,7 @@
         <p:spPr/>
         <p:txBody>
           <a:bodyPr/>
+          <a:lstStyle/>
           <a:p>
             <a:fld id="{3A98EE3D-8CD1-4C3F-BD1C-C98C9596463C}" type="slidenum">
               <a:rPr lang="en-US" smtClean="0"/>
@@ -4079,6 +4471,11 @@
         </p:txBody>
       </p:sp>
     </p:spTree>
+    <p:extLst>
+      <p:ext uri="{BB962C8B-B14F-4D97-AF65-F5344CB8AC3E}">
+        <p14:creationId xmlns:p14="http://schemas.microsoft.com/office/powerpoint/2010/main" val="2200649235"/>
+      </p:ext>
+    </p:extLst>
   </p:cSld>
   <p:clrMapOvr>
     <a:masterClrMapping/>
@@ -4087,11 +4484,11 @@
 </file>
 
 <file path=ppt/slideLayouts/slideLayout6.xml><?xml version="1.0" encoding="utf-8"?>
-<p:sldLayout xmlns:a="http://schemas.openxmlformats.org/drawingml/2006/main" xmlns:r="http://schemas.openxmlformats.org/officeDocument/2006/relationships" xmlns:p="http://schemas.openxmlformats.org/presentationml/2006/main" preserve="1" type="titleOnly">
+<p:sldLayout xmlns:a="http://schemas.openxmlformats.org/drawingml/2006/main" xmlns:r="http://schemas.openxmlformats.org/officeDocument/2006/relationships" xmlns:p="http://schemas.openxmlformats.org/presentationml/2006/main" type="titleOnly" preserve="1">
   <p:cSld name="Title Only">
     <p:spTree>
       <p:nvGrpSpPr>
-        <p:cNvPr id="44" name=""/>
+        <p:cNvPr id="1" name=""/>
         <p:cNvGrpSpPr/>
         <p:nvPr/>
       </p:nvGrpSpPr>
@@ -4105,7 +4502,7 @@
       </p:grpSpPr>
       <p:sp>
         <p:nvSpPr>
-          <p:cNvPr id="1048628" name="Title 1"/>
+          <p:cNvPr id="2" name="Title 1"/>
           <p:cNvSpPr>
             <a:spLocks noGrp="1"/>
           </p:cNvSpPr>
@@ -4121,18 +4518,19 @@
         </p:spPr>
         <p:txBody>
           <a:bodyPr/>
+          <a:lstStyle/>
           <a:p>
             <a:r>
               <a:rPr lang="en-US"/>
               <a:t>Click to edit Master title style</a:t>
             </a:r>
-            <a:endParaRPr dirty="0" lang="en-US"/>
-          </a:p>
-        </p:txBody>
-      </p:sp>
-      <p:sp>
-        <p:nvSpPr>
-          <p:cNvPr id="1048629" name="Date Placeholder 2"/>
+            <a:endParaRPr lang="en-US" dirty="0"/>
+          </a:p>
+        </p:txBody>
+      </p:sp>
+      <p:sp>
+        <p:nvSpPr>
+          <p:cNvPr id="3" name="Date Placeholder 2"/>
           <p:cNvSpPr>
             <a:spLocks noGrp="1"/>
           </p:cNvSpPr>
@@ -4143,10 +4541,11 @@
         <p:spPr/>
         <p:txBody>
           <a:bodyPr/>
+          <a:lstStyle/>
           <a:p>
             <a:fld id="{5DB4ED54-5B5E-4A04-93D3-5772E3CE3818}" type="datetime1">
               <a:rPr lang="en-US" smtClean="0"/>
-              <a:t>29-Mar-24</a:t>
+              <a:t>4/3/2024</a:t>
             </a:fld>
             <a:endParaRPr lang="en-US"/>
           </a:p>
@@ -4154,7 +4553,7 @@
       </p:sp>
       <p:sp>
         <p:nvSpPr>
-          <p:cNvPr id="1048630" name="Footer Placeholder 3"/>
+          <p:cNvPr id="4" name="Footer Placeholder 3"/>
           <p:cNvSpPr>
             <a:spLocks noGrp="1"/>
           </p:cNvSpPr>
@@ -4165,6 +4564,7 @@
         <p:spPr/>
         <p:txBody>
           <a:bodyPr/>
+          <a:lstStyle/>
           <a:p>
             <a:endParaRPr lang="en-US"/>
           </a:p>
@@ -4172,7 +4572,7 @@
       </p:sp>
       <p:sp>
         <p:nvSpPr>
-          <p:cNvPr id="1048631" name="Slide Number Placeholder 4"/>
+          <p:cNvPr id="5" name="Slide Number Placeholder 4"/>
           <p:cNvSpPr>
             <a:spLocks noGrp="1"/>
           </p:cNvSpPr>
@@ -4183,6 +4583,7 @@
         <p:spPr/>
         <p:txBody>
           <a:bodyPr/>
+          <a:lstStyle/>
           <a:p>
             <a:fld id="{3A98EE3D-8CD1-4C3F-BD1C-C98C9596463C}" type="slidenum">
               <a:rPr lang="en-US" smtClean="0"/>
@@ -4193,6 +4594,11 @@
         </p:txBody>
       </p:sp>
     </p:spTree>
+    <p:extLst>
+      <p:ext uri="{BB962C8B-B14F-4D97-AF65-F5344CB8AC3E}">
+        <p14:creationId xmlns:p14="http://schemas.microsoft.com/office/powerpoint/2010/main" val="3803192647"/>
+      </p:ext>
+    </p:extLst>
   </p:cSld>
   <p:clrMapOvr>
     <a:masterClrMapping/>
@@ -4201,11 +4607,11 @@
 </file>
 
 <file path=ppt/slideLayouts/slideLayout7.xml><?xml version="1.0" encoding="utf-8"?>
-<p:sldLayout xmlns:a="http://schemas.openxmlformats.org/drawingml/2006/main" xmlns:r="http://schemas.openxmlformats.org/officeDocument/2006/relationships" xmlns:p="http://schemas.openxmlformats.org/presentationml/2006/main" preserve="1" type="blank">
+<p:sldLayout xmlns:a="http://schemas.openxmlformats.org/drawingml/2006/main" xmlns:r="http://schemas.openxmlformats.org/officeDocument/2006/relationships" xmlns:p="http://schemas.openxmlformats.org/presentationml/2006/main" type="blank" preserve="1">
   <p:cSld name="Blank">
     <p:spTree>
       <p:nvGrpSpPr>
-        <p:cNvPr id="52" name=""/>
+        <p:cNvPr id="1" name=""/>
         <p:cNvGrpSpPr/>
         <p:nvPr/>
       </p:nvGrpSpPr>
@@ -4219,7 +4625,7 @@
       </p:grpSpPr>
       <p:sp>
         <p:nvSpPr>
-          <p:cNvPr id="1048673" name="Date Placeholder 1"/>
+          <p:cNvPr id="2" name="Date Placeholder 1"/>
           <p:cNvSpPr>
             <a:spLocks noGrp="1"/>
           </p:cNvSpPr>
@@ -4230,10 +4636,11 @@
         <p:spPr/>
         <p:txBody>
           <a:bodyPr/>
+          <a:lstStyle/>
           <a:p>
             <a:fld id="{4EDE50D6-574B-40AF-946F-D52A04ADE379}" type="datetime1">
               <a:rPr lang="en-US" smtClean="0"/>
-              <a:t>29-Mar-24</a:t>
+              <a:t>4/3/2024</a:t>
             </a:fld>
             <a:endParaRPr lang="en-US"/>
           </a:p>
@@ -4241,7 +4648,7 @@
       </p:sp>
       <p:sp>
         <p:nvSpPr>
-          <p:cNvPr id="1048674" name="Footer Placeholder 2"/>
+          <p:cNvPr id="3" name="Footer Placeholder 2"/>
           <p:cNvSpPr>
             <a:spLocks noGrp="1"/>
           </p:cNvSpPr>
@@ -4252,6 +4659,7 @@
         <p:spPr/>
         <p:txBody>
           <a:bodyPr/>
+          <a:lstStyle/>
           <a:p>
             <a:endParaRPr lang="en-US"/>
           </a:p>
@@ -4259,7 +4667,7 @@
       </p:sp>
       <p:sp>
         <p:nvSpPr>
-          <p:cNvPr id="1048675" name="Slide Number Placeholder 3"/>
+          <p:cNvPr id="4" name="Slide Number Placeholder 3"/>
           <p:cNvSpPr>
             <a:spLocks noGrp="1"/>
           </p:cNvSpPr>
@@ -4270,6 +4678,7 @@
         <p:spPr/>
         <p:txBody>
           <a:bodyPr/>
+          <a:lstStyle/>
           <a:p>
             <a:fld id="{3A98EE3D-8CD1-4C3F-BD1C-C98C9596463C}" type="slidenum">
               <a:rPr lang="en-US" smtClean="0"/>
@@ -4280,6 +4689,11 @@
         </p:txBody>
       </p:sp>
     </p:spTree>
+    <p:extLst>
+      <p:ext uri="{BB962C8B-B14F-4D97-AF65-F5344CB8AC3E}">
+        <p14:creationId xmlns:p14="http://schemas.microsoft.com/office/powerpoint/2010/main" val="908258720"/>
+      </p:ext>
+    </p:extLst>
   </p:cSld>
   <p:clrMapOvr>
     <a:masterClrMapping/>
@@ -4288,11 +4702,11 @@
 </file>
 
 <file path=ppt/slideLayouts/slideLayout8.xml><?xml version="1.0" encoding="utf-8"?>
-<p:sldLayout xmlns:a="http://schemas.openxmlformats.org/drawingml/2006/main" xmlns:r="http://schemas.openxmlformats.org/officeDocument/2006/relationships" xmlns:p="http://schemas.openxmlformats.org/presentationml/2006/main" preserve="1" type="objTx">
+<p:sldLayout xmlns:a="http://schemas.openxmlformats.org/drawingml/2006/main" xmlns:r="http://schemas.openxmlformats.org/officeDocument/2006/relationships" xmlns:p="http://schemas.openxmlformats.org/presentationml/2006/main" type="objTx" preserve="1">
   <p:cSld name="Content with Caption">
     <p:spTree>
       <p:nvGrpSpPr>
-        <p:cNvPr id="57" name=""/>
+        <p:cNvPr id="1" name=""/>
         <p:cNvGrpSpPr/>
         <p:nvPr/>
       </p:nvGrpSpPr>
@@ -4306,7 +4720,7 @@
       </p:grpSpPr>
       <p:sp>
         <p:nvSpPr>
-          <p:cNvPr id="1048698" name="Title 1"/>
+          <p:cNvPr id="2" name="Title 1"/>
           <p:cNvSpPr>
             <a:spLocks noGrp="1"/>
           </p:cNvSpPr>
@@ -4334,13 +4748,13 @@
               <a:rPr lang="en-US"/>
               <a:t>Click to edit Master title style</a:t>
             </a:r>
-            <a:endParaRPr dirty="0" lang="en-US"/>
-          </a:p>
-        </p:txBody>
-      </p:sp>
-      <p:sp>
-        <p:nvSpPr>
-          <p:cNvPr id="1048699" name="Content Placeholder 2"/>
+            <a:endParaRPr lang="en-US" dirty="0"/>
+          </a:p>
+        </p:txBody>
+      </p:sp>
+      <p:sp>
+        <p:nvSpPr>
+          <p:cNvPr id="3" name="Content Placeholder 2"/>
           <p:cNvSpPr>
             <a:spLocks noGrp="1"/>
           </p:cNvSpPr>
@@ -4358,6 +4772,7 @@
           <a:bodyPr>
             <a:normAutofit/>
           </a:bodyPr>
+          <a:lstStyle/>
           <a:p>
             <a:pPr lvl="0"/>
             <a:r>
@@ -4392,13 +4807,13 @@
               <a:rPr lang="en-US"/>
               <a:t>Fifth level</a:t>
             </a:r>
-            <a:endParaRPr dirty="0" lang="en-US"/>
-          </a:p>
-        </p:txBody>
-      </p:sp>
-      <p:sp>
-        <p:nvSpPr>
-          <p:cNvPr id="1048700" name="Text Placeholder 3"/>
+            <a:endParaRPr lang="en-US" dirty="0"/>
+          </a:p>
+        </p:txBody>
+      </p:sp>
+      <p:sp>
+        <p:nvSpPr>
+          <p:cNvPr id="4" name="Text Placeholder 3"/>
           <p:cNvSpPr>
             <a:spLocks noGrp="1"/>
           </p:cNvSpPr>
@@ -4417,39 +4832,39 @@
             <a:normAutofit/>
           </a:bodyPr>
           <a:lstStyle>
-            <a:lvl1pPr indent="0" marL="0">
+            <a:lvl1pPr marL="0" indent="0">
               <a:buNone/>
               <a:defRPr sz="1400"/>
             </a:lvl1pPr>
-            <a:lvl2pPr indent="0" marL="457063">
+            <a:lvl2pPr marL="457063" indent="0">
               <a:buNone/>
               <a:defRPr sz="1400"/>
             </a:lvl2pPr>
-            <a:lvl3pPr indent="0" marL="914126">
+            <a:lvl3pPr marL="914126" indent="0">
               <a:buNone/>
               <a:defRPr sz="1200"/>
             </a:lvl3pPr>
-            <a:lvl4pPr indent="0" marL="1371189">
+            <a:lvl4pPr marL="1371189" indent="0">
               <a:buNone/>
               <a:defRPr sz="1000"/>
             </a:lvl4pPr>
-            <a:lvl5pPr indent="0" marL="1828251">
+            <a:lvl5pPr marL="1828251" indent="0">
               <a:buNone/>
               <a:defRPr sz="1000"/>
             </a:lvl5pPr>
-            <a:lvl6pPr indent="0" marL="2285314">
+            <a:lvl6pPr marL="2285314" indent="0">
               <a:buNone/>
               <a:defRPr sz="1000"/>
             </a:lvl6pPr>
-            <a:lvl7pPr indent="0" marL="2742377">
+            <a:lvl7pPr marL="2742377" indent="0">
               <a:buNone/>
               <a:defRPr sz="1000"/>
             </a:lvl7pPr>
-            <a:lvl8pPr indent="0" marL="3199440">
+            <a:lvl8pPr marL="3199440" indent="0">
               <a:buNone/>
               <a:defRPr sz="1000"/>
             </a:lvl8pPr>
-            <a:lvl9pPr indent="0" marL="3656503">
+            <a:lvl9pPr marL="3656503" indent="0">
               <a:buNone/>
               <a:defRPr sz="1000"/>
             </a:lvl9pPr>
@@ -4465,7 +4880,7 @@
       </p:sp>
       <p:sp>
         <p:nvSpPr>
-          <p:cNvPr id="1048701" name="Date Placeholder 4"/>
+          <p:cNvPr id="5" name="Date Placeholder 4"/>
           <p:cNvSpPr>
             <a:spLocks noGrp="1"/>
           </p:cNvSpPr>
@@ -4476,10 +4891,11 @@
         <p:spPr/>
         <p:txBody>
           <a:bodyPr/>
+          <a:lstStyle/>
           <a:p>
             <a:fld id="{D82884F1-FFEA-405F-9602-3DCA865EDA4E}" type="datetime1">
               <a:rPr lang="en-US" smtClean="0"/>
-              <a:t>29-Mar-24</a:t>
+              <a:t>4/3/2024</a:t>
             </a:fld>
             <a:endParaRPr lang="en-US"/>
           </a:p>
@@ -4487,7 +4903,7 @@
       </p:sp>
       <p:sp>
         <p:nvSpPr>
-          <p:cNvPr id="1048702" name="Footer Placeholder 5"/>
+          <p:cNvPr id="6" name="Footer Placeholder 5"/>
           <p:cNvSpPr>
             <a:spLocks noGrp="1"/>
           </p:cNvSpPr>
@@ -4498,6 +4914,7 @@
         <p:spPr/>
         <p:txBody>
           <a:bodyPr/>
+          <a:lstStyle/>
           <a:p>
             <a:endParaRPr lang="en-US"/>
           </a:p>
@@ -4505,7 +4922,7 @@
       </p:sp>
       <p:sp>
         <p:nvSpPr>
-          <p:cNvPr id="1048703" name="Slide Number Placeholder 6"/>
+          <p:cNvPr id="7" name="Slide Number Placeholder 6"/>
           <p:cNvSpPr>
             <a:spLocks noGrp="1"/>
           </p:cNvSpPr>
@@ -4516,9 +4933,11 @@
         <p:spPr/>
         <p:txBody>
           <a:bodyPr/>
+          <a:lstStyle/>
           <a:p>
             <a:fld id="{3A98EE3D-8CD1-4C3F-BD1C-C98C9596463C}" type="slidenum">
               <a:rPr lang="en-US" smtClean="0"/>
+              <a:pPr/>
               <a:t>‹#›</a:t>
             </a:fld>
             <a:endParaRPr lang="en-US"/>
@@ -4526,6 +4945,11 @@
         </p:txBody>
       </p:sp>
     </p:spTree>
+    <p:extLst>
+      <p:ext uri="{BB962C8B-B14F-4D97-AF65-F5344CB8AC3E}">
+        <p14:creationId xmlns:p14="http://schemas.microsoft.com/office/powerpoint/2010/main" val="2293679332"/>
+      </p:ext>
+    </p:extLst>
   </p:cSld>
   <p:clrMapOvr>
     <a:masterClrMapping/>
@@ -4534,11 +4958,11 @@
 </file>
 
 <file path=ppt/slideLayouts/slideLayout9.xml><?xml version="1.0" encoding="utf-8"?>
-<p:sldLayout xmlns:a="http://schemas.openxmlformats.org/drawingml/2006/main" xmlns:r="http://schemas.openxmlformats.org/officeDocument/2006/relationships" xmlns:p="http://schemas.openxmlformats.org/presentationml/2006/main" preserve="1" type="picTx">
+<p:sldLayout xmlns:a="http://schemas.openxmlformats.org/drawingml/2006/main" xmlns:r="http://schemas.openxmlformats.org/officeDocument/2006/relationships" xmlns:p="http://schemas.openxmlformats.org/presentationml/2006/main" type="picTx" preserve="1">
   <p:cSld name="Picture with Caption">
     <p:spTree>
       <p:nvGrpSpPr>
-        <p:cNvPr id="48" name=""/>
+        <p:cNvPr id="1" name=""/>
         <p:cNvGrpSpPr/>
         <p:nvPr/>
       </p:nvGrpSpPr>
@@ -4552,7 +4976,7 @@
       </p:grpSpPr>
       <p:sp>
         <p:nvSpPr>
-          <p:cNvPr id="1048649" name="Title 1"/>
+          <p:cNvPr id="2" name="Title 1"/>
           <p:cNvSpPr>
             <a:spLocks noGrp="1"/>
           </p:cNvSpPr>
@@ -4572,7 +4996,7 @@
           </a:bodyPr>
           <a:lstStyle>
             <a:lvl1pPr algn="l">
-              <a:defRPr b="0" sz="2400"/>
+              <a:defRPr sz="2400" b="0"/>
             </a:lvl1pPr>
           </a:lstStyle>
           <a:p>
@@ -4580,15 +5004,15 @@
               <a:rPr lang="en-US"/>
               <a:t>Click to edit Master title style</a:t>
             </a:r>
-            <a:endParaRPr dirty="0" lang="en-US"/>
-          </a:p>
-        </p:txBody>
-      </p:sp>
-      <p:sp>
-        <p:nvSpPr>
-          <p:cNvPr id="1048650" name="Picture Placeholder 2"/>
-          <p:cNvSpPr>
-            <a:spLocks noChangeAspect="1" noGrp="1"/>
+            <a:endParaRPr lang="en-US" dirty="0"/>
+          </a:p>
+        </p:txBody>
+      </p:sp>
+      <p:sp>
+        <p:nvSpPr>
+          <p:cNvPr id="3" name="Picture Placeholder 2"/>
+          <p:cNvSpPr>
+            <a:spLocks noGrp="1" noChangeAspect="1"/>
           </p:cNvSpPr>
           <p:nvPr>
             <p:ph type="pic" idx="1"/>
@@ -4605,39 +5029,39 @@
             <a:normAutofit/>
           </a:bodyPr>
           <a:lstStyle>
-            <a:lvl1pPr algn="ctr" indent="0" marL="0">
+            <a:lvl1pPr marL="0" indent="0" algn="ctr">
               <a:buNone/>
               <a:defRPr sz="1600"/>
             </a:lvl1pPr>
-            <a:lvl2pPr indent="0" marL="457200">
+            <a:lvl2pPr marL="457200" indent="0">
               <a:buNone/>
               <a:defRPr sz="1600"/>
             </a:lvl2pPr>
-            <a:lvl3pPr indent="0" marL="914400">
+            <a:lvl3pPr marL="914400" indent="0">
               <a:buNone/>
               <a:defRPr sz="1600"/>
             </a:lvl3pPr>
-            <a:lvl4pPr indent="0" marL="1371600">
+            <a:lvl4pPr marL="1371600" indent="0">
               <a:buNone/>
               <a:defRPr sz="1600"/>
             </a:lvl4pPr>
-            <a:lvl5pPr indent="0" marL="1828800">
+            <a:lvl5pPr marL="1828800" indent="0">
               <a:buNone/>
               <a:defRPr sz="1600"/>
             </a:lvl5pPr>
-            <a:lvl6pPr indent="0" marL="2286000">
+            <a:lvl6pPr marL="2286000" indent="0">
               <a:buNone/>
               <a:defRPr sz="1600"/>
             </a:lvl6pPr>
-            <a:lvl7pPr indent="0" marL="2743200">
+            <a:lvl7pPr marL="2743200" indent="0">
               <a:buNone/>
               <a:defRPr sz="1600"/>
             </a:lvl7pPr>
-            <a:lvl8pPr indent="0" marL="3200400">
+            <a:lvl8pPr marL="3200400" indent="0">
               <a:buNone/>
               <a:defRPr sz="1600"/>
             </a:lvl8pPr>
-            <a:lvl9pPr indent="0" marL="3657600">
+            <a:lvl9pPr marL="3657600" indent="0">
               <a:buNone/>
               <a:defRPr sz="1600"/>
             </a:lvl9pPr>
@@ -4647,13 +5071,13 @@
               <a:rPr lang="en-US"/>
               <a:t>Click icon to add picture</a:t>
             </a:r>
-            <a:endParaRPr dirty="0" lang="en-US"/>
-          </a:p>
-        </p:txBody>
-      </p:sp>
-      <p:sp>
-        <p:nvSpPr>
-          <p:cNvPr id="1048651" name="Text Placeholder 3"/>
+            <a:endParaRPr lang="en-US" dirty="0"/>
+          </a:p>
+        </p:txBody>
+      </p:sp>
+      <p:sp>
+        <p:nvSpPr>
+          <p:cNvPr id="4" name="Text Placeholder 3"/>
           <p:cNvSpPr>
             <a:spLocks noGrp="1"/>
           </p:cNvSpPr>
@@ -4672,39 +5096,39 @@
             <a:normAutofit/>
           </a:bodyPr>
           <a:lstStyle>
-            <a:lvl1pPr indent="0" marL="0">
+            <a:lvl1pPr marL="0" indent="0">
               <a:buNone/>
               <a:defRPr sz="1200"/>
             </a:lvl1pPr>
-            <a:lvl2pPr indent="0" marL="457200">
+            <a:lvl2pPr marL="457200" indent="0">
               <a:buNone/>
               <a:defRPr sz="1200"/>
             </a:lvl2pPr>
-            <a:lvl3pPr indent="0" marL="914400">
+            <a:lvl3pPr marL="914400" indent="0">
               <a:buNone/>
               <a:defRPr sz="1000"/>
             </a:lvl3pPr>
-            <a:lvl4pPr indent="0" marL="1371600">
+            <a:lvl4pPr marL="1371600" indent="0">
               <a:buNone/>
               <a:defRPr sz="900"/>
             </a:lvl4pPr>
-            <a:lvl5pPr indent="0" marL="1828800">
+            <a:lvl5pPr marL="1828800" indent="0">
               <a:buNone/>
               <a:defRPr sz="900"/>
             </a:lvl5pPr>
-            <a:lvl6pPr indent="0" marL="2286000">
+            <a:lvl6pPr marL="2286000" indent="0">
               <a:buNone/>
               <a:defRPr sz="900"/>
             </a:lvl6pPr>
-            <a:lvl7pPr indent="0" marL="2743200">
+            <a:lvl7pPr marL="2743200" indent="0">
               <a:buNone/>
               <a:defRPr sz="900"/>
             </a:lvl7pPr>
-            <a:lvl8pPr indent="0" marL="3200400">
+            <a:lvl8pPr marL="3200400" indent="0">
               <a:buNone/>
               <a:defRPr sz="900"/>
             </a:lvl8pPr>
-            <a:lvl9pPr indent="0" marL="3657600">
+            <a:lvl9pPr marL="3657600" indent="0">
               <a:buNone/>
               <a:defRPr sz="900"/>
             </a:lvl9pPr>
@@ -4720,7 +5144,7 @@
       </p:sp>
       <p:sp>
         <p:nvSpPr>
-          <p:cNvPr id="1048652" name="Date Placeholder 4"/>
+          <p:cNvPr id="5" name="Date Placeholder 4"/>
           <p:cNvSpPr>
             <a:spLocks noGrp="1"/>
           </p:cNvSpPr>
@@ -4731,10 +5155,11 @@
         <p:spPr/>
         <p:txBody>
           <a:bodyPr/>
+          <a:lstStyle/>
           <a:p>
             <a:fld id="{7E18DB4A-8810-4A10-AD5C-D5E2C667F5B3}" type="datetime1">
               <a:rPr lang="en-US" smtClean="0"/>
-              <a:t>29-Mar-24</a:t>
+              <a:t>4/3/2024</a:t>
             </a:fld>
             <a:endParaRPr lang="en-US"/>
           </a:p>
@@ -4742,7 +5167,7 @@
       </p:sp>
       <p:sp>
         <p:nvSpPr>
-          <p:cNvPr id="1048653" name="Footer Placeholder 5"/>
+          <p:cNvPr id="6" name="Footer Placeholder 5"/>
           <p:cNvSpPr>
             <a:spLocks noGrp="1"/>
           </p:cNvSpPr>
@@ -4753,6 +5178,7 @@
         <p:spPr/>
         <p:txBody>
           <a:bodyPr/>
+          <a:lstStyle/>
           <a:p>
             <a:pPr algn="l"/>
             <a:endParaRPr lang="en-US"/>
@@ -4761,7 +5187,7 @@
       </p:sp>
       <p:sp>
         <p:nvSpPr>
-          <p:cNvPr id="1048654" name="Slide Number Placeholder 6"/>
+          <p:cNvPr id="7" name="Slide Number Placeholder 6"/>
           <p:cNvSpPr>
             <a:spLocks noGrp="1"/>
           </p:cNvSpPr>
@@ -4772,6 +5198,7 @@
         <p:spPr/>
         <p:txBody>
           <a:bodyPr/>
+          <a:lstStyle/>
           <a:p>
             <a:fld id="{3A98EE3D-8CD1-4C3F-BD1C-C98C9596463C}" type="slidenum">
               <a:rPr lang="en-US" smtClean="0"/>
@@ -4782,6 +5209,11 @@
         </p:txBody>
       </p:sp>
     </p:spTree>
+    <p:extLst>
+      <p:ext uri="{BB962C8B-B14F-4D97-AF65-F5344CB8AC3E}">
+        <p14:creationId xmlns:p14="http://schemas.microsoft.com/office/powerpoint/2010/main" val="1243529867"/>
+      </p:ext>
+    </p:extLst>
   </p:cSld>
   <p:clrMapOvr>
     <a:masterClrMapping/>
@@ -4799,7 +5231,7 @@
     </p:bg>
     <p:spTree>
       <p:nvGrpSpPr>
-        <p:cNvPr id="12" name=""/>
+        <p:cNvPr id="1" name=""/>
         <p:cNvGrpSpPr/>
         <p:nvPr/>
       </p:nvGrpSpPr>
@@ -4813,7 +5245,7 @@
       </p:grpSpPr>
       <p:grpSp>
         <p:nvGrpSpPr>
-          <p:cNvPr id="13" name="Group 6"/>
+          <p:cNvPr id="7" name="Group 6"/>
           <p:cNvGrpSpPr/>
           <p:nvPr/>
         </p:nvGrpSpPr>
@@ -4827,10 +5259,8 @@
         </p:grpSpPr>
         <p:cxnSp>
           <p:nvCxnSpPr>
-            <p:cNvPr id="3145728" name="Straight Connector 19"/>
-            <p:cNvCxnSpPr>
-              <a:cxnSpLocks/>
-            </p:cNvCxnSpPr>
+            <p:cNvPr id="20" name="Straight Connector 19"/>
+            <p:cNvCxnSpPr/>
             <p:nvPr/>
           </p:nvCxnSpPr>
           <p:spPr>
@@ -4838,7 +5268,9 @@
               <a:off x="9371012" y="0"/>
               <a:ext cx="1219200" cy="6858000"/>
             </a:xfrm>
-            <a:prstGeom prst="line"/>
+            <a:prstGeom prst="line">
+              <a:avLst/>
+            </a:prstGeom>
             <a:ln w="9525">
               <a:solidFill>
                 <a:schemeClr val="bg1">
@@ -4864,10 +5296,8 @@
         </p:cxnSp>
         <p:cxnSp>
           <p:nvCxnSpPr>
-            <p:cNvPr id="3145729" name="Straight Connector 20"/>
-            <p:cNvCxnSpPr>
-              <a:cxnSpLocks/>
-            </p:cNvCxnSpPr>
+            <p:cNvPr id="21" name="Straight Connector 20"/>
+            <p:cNvCxnSpPr/>
             <p:nvPr/>
           </p:nvCxnSpPr>
           <p:spPr>
@@ -4875,7 +5305,9 @@
               <a:off x="7425267" y="3681413"/>
               <a:ext cx="4763558" cy="3176587"/>
             </a:xfrm>
-            <a:prstGeom prst="line"/>
+            <a:prstGeom prst="line">
+              <a:avLst/>
+            </a:prstGeom>
             <a:ln w="9525">
               <a:solidFill>
                 <a:schemeClr val="bg1">
@@ -4901,7 +5333,7 @@
         </p:cxnSp>
         <p:sp>
           <p:nvSpPr>
-            <p:cNvPr id="1048576" name="Rectangle 23"/>
+            <p:cNvPr id="22" name="Rectangle 23"/>
             <p:cNvSpPr/>
             <p:nvPr/>
           </p:nvSpPr>
@@ -4912,7 +5344,9 @@
             </a:xfrm>
             <a:custGeom>
               <a:avLst/>
+              <a:gdLst/>
               <a:ahLst/>
+              <a:cxnLst/>
               <a:rect l="l" t="t" r="r" b="b"/>
               <a:pathLst>
                 <a:path w="3007349" h="6866467">
@@ -4962,7 +5396,7 @@
         </p:sp>
         <p:sp>
           <p:nvSpPr>
-            <p:cNvPr id="1048577" name="Rectangle 25"/>
+            <p:cNvPr id="23" name="Rectangle 25"/>
             <p:cNvSpPr/>
             <p:nvPr/>
           </p:nvSpPr>
@@ -4973,7 +5407,9 @@
             </a:xfrm>
             <a:custGeom>
               <a:avLst/>
+              <a:gdLst/>
               <a:ahLst/>
+              <a:cxnLst/>
               <a:rect l="l" t="t" r="r" b="b"/>
               <a:pathLst>
                 <a:path w="2573311" h="6866467">
@@ -5023,7 +5459,7 @@
         </p:sp>
         <p:sp>
           <p:nvSpPr>
-            <p:cNvPr id="1048578" name="Isosceles Triangle 23"/>
+            <p:cNvPr id="24" name="Isosceles Triangle 23"/>
             <p:cNvSpPr/>
             <p:nvPr/>
           </p:nvSpPr>
@@ -5064,7 +5500,7 @@
         </p:sp>
         <p:sp>
           <p:nvSpPr>
-            <p:cNvPr id="1048579" name="Rectangle 27"/>
+            <p:cNvPr id="25" name="Rectangle 27"/>
             <p:cNvSpPr/>
             <p:nvPr/>
           </p:nvSpPr>
@@ -5075,7 +5511,9 @@
             </a:xfrm>
             <a:custGeom>
               <a:avLst/>
+              <a:gdLst/>
               <a:ahLst/>
+              <a:cxnLst/>
               <a:rect l="l" t="t" r="r" b="b"/>
               <a:pathLst>
                 <a:path w="2858013" h="6866467">
@@ -5126,7 +5564,7 @@
         </p:sp>
         <p:sp>
           <p:nvSpPr>
-            <p:cNvPr id="1048580" name="Rectangle 28"/>
+            <p:cNvPr id="26" name="Rectangle 28"/>
             <p:cNvSpPr/>
             <p:nvPr/>
           </p:nvSpPr>
@@ -5137,7 +5575,9 @@
             </a:xfrm>
             <a:custGeom>
               <a:avLst/>
+              <a:gdLst/>
               <a:ahLst/>
+              <a:cxnLst/>
               <a:rect l="l" t="t" r="r" b="b"/>
               <a:pathLst>
                 <a:path w="1290094" h="6858000">
@@ -5189,7 +5629,7 @@
         </p:sp>
         <p:sp>
           <p:nvSpPr>
-            <p:cNvPr id="1048581" name="Rectangle 29"/>
+            <p:cNvPr id="27" name="Rectangle 29"/>
             <p:cNvSpPr/>
             <p:nvPr/>
           </p:nvSpPr>
@@ -5200,7 +5640,9 @@
             </a:xfrm>
             <a:custGeom>
               <a:avLst/>
+              <a:gdLst/>
               <a:ahLst/>
+              <a:cxnLst/>
               <a:rect l="l" t="t" r="r" b="b"/>
               <a:pathLst>
                 <a:path w="1249825" h="6858000">
@@ -5250,7 +5692,7 @@
         </p:sp>
         <p:sp>
           <p:nvSpPr>
-            <p:cNvPr id="1048582" name="Isosceles Triangle 27"/>
+            <p:cNvPr id="28" name="Isosceles Triangle 27"/>
             <p:cNvSpPr/>
             <p:nvPr/>
           </p:nvSpPr>
@@ -5291,7 +5733,7 @@
         </p:sp>
         <p:sp>
           <p:nvSpPr>
-            <p:cNvPr id="1048583" name="Isosceles Triangle 28"/>
+            <p:cNvPr id="29" name="Isosceles Triangle 28"/>
             <p:cNvSpPr/>
             <p:nvPr/>
           </p:nvSpPr>
@@ -5333,7 +5775,7 @@
       </p:grpSp>
       <p:sp>
         <p:nvSpPr>
-          <p:cNvPr id="1048584" name="Title Placeholder 1"/>
+          <p:cNvPr id="2" name="Title Placeholder 1"/>
           <p:cNvSpPr>
             <a:spLocks noGrp="1"/>
           </p:cNvSpPr>
@@ -5346,24 +5788,27 @@
             <a:off x="677334" y="609600"/>
             <a:ext cx="8596668" cy="1320800"/>
           </a:xfrm>
-          <a:prstGeom prst="rect"/>
+          <a:prstGeom prst="rect">
+            <a:avLst/>
+          </a:prstGeom>
         </p:spPr>
         <p:txBody>
-          <a:bodyPr anchor="t" bIns="45720" lIns="91440" rIns="91440" rtlCol="0" tIns="45720" vert="horz">
+          <a:bodyPr vert="horz" lIns="91440" tIns="45720" rIns="91440" bIns="45720" rtlCol="0" anchor="t">
             <a:normAutofit/>
           </a:bodyPr>
+          <a:lstStyle/>
           <a:p>
             <a:r>
               <a:rPr lang="en-US"/>
               <a:t>Click to edit Master title style</a:t>
             </a:r>
-            <a:endParaRPr dirty="0" lang="en-US"/>
-          </a:p>
-        </p:txBody>
-      </p:sp>
-      <p:sp>
-        <p:nvSpPr>
-          <p:cNvPr id="1048585" name="Text Placeholder 2"/>
+            <a:endParaRPr lang="en-US" dirty="0"/>
+          </a:p>
+        </p:txBody>
+      </p:sp>
+      <p:sp>
+        <p:nvSpPr>
+          <p:cNvPr id="3" name="Text Placeholder 2"/>
           <p:cNvSpPr>
             <a:spLocks noGrp="1"/>
           </p:cNvSpPr>
@@ -5376,12 +5821,15 @@
             <a:off x="677334" y="2160589"/>
             <a:ext cx="8596668" cy="3880773"/>
           </a:xfrm>
-          <a:prstGeom prst="rect"/>
+          <a:prstGeom prst="rect">
+            <a:avLst/>
+          </a:prstGeom>
         </p:spPr>
         <p:txBody>
-          <a:bodyPr bIns="45720" lIns="91440" rIns="91440" rtlCol="0" tIns="45720" vert="horz">
+          <a:bodyPr vert="horz" lIns="91440" tIns="45720" rIns="91440" bIns="45720" rtlCol="0">
             <a:normAutofit/>
           </a:bodyPr>
+          <a:lstStyle/>
           <a:p>
             <a:pPr lvl="0"/>
             <a:r>
@@ -5416,13 +5864,13 @@
               <a:rPr lang="en-US"/>
               <a:t>Fifth level</a:t>
             </a:r>
-            <a:endParaRPr dirty="0" lang="en-US"/>
-          </a:p>
-        </p:txBody>
-      </p:sp>
-      <p:sp>
-        <p:nvSpPr>
-          <p:cNvPr id="1048586" name="Date Placeholder 3"/>
+            <a:endParaRPr lang="en-US" dirty="0"/>
+          </a:p>
+        </p:txBody>
+      </p:sp>
+      <p:sp>
+        <p:nvSpPr>
+          <p:cNvPr id="4" name="Date Placeholder 3"/>
           <p:cNvSpPr>
             <a:spLocks noGrp="1"/>
           </p:cNvSpPr>
@@ -5435,10 +5883,12 @@
             <a:off x="7205133" y="6041362"/>
             <a:ext cx="911939" cy="365125"/>
           </a:xfrm>
-          <a:prstGeom prst="rect"/>
+          <a:prstGeom prst="rect">
+            <a:avLst/>
+          </a:prstGeom>
         </p:spPr>
         <p:txBody>
-          <a:bodyPr anchor="ctr" bIns="45720" lIns="91440" rIns="91440" rtlCol="0" tIns="45720" vert="horz"/>
+          <a:bodyPr vert="horz" lIns="91440" tIns="45720" rIns="91440" bIns="45720" rtlCol="0" anchor="ctr"/>
           <a:lstStyle>
             <a:lvl1pPr algn="r">
               <a:defRPr sz="900">
@@ -5453,7 +5903,7 @@
           <a:p>
             <a:fld id="{ED291B17-9318-49DB-B28B-6E5994AE9581}" type="datetime1">
               <a:rPr lang="en-US" smtClean="0"/>
-              <a:t>29-Mar-24</a:t>
+              <a:t>4/3/2024</a:t>
             </a:fld>
             <a:endParaRPr lang="en-US"/>
           </a:p>
@@ -5461,7 +5911,7 @@
       </p:sp>
       <p:sp>
         <p:nvSpPr>
-          <p:cNvPr id="1048587" name="Footer Placeholder 4"/>
+          <p:cNvPr id="5" name="Footer Placeholder 4"/>
           <p:cNvSpPr>
             <a:spLocks noGrp="1"/>
           </p:cNvSpPr>
@@ -5474,10 +5924,12 @@
             <a:off x="677334" y="6041362"/>
             <a:ext cx="6297612" cy="365125"/>
           </a:xfrm>
-          <a:prstGeom prst="rect"/>
+          <a:prstGeom prst="rect">
+            <a:avLst/>
+          </a:prstGeom>
         </p:spPr>
         <p:txBody>
-          <a:bodyPr anchor="ctr" bIns="45720" lIns="91440" rIns="91440" rtlCol="0" tIns="45720" vert="horz"/>
+          <a:bodyPr vert="horz" lIns="91440" tIns="45720" rIns="91440" bIns="45720" rtlCol="0" anchor="ctr"/>
           <a:lstStyle>
             <a:lvl1pPr algn="l">
               <a:defRPr sz="900">
@@ -5490,13 +5942,13 @@
             </a:lvl1pPr>
           </a:lstStyle>
           <a:p>
-            <a:endParaRPr dirty="0" lang="en-US"/>
-          </a:p>
-        </p:txBody>
-      </p:sp>
-      <p:sp>
-        <p:nvSpPr>
-          <p:cNvPr id="1048588" name="Slide Number Placeholder 5"/>
+            <a:endParaRPr lang="en-US" dirty="0"/>
+          </a:p>
+        </p:txBody>
+      </p:sp>
+      <p:sp>
+        <p:nvSpPr>
+          <p:cNvPr id="6" name="Slide Number Placeholder 5"/>
           <p:cNvSpPr>
             <a:spLocks noGrp="1"/>
           </p:cNvSpPr>
@@ -5509,10 +5961,12 @@
             <a:off x="8590663" y="6041362"/>
             <a:ext cx="683339" cy="365125"/>
           </a:xfrm>
-          <a:prstGeom prst="rect"/>
+          <a:prstGeom prst="rect">
+            <a:avLst/>
+          </a:prstGeom>
         </p:spPr>
         <p:txBody>
-          <a:bodyPr anchor="ctr" bIns="45720" lIns="91440" rIns="91440" rtlCol="0" tIns="45720" vert="horz"/>
+          <a:bodyPr vert="horz" lIns="91440" tIns="45720" rIns="91440" bIns="45720" rtlCol="0" anchor="ctr"/>
           <a:lstStyle>
             <a:lvl1pPr algn="r">
               <a:defRPr sz="900">
@@ -5533,14 +5987,20 @@
       </p:sp>
       <p:pic>
         <p:nvPicPr>
-          <p:cNvPr id="2097152" name="Picture 7" descr="Logo  Description automatically generated"/>
+          <p:cNvPr id="8" name="Picture 7" descr="Logo&#10;&#10;Description automatically generated">
+            <a:extLst>
+              <a:ext uri="{FF2B5EF4-FFF2-40B4-BE49-F238E27FC236}">
+                <a16:creationId xmlns:a16="http://schemas.microsoft.com/office/drawing/2014/main" id="{5F4104C0-0042-092B-120C-6DD49E105A5C}"/>
+              </a:ext>
+            </a:extLst>
+          </p:cNvPr>
           <p:cNvPicPr>
             <a:picLocks noChangeAspect="1"/>
           </p:cNvPicPr>
           <p:nvPr userDrawn="1"/>
         </p:nvPicPr>
         <p:blipFill>
-          <a:blip xmlns:r="http://schemas.openxmlformats.org/officeDocument/2006/relationships" r:embed="rId17"/>
+          <a:blip r:embed="rId18"/>
           <a:stretch>
             <a:fillRect/>
           </a:stretch>
@@ -5550,34 +6010,41 @@
             <a:off x="10485003" y="6437910"/>
             <a:ext cx="1125805" cy="365126"/>
           </a:xfrm>
-          <a:prstGeom prst="rect"/>
+          <a:prstGeom prst="rect">
+            <a:avLst/>
+          </a:prstGeom>
         </p:spPr>
       </p:pic>
     </p:spTree>
+    <p:extLst>
+      <p:ext uri="{BB962C8B-B14F-4D97-AF65-F5344CB8AC3E}">
+        <p14:creationId xmlns:p14="http://schemas.microsoft.com/office/powerpoint/2010/main" val="2212788617"/>
+      </p:ext>
+    </p:extLst>
   </p:cSld>
-  <p:clrMap accent1="accent1" accent2="accent2" accent3="accent3" accent4="accent4" accent5="accent5" accent6="accent6" bg1="lt1" bg2="lt2" tx1="dk1" tx2="dk2" hlink="hlink" folHlink="folHlink"/>
+  <p:clrMap bg1="lt1" tx1="dk1" bg2="lt2" tx2="dk2" accent1="accent1" accent2="accent2" accent3="accent3" accent4="accent4" accent5="accent5" accent6="accent6" hlink="hlink" folHlink="folHlink"/>
   <p:sldLayoutIdLst>
-    <p:sldLayoutId id="2147483734" r:id="rId1"/>
-    <p:sldLayoutId id="2147483735" r:id="rId2"/>
-    <p:sldLayoutId id="2147483736" r:id="rId3"/>
-    <p:sldLayoutId id="2147483737" r:id="rId4"/>
-    <p:sldLayoutId id="2147483738" r:id="rId5"/>
-    <p:sldLayoutId id="2147483739" r:id="rId6"/>
-    <p:sldLayoutId id="2147483740" r:id="rId7"/>
-    <p:sldLayoutId id="2147483741" r:id="rId8"/>
-    <p:sldLayoutId id="2147483742" r:id="rId9"/>
-    <p:sldLayoutId id="2147483743" r:id="rId10"/>
-    <p:sldLayoutId id="2147483744" r:id="rId11"/>
-    <p:sldLayoutId id="2147483745" r:id="rId12"/>
-    <p:sldLayoutId id="2147483746" r:id="rId13"/>
-    <p:sldLayoutId id="2147483747" r:id="rId14"/>
-    <p:sldLayoutId id="2147483748" r:id="rId15"/>
-    <p:sldLayoutId id="2147483749" r:id="rId16"/>
+    <p:sldLayoutId id="2147483833" r:id="rId1"/>
+    <p:sldLayoutId id="2147483834" r:id="rId2"/>
+    <p:sldLayoutId id="2147483835" r:id="rId3"/>
+    <p:sldLayoutId id="2147483836" r:id="rId4"/>
+    <p:sldLayoutId id="2147483837" r:id="rId5"/>
+    <p:sldLayoutId id="2147483838" r:id="rId6"/>
+    <p:sldLayoutId id="2147483839" r:id="rId7"/>
+    <p:sldLayoutId id="2147483840" r:id="rId8"/>
+    <p:sldLayoutId id="2147483841" r:id="rId9"/>
+    <p:sldLayoutId id="2147483842" r:id="rId10"/>
+    <p:sldLayoutId id="2147483843" r:id="rId11"/>
+    <p:sldLayoutId id="2147483844" r:id="rId12"/>
+    <p:sldLayoutId id="2147483845" r:id="rId13"/>
+    <p:sldLayoutId id="2147483846" r:id="rId14"/>
+    <p:sldLayoutId id="2147483847" r:id="rId15"/>
+    <p:sldLayoutId id="2147483848" r:id="rId16"/>
   </p:sldLayoutIdLst>
-  <p:hf dt="0" ftr="0" hdr="0" sldNum="0"/>
+  <p:hf sldNum="0" hdr="0" ftr="0" dt="0"/>
   <p:txStyles>
     <p:titleStyle>
-      <a:lvl1pPr algn="l" defTabSz="457200" eaLnBrk="1" hangingPunct="1" latinLnBrk="0" rtl="0">
+      <a:lvl1pPr algn="l" defTabSz="457200" rtl="0" eaLnBrk="1" latinLnBrk="0" hangingPunct="1">
         <a:spcBef>
           <a:spcPct val="0"/>
         </a:spcBef>
@@ -5649,7 +6116,7 @@
       </a:lvl9pPr>
     </p:titleStyle>
     <p:bodyStyle>
-      <a:lvl1pPr algn="l" defTabSz="457200" eaLnBrk="1" hangingPunct="1" indent="-342900" latinLnBrk="0" marL="342900" rtl="0">
+      <a:lvl1pPr marL="342900" indent="-342900" algn="l" defTabSz="457200" rtl="0" eaLnBrk="1" latinLnBrk="0" hangingPunct="1">
         <a:spcBef>
           <a:spcPts val="1000"/>
         </a:spcBef>
@@ -5674,7 +6141,7 @@
           <a:cs typeface="+mn-cs"/>
         </a:defRPr>
       </a:lvl1pPr>
-      <a:lvl2pPr algn="l" defTabSz="457200" eaLnBrk="1" hangingPunct="1" indent="-285750" latinLnBrk="0" marL="742950" rtl="0">
+      <a:lvl2pPr marL="742950" indent="-285750" algn="l" defTabSz="457200" rtl="0" eaLnBrk="1" latinLnBrk="0" hangingPunct="1">
         <a:spcBef>
           <a:spcPts val="1000"/>
         </a:spcBef>
@@ -5699,7 +6166,7 @@
           <a:cs typeface="+mn-cs"/>
         </a:defRPr>
       </a:lvl2pPr>
-      <a:lvl3pPr algn="l" defTabSz="457200" eaLnBrk="1" hangingPunct="1" indent="-228600" latinLnBrk="0" marL="1143000" rtl="0">
+      <a:lvl3pPr marL="1143000" indent="-228600" algn="l" defTabSz="457200" rtl="0" eaLnBrk="1" latinLnBrk="0" hangingPunct="1">
         <a:spcBef>
           <a:spcPts val="1000"/>
         </a:spcBef>
@@ -5724,7 +6191,7 @@
           <a:cs typeface="+mn-cs"/>
         </a:defRPr>
       </a:lvl3pPr>
-      <a:lvl4pPr algn="l" defTabSz="457200" eaLnBrk="1" hangingPunct="1" indent="-228600" latinLnBrk="0" marL="1600200" rtl="0">
+      <a:lvl4pPr marL="1600200" indent="-228600" algn="l" defTabSz="457200" rtl="0" eaLnBrk="1" latinLnBrk="0" hangingPunct="1">
         <a:spcBef>
           <a:spcPts val="1000"/>
         </a:spcBef>
@@ -5749,7 +6216,7 @@
           <a:cs typeface="+mn-cs"/>
         </a:defRPr>
       </a:lvl4pPr>
-      <a:lvl5pPr algn="l" defTabSz="457200" eaLnBrk="1" hangingPunct="1" indent="-228600" latinLnBrk="0" marL="2057400" rtl="0">
+      <a:lvl5pPr marL="2057400" indent="-228600" algn="l" defTabSz="457200" rtl="0" eaLnBrk="1" latinLnBrk="0" hangingPunct="1">
         <a:spcBef>
           <a:spcPts val="1000"/>
         </a:spcBef>
@@ -5774,7 +6241,7 @@
           <a:cs typeface="+mn-cs"/>
         </a:defRPr>
       </a:lvl5pPr>
-      <a:lvl6pPr algn="l" defTabSz="457200" eaLnBrk="1" hangingPunct="1" indent="-228600" latinLnBrk="0" marL="2514600" rtl="0">
+      <a:lvl6pPr marL="2514600" indent="-228600" algn="l" defTabSz="457200" rtl="0" eaLnBrk="1" latinLnBrk="0" hangingPunct="1">
         <a:spcBef>
           <a:spcPts val="1000"/>
         </a:spcBef>
@@ -5799,7 +6266,7 @@
           <a:cs typeface="+mn-cs"/>
         </a:defRPr>
       </a:lvl6pPr>
-      <a:lvl7pPr algn="l" defTabSz="457200" eaLnBrk="1" hangingPunct="1" indent="-228600" latinLnBrk="0" marL="2971800" rtl="0">
+      <a:lvl7pPr marL="2971800" indent="-228600" algn="l" defTabSz="457200" rtl="0" eaLnBrk="1" latinLnBrk="0" hangingPunct="1">
         <a:spcBef>
           <a:spcPts val="1000"/>
         </a:spcBef>
@@ -5824,7 +6291,7 @@
           <a:cs typeface="+mn-cs"/>
         </a:defRPr>
       </a:lvl7pPr>
-      <a:lvl8pPr algn="l" defTabSz="457200" eaLnBrk="1" hangingPunct="1" indent="-228600" latinLnBrk="0" marL="3429000" rtl="0">
+      <a:lvl8pPr marL="3429000" indent="-228600" algn="l" defTabSz="457200" rtl="0" eaLnBrk="1" latinLnBrk="0" hangingPunct="1">
         <a:spcBef>
           <a:spcPts val="1000"/>
         </a:spcBef>
@@ -5849,7 +6316,7 @@
           <a:cs typeface="+mn-cs"/>
         </a:defRPr>
       </a:lvl8pPr>
-      <a:lvl9pPr algn="l" defTabSz="457200" eaLnBrk="1" hangingPunct="1" indent="-228600" latinLnBrk="0" marL="3886200" rtl="0">
+      <a:lvl9pPr marL="3886200" indent="-228600" algn="l" defTabSz="457200" rtl="0" eaLnBrk="1" latinLnBrk="0" hangingPunct="1">
         <a:spcBef>
           <a:spcPts val="1000"/>
         </a:spcBef>
@@ -5879,7 +6346,7 @@
       <a:defPPr>
         <a:defRPr lang="en-US"/>
       </a:defPPr>
-      <a:lvl1pPr algn="l" defTabSz="457200" eaLnBrk="1" hangingPunct="1" latinLnBrk="0" marL="0" rtl="0">
+      <a:lvl1pPr marL="0" algn="l" defTabSz="457200" rtl="0" eaLnBrk="1" latinLnBrk="0" hangingPunct="1">
         <a:defRPr sz="1800" kern="1200">
           <a:solidFill>
             <a:schemeClr val="tx1"/>
@@ -5889,7 +6356,7 @@
           <a:cs typeface="+mn-cs"/>
         </a:defRPr>
       </a:lvl1pPr>
-      <a:lvl2pPr algn="l" defTabSz="457200" eaLnBrk="1" hangingPunct="1" latinLnBrk="0" marL="457200" rtl="0">
+      <a:lvl2pPr marL="457200" algn="l" defTabSz="457200" rtl="0" eaLnBrk="1" latinLnBrk="0" hangingPunct="1">
         <a:defRPr sz="1800" kern="1200">
           <a:solidFill>
             <a:schemeClr val="tx1"/>
@@ -5899,7 +6366,7 @@
           <a:cs typeface="+mn-cs"/>
         </a:defRPr>
       </a:lvl2pPr>
-      <a:lvl3pPr algn="l" defTabSz="457200" eaLnBrk="1" hangingPunct="1" latinLnBrk="0" marL="914400" rtl="0">
+      <a:lvl3pPr marL="914400" algn="l" defTabSz="457200" rtl="0" eaLnBrk="1" latinLnBrk="0" hangingPunct="1">
         <a:defRPr sz="1800" kern="1200">
           <a:solidFill>
             <a:schemeClr val="tx1"/>
@@ -5909,7 +6376,7 @@
           <a:cs typeface="+mn-cs"/>
         </a:defRPr>
       </a:lvl3pPr>
-      <a:lvl4pPr algn="l" defTabSz="457200" eaLnBrk="1" hangingPunct="1" latinLnBrk="0" marL="1371600" rtl="0">
+      <a:lvl4pPr marL="1371600" algn="l" defTabSz="457200" rtl="0" eaLnBrk="1" latinLnBrk="0" hangingPunct="1">
         <a:defRPr sz="1800" kern="1200">
           <a:solidFill>
             <a:schemeClr val="tx1"/>
@@ -5919,7 +6386,7 @@
           <a:cs typeface="+mn-cs"/>
         </a:defRPr>
       </a:lvl4pPr>
-      <a:lvl5pPr algn="l" defTabSz="457200" eaLnBrk="1" hangingPunct="1" latinLnBrk="0" marL="1828800" rtl="0">
+      <a:lvl5pPr marL="1828800" algn="l" defTabSz="457200" rtl="0" eaLnBrk="1" latinLnBrk="0" hangingPunct="1">
         <a:defRPr sz="1800" kern="1200">
           <a:solidFill>
             <a:schemeClr val="tx1"/>
@@ -5929,7 +6396,7 @@
           <a:cs typeface="+mn-cs"/>
         </a:defRPr>
       </a:lvl5pPr>
-      <a:lvl6pPr algn="l" defTabSz="457200" eaLnBrk="1" hangingPunct="1" latinLnBrk="0" marL="2286000" rtl="0">
+      <a:lvl6pPr marL="2286000" algn="l" defTabSz="457200" rtl="0" eaLnBrk="1" latinLnBrk="0" hangingPunct="1">
         <a:defRPr sz="1800" kern="1200">
           <a:solidFill>
             <a:schemeClr val="tx1"/>
@@ -5939,7 +6406,7 @@
           <a:cs typeface="+mn-cs"/>
         </a:defRPr>
       </a:lvl6pPr>
-      <a:lvl7pPr algn="l" defTabSz="457200" eaLnBrk="1" hangingPunct="1" latinLnBrk="0" marL="2743200" rtl="0">
+      <a:lvl7pPr marL="2743200" algn="l" defTabSz="457200" rtl="0" eaLnBrk="1" latinLnBrk="0" hangingPunct="1">
         <a:defRPr sz="1800" kern="1200">
           <a:solidFill>
             <a:schemeClr val="tx1"/>
@@ -5949,7 +6416,7 @@
           <a:cs typeface="+mn-cs"/>
         </a:defRPr>
       </a:lvl7pPr>
-      <a:lvl8pPr algn="l" defTabSz="457200" eaLnBrk="1" hangingPunct="1" latinLnBrk="0" marL="3200400" rtl="0">
+      <a:lvl8pPr marL="3200400" algn="l" defTabSz="457200" rtl="0" eaLnBrk="1" latinLnBrk="0" hangingPunct="1">
         <a:defRPr sz="1800" kern="1200">
           <a:solidFill>
             <a:schemeClr val="tx1"/>
@@ -5959,7 +6426,7 @@
           <a:cs typeface="+mn-cs"/>
         </a:defRPr>
       </a:lvl8pPr>
-      <a:lvl9pPr algn="l" defTabSz="457200" eaLnBrk="1" hangingPunct="1" latinLnBrk="0" marL="3657600" rtl="0">
+      <a:lvl9pPr marL="3657600" algn="l" defTabSz="457200" rtl="0" eaLnBrk="1" latinLnBrk="0" hangingPunct="1">
         <a:defRPr sz="1800" kern="1200">
           <a:solidFill>
             <a:schemeClr val="tx1"/>
@@ -5979,7 +6446,7 @@
   <p:cSld>
     <p:spTree>
       <p:nvGrpSpPr>
-        <p:cNvPr id="32" name=""/>
+        <p:cNvPr id="1" name=""/>
         <p:cNvGrpSpPr/>
         <p:nvPr/>
       </p:nvGrpSpPr>
@@ -5993,7 +6460,13 @@
       </p:grpSpPr>
       <p:sp>
         <p:nvSpPr>
-          <p:cNvPr id="1048602" name="Title 1"/>
+          <p:cNvPr id="2" name="Title 1">
+            <a:extLst>
+              <a:ext uri="{FF2B5EF4-FFF2-40B4-BE49-F238E27FC236}">
+                <a16:creationId xmlns:a16="http://schemas.microsoft.com/office/drawing/2014/main" id="{A8A11E26-4C38-41A6-9857-11032CEECD80}"/>
+              </a:ext>
+            </a:extLst>
+          </p:cNvPr>
           <p:cNvSpPr>
             <a:spLocks noGrp="1"/>
           </p:cNvSpPr>
@@ -6009,10 +6482,11 @@
         </p:spPr>
         <p:txBody>
           <a:bodyPr/>
+          <a:lstStyle/>
           <a:p>
             <a:pPr algn="ctr"/>
             <a:r>
-              <a:rPr b="1" lang="en-US">
+              <a:rPr lang="en-US" b="1">
                 <a:solidFill>
                   <a:schemeClr val="accent1"/>
                 </a:solidFill>
@@ -6026,26 +6500,29 @@
       </p:sp>
       <p:sp>
         <p:nvSpPr>
-          <p:cNvPr id="1048603" name="TextBox 2"/>
+          <p:cNvPr id="3" name="TextBox 2"/>
           <p:cNvSpPr txBox="1"/>
           <p:nvPr/>
         </p:nvSpPr>
         <p:spPr>
           <a:xfrm>
             <a:off x="-329782" y="1034321"/>
-            <a:ext cx="12726648" cy="535940"/>
+            <a:ext cx="12726648" cy="584775"/>
           </a:xfrm>
-          <a:prstGeom prst="rect"/>
+          <a:prstGeom prst="rect">
+            <a:avLst/>
+          </a:prstGeom>
           <a:noFill/>
         </p:spPr>
         <p:txBody>
-          <a:bodyPr anchor="t" bIns="45720" lIns="91440" rIns="91440" rtlCol="0" tIns="45720" wrap="square">
+          <a:bodyPr wrap="square" lIns="91440" tIns="45720" rIns="91440" bIns="45720" rtlCol="0" anchor="t">
             <a:spAutoFit/>
           </a:bodyPr>
+          <a:lstStyle/>
           <a:p>
             <a:pPr algn="ctr"/>
             <a:r>
-              <a:rPr b="1" dirty="0" sz="3200" lang="en-US">
+              <a:rPr lang="en-US" sz="3200" b="1" dirty="0">
                 <a:solidFill>
                   <a:schemeClr val="accent1">
                     <a:lumMod val="75000"/>
@@ -6061,25 +6538,28 @@
       </p:sp>
       <p:sp>
         <p:nvSpPr>
-          <p:cNvPr id="1048604" name="TextBox 3"/>
+          <p:cNvPr id="4" name="TextBox 3"/>
           <p:cNvSpPr txBox="1"/>
           <p:nvPr/>
         </p:nvSpPr>
         <p:spPr>
           <a:xfrm>
-            <a:off x="3198271" y="4237862"/>
-            <a:ext cx="7980183" cy="1183640"/>
+            <a:off x="2897264" y="4500240"/>
+            <a:ext cx="7980183" cy="1323439"/>
           </a:xfrm>
-          <a:prstGeom prst="rect"/>
+          <a:prstGeom prst="rect">
+            <a:avLst/>
+          </a:prstGeom>
           <a:noFill/>
         </p:spPr>
         <p:txBody>
-          <a:bodyPr anchor="t" bIns="45720" lIns="91440" rIns="91440" rtlCol="0" tIns="45720" wrap="square">
+          <a:bodyPr wrap="square" lIns="91440" tIns="45720" rIns="91440" bIns="45720" rtlCol="0" anchor="t">
             <a:spAutoFit/>
           </a:bodyPr>
-          <a:p>
-            <a:r>
-              <a:rPr b="1" sz="2000" lang="en-US">
+          <a:lstStyle/>
+          <a:p>
+            <a:r>
+              <a:rPr lang="en-US" sz="2000" b="1" dirty="0" err="1">
                 <a:solidFill>
                   <a:schemeClr val="accent1">
                     <a:lumMod val="75000"/>
@@ -6091,7 +6571,7 @@
               <a:t>Presentsed</a:t>
             </a:r>
             <a:r>
-              <a:rPr b="1" dirty="0" sz="2000" lang="en-US">
+              <a:rPr lang="en-US" sz="2000" b="1" dirty="0">
                 <a:solidFill>
                   <a:schemeClr val="accent1">
                     <a:lumMod val="75000"/>
@@ -6102,109 +6582,54 @@
               </a:rPr>
               <a:t> By:</a:t>
             </a:r>
-          </a:p>
-          <a:p>
-            <a:r>
-              <a:rPr b="1" dirty="0" sz="2000" lang="en-US">
+            <a:endParaRPr lang="en-GB" sz="2000" b="1" dirty="0">
+              <a:solidFill>
+                <a:schemeClr val="accent1">
+                  <a:lumMod val="75000"/>
+                </a:schemeClr>
+              </a:solidFill>
+              <a:latin typeface="Arial" pitchFamily="34" charset="0"/>
+              <a:cs typeface="Arial" pitchFamily="34" charset="0"/>
+            </a:endParaRPr>
+          </a:p>
+          <a:p>
+            <a:r>
+              <a:rPr lang="en-GB" sz="2000" b="1" dirty="0">
                 <a:solidFill>
                   <a:schemeClr val="accent1">
                     <a:lumMod val="75000"/>
                   </a:schemeClr>
                 </a:solidFill>
-                <a:latin typeface="Arial"/>
-                <a:cs typeface="Arial"/>
+                <a:latin typeface="Arial" pitchFamily="34" charset="0"/>
+                <a:cs typeface="Arial" pitchFamily="34" charset="0"/>
               </a:rPr>
-              <a:t>R</a:t>
-            </a:r>
-            <a:r>
-              <a:rPr b="1" dirty="0" sz="2000" lang="en-US">
+              <a:t>R </a:t>
+            </a:r>
+            <a:r>
+              <a:rPr lang="en-GB" sz="2000" b="1">
                 <a:solidFill>
                   <a:schemeClr val="accent1">
                     <a:lumMod val="75000"/>
                   </a:schemeClr>
                 </a:solidFill>
-                <a:latin typeface="Arial"/>
-                <a:cs typeface="Arial"/>
+                <a:latin typeface="Arial" pitchFamily="34" charset="0"/>
+                <a:cs typeface="Arial" pitchFamily="34" charset="0"/>
               </a:rPr>
-              <a:t> </a:t>
-            </a:r>
-            <a:r>
-              <a:rPr b="1" dirty="0" sz="2000" lang="en-US">
-                <a:solidFill>
-                  <a:schemeClr val="accent1">
-                    <a:lumMod val="75000"/>
-                  </a:schemeClr>
-                </a:solidFill>
-                <a:latin typeface="Arial"/>
-                <a:cs typeface="Arial"/>
-              </a:rPr>
-              <a:t>D</a:t>
-            </a:r>
-            <a:r>
-              <a:rPr b="1" dirty="0" sz="2000" lang="en-US">
-                <a:solidFill>
-                  <a:schemeClr val="accent1">
-                    <a:lumMod val="75000"/>
-                  </a:schemeClr>
-                </a:solidFill>
-                <a:latin typeface="Arial"/>
-                <a:cs typeface="Arial"/>
-              </a:rPr>
-              <a:t>h</a:t>
-            </a:r>
-            <a:r>
-              <a:rPr b="1" dirty="0" sz="2000" lang="en-US">
-                <a:solidFill>
-                  <a:schemeClr val="accent1">
-                    <a:lumMod val="75000"/>
-                  </a:schemeClr>
-                </a:solidFill>
-                <a:latin typeface="Arial"/>
-                <a:cs typeface="Arial"/>
-              </a:rPr>
-              <a:t>e</a:t>
-            </a:r>
-            <a:r>
-              <a:rPr b="1" dirty="0" sz="2000" lang="en-US">
-                <a:solidFill>
-                  <a:schemeClr val="accent1">
-                    <a:lumMod val="75000"/>
-                  </a:schemeClr>
-                </a:solidFill>
-                <a:latin typeface="Arial"/>
-                <a:cs typeface="Arial"/>
-              </a:rPr>
-              <a:t>e</a:t>
-            </a:r>
-            <a:r>
-              <a:rPr b="1" dirty="0" sz="2000" lang="en-US">
-                <a:solidFill>
-                  <a:schemeClr val="accent1">
-                    <a:lumMod val="75000"/>
-                  </a:schemeClr>
-                </a:solidFill>
-                <a:latin typeface="Arial"/>
-                <a:cs typeface="Arial"/>
-              </a:rPr>
-              <a:t>n</a:t>
-            </a:r>
-            <a:r>
-              <a:rPr b="1" dirty="0" sz="2000" lang="en-US">
-                <a:solidFill>
-                  <a:schemeClr val="accent1">
-                    <a:lumMod val="75000"/>
-                  </a:schemeClr>
-                </a:solidFill>
-                <a:latin typeface="Arial"/>
-                <a:cs typeface="Arial"/>
-              </a:rPr>
-              <a:t>a</a:t>
-            </a:r>
-            <a:endParaRPr altLang="en-US" lang="zh-CN"/>
-          </a:p>
-          <a:p>
-            <a:r>
-              <a:rPr b="1" dirty="0" sz="2000" lang="en-US">
+              <a:t>Dheena</a:t>
+            </a:r>
+            <a:endParaRPr lang="en-US" sz="2000" b="1" dirty="0">
+              <a:solidFill>
+                <a:schemeClr val="accent1">
+                  <a:lumMod val="75000"/>
+                </a:schemeClr>
+              </a:solidFill>
+              <a:latin typeface="Arial"/>
+              <a:cs typeface="Arial"/>
+            </a:endParaRPr>
+          </a:p>
+          <a:p>
+            <a:r>
+              <a:rPr lang="en-US" sz="2000" b="1" dirty="0">
                 <a:solidFill>
                   <a:schemeClr val="accent1">
                     <a:lumMod val="75000"/>
@@ -6218,7 +6643,7 @@
           </a:p>
           <a:p>
             <a:r>
-              <a:rPr b="1" dirty="0" sz="2000" lang="en-US">
+              <a:rPr lang="en-US" sz="2000" b="1" dirty="0">
                 <a:solidFill>
                   <a:schemeClr val="accent1">
                     <a:lumMod val="75000"/>
@@ -6233,6 +6658,11 @@
         </p:txBody>
       </p:sp>
     </p:spTree>
+    <p:extLst>
+      <p:ext uri="{BB962C8B-B14F-4D97-AF65-F5344CB8AC3E}">
+        <p14:creationId xmlns:p14="http://schemas.microsoft.com/office/powerpoint/2010/main" val="953325580"/>
+      </p:ext>
+    </p:extLst>
   </p:cSld>
   <p:clrMapOvr>
     <a:masterClrMapping/>
@@ -6245,7 +6675,7 @@
   <p:cSld>
     <p:spTree>
       <p:nvGrpSpPr>
-        <p:cNvPr id="43" name=""/>
+        <p:cNvPr id="1" name=""/>
         <p:cNvGrpSpPr/>
         <p:nvPr/>
       </p:nvGrpSpPr>
@@ -6259,7 +6689,13 @@
       </p:grpSpPr>
       <p:sp>
         <p:nvSpPr>
-          <p:cNvPr id="1048626" name="Title 4"/>
+          <p:cNvPr id="5" name="Title 4">
+            <a:extLst>
+              <a:ext uri="{FF2B5EF4-FFF2-40B4-BE49-F238E27FC236}">
+                <a16:creationId xmlns:a16="http://schemas.microsoft.com/office/drawing/2014/main" id="{8FBA75B4-2DD5-42EB-9397-F36BFB8BA723}"/>
+              </a:ext>
+            </a:extLst>
+          </p:cNvPr>
           <p:cNvSpPr>
             <a:spLocks noGrp="1"/>
           </p:cNvSpPr>
@@ -6272,9 +6708,10 @@
           <a:bodyPr>
             <a:normAutofit/>
           </a:bodyPr>
-          <a:p>
-            <a:r>
-              <a:rPr b="1" sz="4400" lang="en-US">
+          <a:lstStyle/>
+          <a:p>
+            <a:r>
+              <a:rPr lang="en-US" sz="4400" b="1">
                 <a:solidFill>
                   <a:schemeClr val="accent1"/>
                 </a:solidFill>
@@ -6290,7 +6727,13 @@
       </p:sp>
       <p:sp>
         <p:nvSpPr>
-          <p:cNvPr id="1048627" name="Content Placeholder 1"/>
+          <p:cNvPr id="2" name="Content Placeholder 1">
+            <a:extLst>
+              <a:ext uri="{FF2B5EF4-FFF2-40B4-BE49-F238E27FC236}">
+                <a16:creationId xmlns:a16="http://schemas.microsoft.com/office/drawing/2014/main" id="{357C38BC-22B3-37B2-E0C3-812020A76077}"/>
+              </a:ext>
+            </a:extLst>
+          </p:cNvPr>
           <p:cNvSpPr>
             <a:spLocks noGrp="1"/>
           </p:cNvSpPr>
@@ -6303,10 +6746,11 @@
           <a:bodyPr>
             <a:normAutofit/>
           </a:bodyPr>
-          <a:p>
-            <a:pPr indent="-305435" marL="305435"/>
-            <a:r>
-              <a:rPr dirty="0" sz="2400" lang="en-IN">
+          <a:lstStyle/>
+          <a:p>
+            <a:pPr marL="305435" indent="-305435"/>
+            <a:r>
+              <a:rPr lang="en-IN" sz="2400" dirty="0">
                 <a:solidFill>
                   <a:srgbClr val="0F0F0F"/>
                 </a:solidFill>
@@ -6315,11 +6759,16 @@
               </a:rPr>
               <a:t>List and cite relevant sources, research papers, and articles that were instrumental in developing the proposed solution. This could include academic papers on bike demand prediction, machine learning algorithms, and best practices in data preprocessing and model evaluation.</a:t>
             </a:r>
-            <a:endParaRPr dirty="0" sz="2400" lang="en-IN"/>
+            <a:endParaRPr lang="en-IN" sz="2400" dirty="0"/>
           </a:p>
         </p:txBody>
       </p:sp>
     </p:spTree>
+    <p:extLst>
+      <p:ext uri="{BB962C8B-B14F-4D97-AF65-F5344CB8AC3E}">
+        <p14:creationId xmlns:p14="http://schemas.microsoft.com/office/powerpoint/2010/main" val="728950222"/>
+      </p:ext>
+    </p:extLst>
   </p:cSld>
   <p:clrMapOvr>
     <a:masterClrMapping/>
@@ -6332,7 +6781,7 @@
   <p:cSld>
     <p:spTree>
       <p:nvGrpSpPr>
-        <p:cNvPr id="45" name=""/>
+        <p:cNvPr id="1" name=""/>
         <p:cNvGrpSpPr/>
         <p:nvPr/>
       </p:nvGrpSpPr>
@@ -6346,7 +6795,13 @@
       </p:grpSpPr>
       <p:sp>
         <p:nvSpPr>
-          <p:cNvPr id="1048632" name="Title 4"/>
+          <p:cNvPr id="5" name="Title 4">
+            <a:extLst>
+              <a:ext uri="{FF2B5EF4-FFF2-40B4-BE49-F238E27FC236}">
+                <a16:creationId xmlns:a16="http://schemas.microsoft.com/office/drawing/2014/main" id="{8BE4CA82-64EC-4D4E-A5E5-3EBB66E7B24C}"/>
+              </a:ext>
+            </a:extLst>
+          </p:cNvPr>
           <p:cNvSpPr>
             <a:spLocks noGrp="1"/>
           </p:cNvSpPr>
@@ -6362,10 +6817,11 @@
         </p:spPr>
         <p:txBody>
           <a:bodyPr/>
+          <a:lstStyle/>
           <a:p>
             <a:pPr algn="ctr"/>
             <a:r>
-              <a:rPr b="1" lang="en-US">
+              <a:rPr lang="en-US" b="1">
                 <a:solidFill>
                   <a:srgbClr val="002060"/>
                 </a:solidFill>
@@ -6378,6 +6834,11 @@
         </p:txBody>
       </p:sp>
     </p:spTree>
+    <p:extLst>
+      <p:ext uri="{BB962C8B-B14F-4D97-AF65-F5344CB8AC3E}">
+        <p14:creationId xmlns:p14="http://schemas.microsoft.com/office/powerpoint/2010/main" val="4066255318"/>
+      </p:ext>
+    </p:extLst>
   </p:cSld>
   <p:clrMapOvr>
     <a:masterClrMapping/>
@@ -6390,7 +6851,7 @@
   <p:cSld>
     <p:spTree>
       <p:nvGrpSpPr>
-        <p:cNvPr id="35" name=""/>
+        <p:cNvPr id="1" name=""/>
         <p:cNvGrpSpPr/>
         <p:nvPr/>
       </p:nvGrpSpPr>
@@ -6404,7 +6865,13 @@
       </p:grpSpPr>
       <p:sp>
         <p:nvSpPr>
-          <p:cNvPr id="1048610" name="Title 1"/>
+          <p:cNvPr id="2" name="Title 1">
+            <a:extLst>
+              <a:ext uri="{FF2B5EF4-FFF2-40B4-BE49-F238E27FC236}">
+                <a16:creationId xmlns:a16="http://schemas.microsoft.com/office/drawing/2014/main" id="{49FFEB4C-F209-4AE7-AA2B-B3C26CE2C51D}"/>
+              </a:ext>
+            </a:extLst>
+          </p:cNvPr>
           <p:cNvSpPr>
             <a:spLocks noGrp="1"/>
           </p:cNvSpPr>
@@ -6420,9 +6887,10 @@
         </p:spPr>
         <p:txBody>
           <a:bodyPr/>
-          <a:p>
-            <a:r>
-              <a:rPr b="1" lang="en-US">
+          <a:lstStyle/>
+          <a:p>
+            <a:r>
+              <a:rPr lang="en-US" b="1">
                 <a:solidFill>
                   <a:srgbClr val="002060"/>
                 </a:solidFill>
@@ -6436,7 +6904,13 @@
       </p:sp>
       <p:sp>
         <p:nvSpPr>
-          <p:cNvPr id="1048611" name="Content Placeholder 2"/>
+          <p:cNvPr id="3" name="Content Placeholder 2">
+            <a:extLst>
+              <a:ext uri="{FF2B5EF4-FFF2-40B4-BE49-F238E27FC236}">
+                <a16:creationId xmlns:a16="http://schemas.microsoft.com/office/drawing/2014/main" id="{B2678641-EEA3-4EC4-BF39-4075B0C120E8}"/>
+              </a:ext>
+            </a:extLst>
+          </p:cNvPr>
           <p:cNvSpPr>
             <a:spLocks noGrp="1"/>
           </p:cNvSpPr>
@@ -6451,30 +6925,31 @@
           </a:xfrm>
         </p:spPr>
         <p:txBody>
-          <a:bodyPr anchor="t" bIns="45720" lIns="91440" rIns="91440" rtlCol="0" tIns="45720" vert="horz">
+          <a:bodyPr vert="horz" lIns="91440" tIns="45720" rIns="91440" bIns="45720" rtlCol="0" anchor="t">
             <a:noAutofit/>
           </a:bodyPr>
-          <a:p>
-            <a:pPr indent="0" marL="0">
+          <a:lstStyle/>
+          <a:p>
+            <a:pPr marL="0" indent="0">
               <a:buNone/>
             </a:pPr>
             <a:r>
-              <a:rPr b="1" dirty="0" sz="2000" lang="en-US">
+              <a:rPr lang="en-US" sz="2000" b="1" dirty="0">
                 <a:latin typeface="Arial"/>
                 <a:ea typeface="+mn-lt"/>
                 <a:cs typeface="Arial"/>
               </a:rPr>
               <a:t>  </a:t>
             </a:r>
-            <a:endParaRPr dirty="0" lang="en-US">
+            <a:endParaRPr lang="en-US" dirty="0">
               <a:latin typeface="Arial"/>
               <a:cs typeface="Arial"/>
             </a:endParaRPr>
           </a:p>
           <a:p>
-            <a:pPr indent="-305435" marL="305435"/>
-            <a:r>
-              <a:rPr b="1" dirty="0" sz="2000" lang="en-US">
+            <a:pPr marL="305435" indent="-305435"/>
+            <a:r>
+              <a:rPr lang="en-US" sz="2000" b="1" dirty="0">
                 <a:latin typeface="Arial"/>
                 <a:ea typeface="+mn-lt"/>
                 <a:cs typeface="Arial"/>
@@ -6482,37 +6957,37 @@
               <a:t>Problem Statement </a:t>
             </a:r>
             <a:r>
-              <a:rPr dirty="0" sz="2000" lang="en-US">
+              <a:rPr lang="en-US" sz="2000" dirty="0">
                 <a:latin typeface="Arial"/>
                 <a:ea typeface="+mn-lt"/>
                 <a:cs typeface="Arial"/>
               </a:rPr>
               <a:t>(Should not include solution)</a:t>
             </a:r>
-            <a:endParaRPr dirty="0" lang="en-US">
+            <a:endParaRPr lang="en-US" dirty="0">
               <a:latin typeface="Arial"/>
               <a:cs typeface="Arial"/>
             </a:endParaRPr>
           </a:p>
           <a:p>
-            <a:pPr indent="-305435" marL="305435"/>
-            <a:r>
-              <a:rPr b="1" dirty="0" sz="2000" lang="en-US">
+            <a:pPr marL="305435" indent="-305435"/>
+            <a:r>
+              <a:rPr lang="en-US" sz="2000" b="1" dirty="0">
                 <a:latin typeface="Arial"/>
                 <a:ea typeface="+mn-lt"/>
                 <a:cs typeface="Arial"/>
               </a:rPr>
               <a:t>Proposed System/Solution</a:t>
             </a:r>
-            <a:endParaRPr dirty="0" lang="en-US">
+            <a:endParaRPr lang="en-US" dirty="0">
               <a:latin typeface="Arial"/>
               <a:cs typeface="Arial"/>
             </a:endParaRPr>
           </a:p>
           <a:p>
-            <a:pPr indent="-305435" marL="305435"/>
-            <a:r>
-              <a:rPr b="1" dirty="0" sz="2000" lang="en-US">
+            <a:pPr marL="305435" indent="-305435"/>
+            <a:r>
+              <a:rPr lang="en-US" sz="2000" b="1" dirty="0">
                 <a:latin typeface="Arial"/>
                 <a:ea typeface="+mn-lt"/>
                 <a:cs typeface="Calibri"/>
@@ -6520,7 +6995,7 @@
               <a:t>System </a:t>
             </a:r>
             <a:r>
-              <a:rPr b="1" dirty="0" sz="2000" lang="en-US">
+              <a:rPr lang="en-US" sz="2000" b="1" dirty="0">
                 <a:latin typeface="Arial"/>
                 <a:ea typeface="+mn-lt"/>
                 <a:cs typeface="+mn-lt"/>
@@ -6528,38 +7003,38 @@
               <a:t>Development Approach </a:t>
             </a:r>
             <a:r>
-              <a:rPr dirty="0" sz="2000" lang="en-US">
+              <a:rPr lang="en-US" sz="2000" dirty="0">
                 <a:latin typeface="Arial"/>
                 <a:ea typeface="+mn-lt"/>
                 <a:cs typeface="+mn-lt"/>
               </a:rPr>
               <a:t>(Technology Used) </a:t>
             </a:r>
-            <a:endParaRPr dirty="0" lang="en-US">
+            <a:endParaRPr lang="en-US" dirty="0">
               <a:latin typeface="Arial"/>
               <a:ea typeface="+mn-lt"/>
               <a:cs typeface="+mn-lt"/>
             </a:endParaRPr>
           </a:p>
           <a:p>
-            <a:pPr indent="-305435" marL="305435"/>
-            <a:r>
-              <a:rPr b="1" dirty="0" sz="2000" lang="en-US">
+            <a:pPr marL="305435" indent="-305435"/>
+            <a:r>
+              <a:rPr lang="en-US" sz="2000" b="1" dirty="0">
                 <a:latin typeface="Arial"/>
                 <a:ea typeface="+mn-lt"/>
                 <a:cs typeface="+mn-lt"/>
               </a:rPr>
               <a:t>Algorithm &amp; Deployment  </a:t>
             </a:r>
-            <a:endParaRPr dirty="0" lang="en-US">
+            <a:endParaRPr lang="en-US" dirty="0">
               <a:latin typeface="Arial"/>
               <a:cs typeface="Calibri"/>
             </a:endParaRPr>
           </a:p>
           <a:p>
-            <a:pPr indent="-305435" marL="305435"/>
-            <a:r>
-              <a:rPr b="1" dirty="0" sz="2000" lang="en-US">
+            <a:pPr marL="305435" indent="-305435"/>
+            <a:r>
+              <a:rPr lang="en-US" sz="2000" b="1" dirty="0">
                 <a:latin typeface="Arial"/>
                 <a:ea typeface="+mn-lt"/>
                 <a:cs typeface="Arial"/>
@@ -6568,24 +7043,24 @@
             </a:r>
           </a:p>
           <a:p>
-            <a:pPr indent="-305435" marL="305435"/>
-            <a:r>
-              <a:rPr b="1" dirty="0" sz="2000" lang="en-US">
+            <a:pPr marL="305435" indent="-305435"/>
+            <a:r>
+              <a:rPr lang="en-US" sz="2000" b="1" dirty="0">
                 <a:latin typeface="Arial"/>
                 <a:ea typeface="+mn-lt"/>
                 <a:cs typeface="Arial"/>
               </a:rPr>
               <a:t>Conclusion</a:t>
             </a:r>
-            <a:endParaRPr dirty="0" lang="en-US">
+            <a:endParaRPr lang="en-US" dirty="0">
               <a:latin typeface="Arial"/>
               <a:cs typeface="Arial"/>
             </a:endParaRPr>
           </a:p>
           <a:p>
-            <a:pPr indent="-305435" marL="305435"/>
-            <a:r>
-              <a:rPr b="1" dirty="0" sz="2000" lang="en-US">
+            <a:pPr marL="305435" indent="-305435"/>
+            <a:r>
+              <a:rPr lang="en-US" sz="2000" b="1" dirty="0">
                 <a:latin typeface="Arial"/>
                 <a:ea typeface="+mn-lt"/>
                 <a:cs typeface="Arial"/>
@@ -6594,22 +7069,22 @@
             </a:r>
           </a:p>
           <a:p>
-            <a:pPr indent="-305435" marL="305435"/>
-            <a:r>
-              <a:rPr b="1" dirty="0" sz="2000" lang="en-US">
+            <a:pPr marL="305435" indent="-305435"/>
+            <a:r>
+              <a:rPr lang="en-US" sz="2000" b="1" dirty="0">
                 <a:latin typeface="Arial"/>
                 <a:ea typeface="+mn-lt"/>
                 <a:cs typeface="Arial"/>
               </a:rPr>
               <a:t>References</a:t>
             </a:r>
-            <a:endParaRPr dirty="0" lang="en-US">
+            <a:endParaRPr lang="en-US" dirty="0">
               <a:latin typeface="Arial"/>
               <a:cs typeface="Arial"/>
             </a:endParaRPr>
           </a:p>
           <a:p>
-            <a:pPr indent="-305435" marL="305435"/>
+            <a:pPr marL="305435" indent="-305435"/>
             <a:endParaRPr lang="en-US">
               <a:latin typeface="Arial"/>
               <a:cs typeface="Arial"/>
@@ -6618,6 +7093,11 @@
         </p:txBody>
       </p:sp>
     </p:spTree>
+    <p:extLst>
+      <p:ext uri="{BB962C8B-B14F-4D97-AF65-F5344CB8AC3E}">
+        <p14:creationId xmlns:p14="http://schemas.microsoft.com/office/powerpoint/2010/main" val="2900153716"/>
+      </p:ext>
+    </p:extLst>
   </p:cSld>
   <p:clrMapOvr>
     <a:masterClrMapping/>
@@ -6630,7 +7110,7 @@
   <p:cSld>
     <p:spTree>
       <p:nvGrpSpPr>
-        <p:cNvPr id="36" name=""/>
+        <p:cNvPr id="1" name=""/>
         <p:cNvGrpSpPr/>
         <p:nvPr/>
       </p:nvGrpSpPr>
@@ -6644,7 +7124,13 @@
       </p:grpSpPr>
       <p:sp>
         <p:nvSpPr>
-          <p:cNvPr id="1048612" name="Title 4"/>
+          <p:cNvPr id="5" name="Title 4">
+            <a:extLst>
+              <a:ext uri="{FF2B5EF4-FFF2-40B4-BE49-F238E27FC236}">
+                <a16:creationId xmlns:a16="http://schemas.microsoft.com/office/drawing/2014/main" id="{8FBA75B4-2DD5-42EB-9397-F36BFB8BA723}"/>
+              </a:ext>
+            </a:extLst>
+          </p:cNvPr>
           <p:cNvSpPr>
             <a:spLocks noGrp="1"/>
           </p:cNvSpPr>
@@ -6657,9 +7143,10 @@
           <a:bodyPr>
             <a:normAutofit/>
           </a:bodyPr>
-          <a:p>
-            <a:r>
-              <a:rPr b="1" sz="4400" lang="en-US">
+          <a:lstStyle/>
+          <a:p>
+            <a:r>
+              <a:rPr lang="en-US" sz="4400" b="1">
                 <a:solidFill>
                   <a:schemeClr val="accent1"/>
                 </a:solidFill>
@@ -6668,13 +7155,19 @@
               </a:rPr>
               <a:t>Problem Statement</a:t>
             </a:r>
-            <a:endParaRPr sz="4400" lang="en-US"/>
-          </a:p>
-        </p:txBody>
-      </p:sp>
-      <p:sp>
-        <p:nvSpPr>
-          <p:cNvPr id="1048613" name="Content Placeholder 1"/>
+            <a:endParaRPr lang="en-US" sz="4400"/>
+          </a:p>
+        </p:txBody>
+      </p:sp>
+      <p:sp>
+        <p:nvSpPr>
+          <p:cNvPr id="2" name="Content Placeholder 1">
+            <a:extLst>
+              <a:ext uri="{FF2B5EF4-FFF2-40B4-BE49-F238E27FC236}">
+                <a16:creationId xmlns:a16="http://schemas.microsoft.com/office/drawing/2014/main" id="{8FEE4A9C-3F57-7DA7-91FD-715C3FB47F93}"/>
+              </a:ext>
+            </a:extLst>
+          </p:cNvPr>
           <p:cNvSpPr>
             <a:spLocks noGrp="1"/>
           </p:cNvSpPr>
@@ -6690,19 +7183,25 @@
         </p:spPr>
         <p:txBody>
           <a:bodyPr/>
-          <a:p>
-            <a:pPr indent="0" marL="0">
+          <a:lstStyle/>
+          <a:p>
+            <a:pPr marL="0" indent="0">
               <a:buNone/>
             </a:pPr>
-            <a:endParaRPr dirty="0" sz="2400" lang="en-IN"/>
-          </a:p>
-          <a:p>
-            <a:pPr indent="-305435" marL="305435"/>
-            <a:endParaRPr dirty="0" lang="en-IN"/>
+            <a:endParaRPr lang="en-IN" sz="2400" dirty="0"/>
+          </a:p>
+          <a:p>
+            <a:pPr marL="305435" indent="-305435"/>
+            <a:endParaRPr lang="en-IN" dirty="0"/>
           </a:p>
         </p:txBody>
       </p:sp>
     </p:spTree>
+    <p:extLst>
+      <p:ext uri="{BB962C8B-B14F-4D97-AF65-F5344CB8AC3E}">
+        <p14:creationId xmlns:p14="http://schemas.microsoft.com/office/powerpoint/2010/main" val="1186421160"/>
+      </p:ext>
+    </p:extLst>
   </p:cSld>
   <p:clrMapOvr>
     <a:masterClrMapping/>
@@ -6715,7 +7214,7 @@
   <p:cSld>
     <p:spTree>
       <p:nvGrpSpPr>
-        <p:cNvPr id="37" name=""/>
+        <p:cNvPr id="1" name=""/>
         <p:cNvGrpSpPr/>
         <p:nvPr/>
       </p:nvGrpSpPr>
@@ -6729,7 +7228,13 @@
       </p:grpSpPr>
       <p:sp>
         <p:nvSpPr>
-          <p:cNvPr id="1048614" name="Title 4"/>
+          <p:cNvPr id="5" name="Title 4">
+            <a:extLst>
+              <a:ext uri="{FF2B5EF4-FFF2-40B4-BE49-F238E27FC236}">
+                <a16:creationId xmlns:a16="http://schemas.microsoft.com/office/drawing/2014/main" id="{8FBA75B4-2DD5-42EB-9397-F36BFB8BA723}"/>
+              </a:ext>
+            </a:extLst>
+          </p:cNvPr>
           <p:cNvSpPr>
             <a:spLocks noGrp="1"/>
           </p:cNvSpPr>
@@ -6747,9 +7252,10 @@
           <a:bodyPr>
             <a:normAutofit/>
           </a:bodyPr>
-          <a:p>
-            <a:r>
-              <a:rPr b="1" dirty="0" sz="4400" lang="en-US">
+          <a:lstStyle/>
+          <a:p>
+            <a:r>
+              <a:rPr lang="en-US" sz="4400" b="1" dirty="0">
                 <a:solidFill>
                   <a:schemeClr val="accent1"/>
                 </a:solidFill>
@@ -6758,13 +7264,19 @@
               </a:rPr>
               <a:t>Proposed Solution</a:t>
             </a:r>
-            <a:endParaRPr dirty="0" sz="4400" lang="en-US"/>
-          </a:p>
-        </p:txBody>
-      </p:sp>
-      <p:sp>
-        <p:nvSpPr>
-          <p:cNvPr id="1048615" name="Content Placeholder 1"/>
+            <a:endParaRPr lang="en-US" sz="4400" dirty="0"/>
+          </a:p>
+        </p:txBody>
+      </p:sp>
+      <p:sp>
+        <p:nvSpPr>
+          <p:cNvPr id="2" name="Content Placeholder 1">
+            <a:extLst>
+              <a:ext uri="{FF2B5EF4-FFF2-40B4-BE49-F238E27FC236}">
+                <a16:creationId xmlns:a16="http://schemas.microsoft.com/office/drawing/2014/main" id="{E041FD9D-DF07-9C37-1E61-1D920E0EF1D4}"/>
+              </a:ext>
+            </a:extLst>
+          </p:cNvPr>
           <p:cNvSpPr>
             <a:spLocks noGrp="1"/>
           </p:cNvSpPr>
@@ -6779,275 +7291,281 @@
           </a:xfrm>
         </p:spPr>
         <p:txBody>
-          <a:bodyPr anchor="ctr" bIns="45720" lIns="91440" rIns="91440" rtlCol="0" tIns="45720" vert="horz">
+          <a:bodyPr vert="horz" lIns="91440" tIns="45720" rIns="91440" bIns="45720" rtlCol="0" anchor="ctr">
             <a:noAutofit/>
           </a:bodyPr>
-          <a:p>
-            <a:pPr indent="-305435" marL="305435"/>
-            <a:endParaRPr b="1" dirty="0" sz="1200" lang="en-IN">
+          <a:lstStyle/>
+          <a:p>
+            <a:pPr marL="305435" indent="-305435"/>
+            <a:endParaRPr lang="en-IN" sz="1200" b="1" dirty="0">
               <a:latin typeface="Calibri"/>
               <a:cs typeface="Calibri"/>
             </a:endParaRPr>
           </a:p>
           <a:p>
-            <a:pPr indent="-305435" marL="305435"/>
-            <a:r>
-              <a:rPr b="1" dirty="0" sz="1200" lang="en-IN">
+            <a:pPr marL="305435" indent="-305435"/>
+            <a:r>
+              <a:rPr lang="en-IN" sz="1200" b="1" dirty="0">
                 <a:latin typeface="Calibri"/>
                 <a:ea typeface="+mn-lt"/>
                 <a:cs typeface="+mn-lt"/>
               </a:rPr>
               <a:t>The proposed system aims to address the challenge of predicting the required bike count at each hour to ensure a stable supply of rental bikes. This involves leveraging data analytics and machine learning techniques to forecast demand patterns accurately. The solution will consist of the following components:</a:t>
             </a:r>
-            <a:endParaRPr b="1" dirty="0" sz="1200" lang="en-IN">
+            <a:endParaRPr lang="en-IN" sz="1200" b="1" dirty="0">
               <a:latin typeface="Calibri"/>
               <a:cs typeface="Calibri"/>
             </a:endParaRPr>
           </a:p>
           <a:p>
-            <a:pPr indent="-305435" marL="305435"/>
-            <a:r>
-              <a:rPr b="1" dirty="0" sz="1200" lang="en-IN">
+            <a:pPr marL="305435" indent="-305435"/>
+            <a:r>
+              <a:rPr lang="en-IN" sz="1200" b="1" dirty="0">
                 <a:latin typeface="Calibri"/>
                 <a:ea typeface="+mn-lt"/>
                 <a:cs typeface="+mn-lt"/>
               </a:rPr>
               <a:t>Data Collection:</a:t>
             </a:r>
-            <a:endParaRPr b="1" dirty="0" sz="1200" lang="en-IN">
+            <a:endParaRPr lang="en-IN" sz="1200" b="1" dirty="0">
               <a:latin typeface="Calibri"/>
               <a:cs typeface="Calibri"/>
             </a:endParaRPr>
           </a:p>
           <a:p>
-            <a:pPr indent="-305435" lvl="1" marL="629920"/>
-            <a:r>
-              <a:rPr b="1" dirty="0" sz="1200" lang="en-IN">
+            <a:pPr marL="629920" lvl="1" indent="-305435"/>
+            <a:r>
+              <a:rPr lang="en-IN" sz="1200" b="1" dirty="0">
                 <a:latin typeface="Calibri"/>
                 <a:ea typeface="+mn-lt"/>
                 <a:cs typeface="+mn-lt"/>
               </a:rPr>
               <a:t>Gather historical data on bike rentals, including time, date, location, and other relevant factors.</a:t>
             </a:r>
-            <a:endParaRPr b="1" dirty="0" sz="1200" lang="en-IN">
+            <a:endParaRPr lang="en-IN" sz="1200" b="1" dirty="0">
               <a:latin typeface="Calibri"/>
               <a:cs typeface="Calibri"/>
             </a:endParaRPr>
           </a:p>
           <a:p>
-            <a:pPr indent="-305435" lvl="1" marL="629920"/>
-            <a:r>
-              <a:rPr b="1" dirty="0" sz="1200" lang="en-IN">
+            <a:pPr marL="629920" lvl="1" indent="-305435"/>
+            <a:r>
+              <a:rPr lang="en-IN" sz="1200" b="1" dirty="0">
                 <a:latin typeface="Calibri"/>
                 <a:ea typeface="+mn-lt"/>
                 <a:cs typeface="+mn-lt"/>
               </a:rPr>
               <a:t>Utilize real-time data sources, such as weather conditions, events, and holidays, to enhance prediction accuracy.</a:t>
             </a:r>
-            <a:endParaRPr b="1" dirty="0" sz="1200" lang="en-IN">
+            <a:endParaRPr lang="en-IN" sz="1200" b="1" dirty="0">
               <a:latin typeface="Calibri"/>
               <a:cs typeface="Calibri"/>
             </a:endParaRPr>
           </a:p>
           <a:p>
-            <a:pPr indent="-305435" marL="305435"/>
-            <a:r>
-              <a:rPr b="1" dirty="0" sz="1200" lang="en-IN">
+            <a:pPr marL="305435" indent="-305435"/>
+            <a:r>
+              <a:rPr lang="en-IN" sz="1200" b="1" dirty="0">
                 <a:latin typeface="Calibri"/>
                 <a:ea typeface="+mn-lt"/>
                 <a:cs typeface="+mn-lt"/>
               </a:rPr>
               <a:t>Data Preprocessing:</a:t>
             </a:r>
-            <a:endParaRPr b="1" dirty="0" sz="1200" lang="en-IN">
+            <a:endParaRPr lang="en-IN" sz="1200" b="1" dirty="0">
               <a:latin typeface="Calibri"/>
               <a:cs typeface="Calibri"/>
             </a:endParaRPr>
           </a:p>
           <a:p>
-            <a:pPr indent="-305435" lvl="1" marL="629920"/>
-            <a:r>
-              <a:rPr b="1" dirty="0" sz="1200" lang="en-IN">
+            <a:pPr marL="629920" lvl="1" indent="-305435"/>
+            <a:r>
+              <a:rPr lang="en-IN" sz="1200" b="1" dirty="0">
                 <a:latin typeface="Calibri"/>
                 <a:ea typeface="+mn-lt"/>
                 <a:cs typeface="+mn-lt"/>
               </a:rPr>
               <a:t>Clean and preprocess the collected data to handle missing values, outliers, and inconsistencies.</a:t>
             </a:r>
-            <a:endParaRPr b="1" dirty="0" sz="1200" lang="en-IN">
+            <a:endParaRPr lang="en-IN" sz="1200" b="1" dirty="0">
               <a:latin typeface="Calibri"/>
               <a:cs typeface="Calibri"/>
             </a:endParaRPr>
           </a:p>
           <a:p>
-            <a:pPr indent="-305435" lvl="1" marL="629920"/>
-            <a:r>
-              <a:rPr b="1" dirty="0" sz="1200" lang="en-IN">
+            <a:pPr marL="629920" lvl="1" indent="-305435"/>
+            <a:r>
+              <a:rPr lang="en-IN" sz="1200" b="1" dirty="0">
                 <a:latin typeface="Calibri"/>
                 <a:ea typeface="+mn-lt"/>
                 <a:cs typeface="+mn-lt"/>
               </a:rPr>
               <a:t>Feature engineering to extract relevant features from the data that might impact bike demand.</a:t>
             </a:r>
-            <a:endParaRPr b="1" dirty="0" sz="1200" lang="en-IN">
+            <a:endParaRPr lang="en-IN" sz="1200" b="1" dirty="0">
               <a:latin typeface="Calibri"/>
               <a:cs typeface="Calibri"/>
             </a:endParaRPr>
           </a:p>
           <a:p>
-            <a:pPr indent="-305435" marL="305435"/>
-            <a:r>
-              <a:rPr b="1" dirty="0" sz="1200" lang="en-IN">
+            <a:pPr marL="305435" indent="-305435"/>
+            <a:r>
+              <a:rPr lang="en-IN" sz="1200" b="1" dirty="0">
                 <a:latin typeface="Calibri"/>
                 <a:ea typeface="+mn-lt"/>
                 <a:cs typeface="+mn-lt"/>
               </a:rPr>
               <a:t>Machine Learning Algorithm:</a:t>
             </a:r>
-            <a:endParaRPr b="1" dirty="0" sz="1200" lang="en-IN">
+            <a:endParaRPr lang="en-IN" sz="1200" b="1" dirty="0">
               <a:latin typeface="Calibri"/>
               <a:cs typeface="Calibri"/>
             </a:endParaRPr>
           </a:p>
           <a:p>
-            <a:pPr indent="-305435" lvl="1" marL="629920"/>
-            <a:r>
-              <a:rPr b="1" dirty="0" sz="1200" lang="en-IN">
+            <a:pPr marL="629920" lvl="1" indent="-305435"/>
+            <a:r>
+              <a:rPr lang="en-IN" sz="1200" b="1" dirty="0">
                 <a:latin typeface="Calibri"/>
                 <a:ea typeface="+mn-lt"/>
                 <a:cs typeface="+mn-lt"/>
               </a:rPr>
               <a:t>Implement a machine learning algorithm, such as a time-series forecasting model (e.g., ARIMA, SARIMA, or LSTM), to predict bike counts based on historical patterns.</a:t>
             </a:r>
-            <a:endParaRPr b="1" dirty="0" sz="1200" lang="en-IN">
+            <a:endParaRPr lang="en-IN" sz="1200" b="1" dirty="0">
               <a:latin typeface="Calibri"/>
               <a:cs typeface="Calibri"/>
             </a:endParaRPr>
           </a:p>
           <a:p>
-            <a:pPr indent="-305435" lvl="1" marL="629920"/>
-            <a:r>
-              <a:rPr b="1" dirty="0" sz="1200" lang="en-IN">
+            <a:pPr marL="629920" lvl="1" indent="-305435"/>
+            <a:r>
+              <a:rPr lang="en-IN" sz="1200" b="1" dirty="0">
                 <a:latin typeface="Calibri"/>
                 <a:ea typeface="+mn-lt"/>
                 <a:cs typeface="+mn-lt"/>
               </a:rPr>
               <a:t>Consider incorporating other factors like weather conditions, day of the week, and special events to improve prediction accuracy.</a:t>
             </a:r>
-            <a:endParaRPr b="1" dirty="0" sz="1200" lang="en-IN">
+            <a:endParaRPr lang="en-IN" sz="1200" b="1" dirty="0">
               <a:latin typeface="Calibri"/>
               <a:cs typeface="Calibri"/>
             </a:endParaRPr>
           </a:p>
           <a:p>
-            <a:pPr indent="-305435" marL="305435"/>
-            <a:r>
-              <a:rPr b="1" dirty="0" sz="1200" lang="en-IN">
+            <a:pPr marL="305435" indent="-305435"/>
+            <a:r>
+              <a:rPr lang="en-IN" sz="1200" b="1" dirty="0">
                 <a:latin typeface="Calibri"/>
                 <a:ea typeface="+mn-lt"/>
                 <a:cs typeface="+mn-lt"/>
               </a:rPr>
               <a:t>Deployment:</a:t>
             </a:r>
-            <a:endParaRPr b="1" dirty="0" sz="1200" lang="en-IN">
+            <a:endParaRPr lang="en-IN" sz="1200" b="1" dirty="0">
               <a:latin typeface="Calibri"/>
               <a:cs typeface="Calibri"/>
             </a:endParaRPr>
           </a:p>
           <a:p>
-            <a:pPr indent="-305435" lvl="1" marL="629920"/>
-            <a:r>
-              <a:rPr b="1" dirty="0" sz="1200" lang="en-IN">
+            <a:pPr marL="629920" lvl="1" indent="-305435"/>
+            <a:r>
+              <a:rPr lang="en-IN" sz="1200" b="1" dirty="0">
                 <a:latin typeface="Calibri"/>
                 <a:ea typeface="+mn-lt"/>
                 <a:cs typeface="+mn-lt"/>
               </a:rPr>
               <a:t>Develop a user-friendly interface or application that provides real-time predictions for bike counts at different hours.</a:t>
             </a:r>
-            <a:endParaRPr b="1" dirty="0" sz="1200" lang="en-IN">
+            <a:endParaRPr lang="en-IN" sz="1200" b="1" dirty="0">
               <a:latin typeface="Calibri"/>
               <a:cs typeface="Calibri"/>
             </a:endParaRPr>
           </a:p>
           <a:p>
-            <a:pPr indent="-305435" lvl="1" marL="629920"/>
-            <a:r>
-              <a:rPr b="1" dirty="0" sz="1200" lang="en-IN">
+            <a:pPr marL="629920" lvl="1" indent="-305435"/>
+            <a:r>
+              <a:rPr lang="en-IN" sz="1200" b="1" dirty="0">
                 <a:latin typeface="Calibri"/>
                 <a:ea typeface="+mn-lt"/>
                 <a:cs typeface="+mn-lt"/>
               </a:rPr>
               <a:t>Deploy the solution on a scalable and reliable platform, considering factors like server infrastructure, response time, and user accessibility.</a:t>
             </a:r>
-            <a:endParaRPr b="1" dirty="0" sz="1200" lang="en-IN">
+            <a:endParaRPr lang="en-IN" sz="1200" b="1" dirty="0">
               <a:latin typeface="Calibri"/>
               <a:cs typeface="Calibri"/>
             </a:endParaRPr>
           </a:p>
           <a:p>
-            <a:pPr indent="-305435" marL="305435"/>
-            <a:r>
-              <a:rPr b="1" dirty="0" sz="1200" lang="en-IN">
+            <a:pPr marL="305435" indent="-305435"/>
+            <a:r>
+              <a:rPr lang="en-IN" sz="1200" b="1" dirty="0">
                 <a:latin typeface="Calibri"/>
                 <a:ea typeface="+mn-lt"/>
                 <a:cs typeface="+mn-lt"/>
               </a:rPr>
               <a:t>Evaluation:</a:t>
             </a:r>
-            <a:endParaRPr b="1" dirty="0" sz="1200" lang="en-IN">
+            <a:endParaRPr lang="en-IN" sz="1200" b="1" dirty="0">
               <a:latin typeface="Calibri"/>
               <a:cs typeface="Calibri"/>
             </a:endParaRPr>
           </a:p>
           <a:p>
-            <a:pPr indent="-305435" lvl="1" marL="629920"/>
-            <a:r>
-              <a:rPr b="1" dirty="0" sz="1200" lang="en-IN">
+            <a:pPr marL="629920" lvl="1" indent="-305435"/>
+            <a:r>
+              <a:rPr lang="en-IN" sz="1200" b="1" dirty="0">
                 <a:latin typeface="Calibri"/>
                 <a:ea typeface="+mn-lt"/>
                 <a:cs typeface="+mn-lt"/>
               </a:rPr>
               <a:t>Assess the model's performance using appropriate metrics such as Mean Absolute Error (MAE), Root Mean Squared Error (RMSE), or other relevant metrics.</a:t>
             </a:r>
-            <a:endParaRPr b="1" dirty="0" sz="1200" lang="en-IN">
+            <a:endParaRPr lang="en-IN" sz="1200" b="1" dirty="0">
               <a:latin typeface="Calibri"/>
               <a:cs typeface="Calibri"/>
             </a:endParaRPr>
           </a:p>
           <a:p>
-            <a:pPr indent="-305435" lvl="1" marL="629920"/>
-            <a:r>
-              <a:rPr b="1" dirty="0" sz="1200" lang="en-IN">
+            <a:pPr marL="629920" lvl="1" indent="-305435"/>
+            <a:r>
+              <a:rPr lang="en-IN" sz="1200" b="1" dirty="0">
                 <a:latin typeface="Calibri"/>
                 <a:ea typeface="+mn-lt"/>
                 <a:cs typeface="+mn-lt"/>
               </a:rPr>
               <a:t>Fine-tune the model based on feedback and continuous monitoring of prediction accuracy.</a:t>
             </a:r>
-            <a:endParaRPr b="1" dirty="0" sz="1200" lang="en-IN">
+            <a:endParaRPr lang="en-IN" sz="1200" b="1" dirty="0">
               <a:latin typeface="Calibri"/>
             </a:endParaRPr>
           </a:p>
           <a:p>
-            <a:pPr indent="-305435" lvl="1" marL="629920"/>
-            <a:r>
-              <a:rPr dirty="0" sz="1200" lang="en-IN">
+            <a:pPr marL="629920" lvl="1" indent="-305435"/>
+            <a:r>
+              <a:rPr lang="en-IN" sz="1200" dirty="0">
                 <a:ea typeface="+mn-lt"/>
                 <a:cs typeface="+mn-lt"/>
               </a:rPr>
               <a:t>Result:</a:t>
             </a:r>
-            <a:endParaRPr dirty="0" sz="1200" lang="en-IN"/>
-          </a:p>
-          <a:p>
-            <a:pPr indent="0" marL="0">
+            <a:endParaRPr lang="en-IN" sz="1200" dirty="0"/>
+          </a:p>
+          <a:p>
+            <a:pPr marL="0" indent="0">
               <a:buNone/>
             </a:pPr>
-            <a:endParaRPr dirty="0" lang="en-IN"/>
+            <a:endParaRPr lang="en-IN" dirty="0"/>
           </a:p>
         </p:txBody>
       </p:sp>
     </p:spTree>
+    <p:extLst>
+      <p:ext uri="{BB962C8B-B14F-4D97-AF65-F5344CB8AC3E}">
+        <p14:creationId xmlns:p14="http://schemas.microsoft.com/office/powerpoint/2010/main" val="3210358481"/>
+      </p:ext>
+    </p:extLst>
   </p:cSld>
   <p:clrMapOvr>
     <a:masterClrMapping/>
@@ -7060,7 +7578,7 @@
   <p:cSld>
     <p:spTree>
       <p:nvGrpSpPr>
-        <p:cNvPr id="38" name=""/>
+        <p:cNvPr id="1" name=""/>
         <p:cNvGrpSpPr/>
         <p:nvPr/>
       </p:nvGrpSpPr>
@@ -7074,7 +7592,13 @@
       </p:grpSpPr>
       <p:sp>
         <p:nvSpPr>
-          <p:cNvPr id="1048616" name="Title 4"/>
+          <p:cNvPr id="5" name="Title 4">
+            <a:extLst>
+              <a:ext uri="{FF2B5EF4-FFF2-40B4-BE49-F238E27FC236}">
+                <a16:creationId xmlns:a16="http://schemas.microsoft.com/office/drawing/2014/main" id="{8FBA75B4-2DD5-42EB-9397-F36BFB8BA723}"/>
+              </a:ext>
+            </a:extLst>
+          </p:cNvPr>
           <p:cNvSpPr>
             <a:spLocks noGrp="1"/>
           </p:cNvSpPr>
@@ -7092,9 +7616,10 @@
           <a:bodyPr>
             <a:normAutofit fontScale="90000"/>
           </a:bodyPr>
-          <a:p>
-            <a:r>
-              <a:rPr b="1" sz="4400" lang="en-US">
+          <a:lstStyle/>
+          <a:p>
+            <a:r>
+              <a:rPr lang="en-US" sz="4400" b="1">
                 <a:solidFill>
                   <a:schemeClr val="accent1"/>
                 </a:solidFill>
@@ -7104,7 +7629,7 @@
               </a:rPr>
               <a:t>System  Approach</a:t>
             </a:r>
-            <a:endParaRPr sz="4400" lang="en-US">
+            <a:endParaRPr lang="en-US" sz="4400">
               <a:solidFill>
                 <a:schemeClr val="accent1"/>
               </a:solidFill>
@@ -7116,7 +7641,13 @@
       </p:sp>
       <p:sp>
         <p:nvSpPr>
-          <p:cNvPr id="1048617" name="Content Placeholder 1"/>
+          <p:cNvPr id="2" name="Content Placeholder 1">
+            <a:extLst>
+              <a:ext uri="{FF2B5EF4-FFF2-40B4-BE49-F238E27FC236}">
+                <a16:creationId xmlns:a16="http://schemas.microsoft.com/office/drawing/2014/main" id="{C4FFAF3C-BA60-9181-132C-C36C403AAEA7}"/>
+              </a:ext>
+            </a:extLst>
+          </p:cNvPr>
           <p:cNvSpPr>
             <a:spLocks noGrp="1"/>
           </p:cNvSpPr>
@@ -7127,12 +7658,13 @@
         <p:spPr/>
         <p:txBody>
           <a:bodyPr/>
-          <a:p>
-            <a:pPr indent="0" marL="0">
+          <a:lstStyle/>
+          <a:p>
+            <a:pPr marL="0" indent="0">
               <a:buNone/>
             </a:pPr>
             <a:r>
-              <a:rPr b="1" sz="1800" lang="en-IN">
+              <a:rPr lang="en-IN" sz="1800" b="1">
                 <a:solidFill>
                   <a:srgbClr val="0F0F0F"/>
                 </a:solidFill>
@@ -7144,9 +7676,9 @@
             <a:endParaRPr lang="en-US"/>
           </a:p>
           <a:p>
-            <a:pPr indent="-305435" marL="305435"/>
-            <a:r>
-              <a:rPr b="1" sz="1800" lang="en-IN">
+            <a:pPr marL="305435" indent="-305435"/>
+            <a:r>
+              <a:rPr lang="en-IN" sz="1800" b="1">
                 <a:solidFill>
                   <a:srgbClr val="0F0F0F"/>
                 </a:solidFill>
@@ -7155,9 +7687,9 @@
             </a:r>
           </a:p>
           <a:p>
-            <a:pPr indent="-305435" marL="305435"/>
-            <a:r>
-              <a:rPr b="1" sz="1800" lang="en-IN">
+            <a:pPr marL="305435" indent="-305435"/>
+            <a:r>
+              <a:rPr lang="en-IN" sz="1800" b="1">
                 <a:solidFill>
                   <a:srgbClr val="0F0F0F"/>
                 </a:solidFill>
@@ -7168,6 +7700,11 @@
         </p:txBody>
       </p:sp>
     </p:spTree>
+    <p:extLst>
+      <p:ext uri="{BB962C8B-B14F-4D97-AF65-F5344CB8AC3E}">
+        <p14:creationId xmlns:p14="http://schemas.microsoft.com/office/powerpoint/2010/main" val="3202024527"/>
+      </p:ext>
+    </p:extLst>
   </p:cSld>
   <p:clrMapOvr>
     <a:masterClrMapping/>
@@ -7180,7 +7717,7 @@
   <p:cSld>
     <p:spTree>
       <p:nvGrpSpPr>
-        <p:cNvPr id="39" name=""/>
+        <p:cNvPr id="1" name=""/>
         <p:cNvGrpSpPr/>
         <p:nvPr/>
       </p:nvGrpSpPr>
@@ -7194,7 +7731,13 @@
       </p:grpSpPr>
       <p:sp>
         <p:nvSpPr>
-          <p:cNvPr id="1048618" name="Title 4"/>
+          <p:cNvPr id="5" name="Title 4">
+            <a:extLst>
+              <a:ext uri="{FF2B5EF4-FFF2-40B4-BE49-F238E27FC236}">
+                <a16:creationId xmlns:a16="http://schemas.microsoft.com/office/drawing/2014/main" id="{8FBA75B4-2DD5-42EB-9397-F36BFB8BA723}"/>
+              </a:ext>
+            </a:extLst>
+          </p:cNvPr>
           <p:cNvSpPr>
             <a:spLocks noGrp="1"/>
           </p:cNvSpPr>
@@ -7207,9 +7750,10 @@
           <a:bodyPr>
             <a:normAutofit/>
           </a:bodyPr>
-          <a:p>
-            <a:r>
-              <a:rPr b="1" sz="4400" lang="en-US">
+          <a:lstStyle/>
+          <a:p>
+            <a:r>
+              <a:rPr lang="en-US" sz="4400" b="1">
                 <a:solidFill>
                   <a:schemeClr val="accent1"/>
                 </a:solidFill>
@@ -7225,7 +7769,13 @@
       </p:sp>
       <p:sp>
         <p:nvSpPr>
-          <p:cNvPr id="1048619" name="Content Placeholder 1"/>
+          <p:cNvPr id="2" name="Content Placeholder 1">
+            <a:extLst>
+              <a:ext uri="{FF2B5EF4-FFF2-40B4-BE49-F238E27FC236}">
+                <a16:creationId xmlns:a16="http://schemas.microsoft.com/office/drawing/2014/main" id="{F7F0871F-2198-9E37-C96F-3611AA199B60}"/>
+              </a:ext>
+            </a:extLst>
+          </p:cNvPr>
           <p:cNvSpPr>
             <a:spLocks noGrp="1"/>
           </p:cNvSpPr>
@@ -7236,114 +7786,120 @@
         <p:spPr/>
         <p:txBody>
           <a:bodyPr>
-            <a:normAutofit fontScale="92857"/>
+            <a:normAutofit fontScale="85000" lnSpcReduction="10000"/>
           </a:bodyPr>
-          <a:p>
-            <a:pPr indent="-305435" marL="305435"/>
-            <a:r>
-              <a:rPr dirty="0" sz="1400" lang="en-IN">
+          <a:lstStyle/>
+          <a:p>
+            <a:pPr marL="305435" indent="-305435"/>
+            <a:r>
+              <a:rPr lang="en-IN" sz="1400" dirty="0">
                 <a:ea typeface="+mn-lt"/>
                 <a:cs typeface="+mn-lt"/>
               </a:rPr>
               <a:t>In the Algorithm section, describe the machine learning algorithm chosen for predicting bike counts. Here's an example structure for this section:</a:t>
             </a:r>
-            <a:endParaRPr dirty="0" sz="1400" lang="en-IN"/>
-          </a:p>
-          <a:p>
-            <a:pPr indent="-305435" marL="305435"/>
-            <a:r>
-              <a:rPr b="1" dirty="0" sz="1400" lang="en-IN">
+            <a:endParaRPr lang="en-IN" sz="1400" dirty="0"/>
+          </a:p>
+          <a:p>
+            <a:pPr marL="305435" indent="-305435"/>
+            <a:r>
+              <a:rPr lang="en-IN" sz="1400" b="1" dirty="0">
                 <a:ea typeface="+mn-lt"/>
                 <a:cs typeface="+mn-lt"/>
               </a:rPr>
               <a:t>Algorithm Selection:</a:t>
             </a:r>
-            <a:endParaRPr dirty="0" sz="1400" lang="en-IN"/>
-          </a:p>
-          <a:p>
-            <a:pPr indent="-305435" lvl="1" marL="629920"/>
-            <a:r>
-              <a:rPr dirty="0" lang="en-IN">
+            <a:endParaRPr lang="en-IN" sz="1400" dirty="0"/>
+          </a:p>
+          <a:p>
+            <a:pPr marL="629920" lvl="1" indent="-305435"/>
+            <a:r>
+              <a:rPr lang="en-IN" dirty="0">
                 <a:ea typeface="+mn-lt"/>
                 <a:cs typeface="+mn-lt"/>
               </a:rPr>
               <a:t>Provide a brief overview of the chosen algorithm (e.g., time-series forecasting model, like ARIMA or LSTM) and justify its selection based on the problem statement and data characteristics.</a:t>
             </a:r>
-            <a:endParaRPr dirty="0" lang="en-IN"/>
-          </a:p>
-          <a:p>
-            <a:pPr indent="-305435" marL="305435"/>
-            <a:r>
-              <a:rPr b="1" dirty="0" sz="1400" lang="en-IN">
+            <a:endParaRPr lang="en-IN" dirty="0"/>
+          </a:p>
+          <a:p>
+            <a:pPr marL="305435" indent="-305435"/>
+            <a:r>
+              <a:rPr lang="en-IN" sz="1400" b="1" dirty="0">
                 <a:ea typeface="+mn-lt"/>
                 <a:cs typeface="+mn-lt"/>
               </a:rPr>
               <a:t>Data Input:</a:t>
             </a:r>
-            <a:endParaRPr dirty="0" sz="1400" lang="en-IN"/>
-          </a:p>
-          <a:p>
-            <a:pPr indent="-305435" lvl="1" marL="629920"/>
-            <a:r>
-              <a:rPr dirty="0" lang="en-IN">
+            <a:endParaRPr lang="en-IN" sz="1400" dirty="0"/>
+          </a:p>
+          <a:p>
+            <a:pPr marL="629920" lvl="1" indent="-305435"/>
+            <a:r>
+              <a:rPr lang="en-IN" dirty="0">
                 <a:ea typeface="+mn-lt"/>
                 <a:cs typeface="+mn-lt"/>
               </a:rPr>
               <a:t>Specify the input features used by the algorithm, such as historical bike rental data, weather conditions, day of the week, and any other relevant factors.</a:t>
             </a:r>
-            <a:endParaRPr dirty="0" lang="en-IN"/>
-          </a:p>
-          <a:p>
-            <a:pPr indent="-305435" marL="305435"/>
-            <a:r>
-              <a:rPr b="1" dirty="0" sz="1400" lang="en-IN">
+            <a:endParaRPr lang="en-IN" dirty="0"/>
+          </a:p>
+          <a:p>
+            <a:pPr marL="305435" indent="-305435"/>
+            <a:r>
+              <a:rPr lang="en-IN" sz="1400" b="1" dirty="0">
                 <a:ea typeface="+mn-lt"/>
                 <a:cs typeface="+mn-lt"/>
               </a:rPr>
               <a:t>Training Process:</a:t>
             </a:r>
-            <a:endParaRPr dirty="0" sz="1400" lang="en-IN"/>
-          </a:p>
-          <a:p>
-            <a:pPr indent="-305435" lvl="1" marL="629920"/>
-            <a:r>
-              <a:rPr dirty="0" lang="en-IN">
+            <a:endParaRPr lang="en-IN" sz="1400" dirty="0"/>
+          </a:p>
+          <a:p>
+            <a:pPr marL="629920" lvl="1" indent="-305435"/>
+            <a:r>
+              <a:rPr lang="en-IN" dirty="0">
                 <a:ea typeface="+mn-lt"/>
                 <a:cs typeface="+mn-lt"/>
               </a:rPr>
               <a:t>Explain how the algorithm is trained using historical data. Highlight any specific considerations or techniques employed, such as cross-validation or hyperparameter tuning.</a:t>
             </a:r>
-            <a:endParaRPr dirty="0" lang="en-IN"/>
-          </a:p>
-          <a:p>
-            <a:pPr indent="-305435" marL="305435"/>
-            <a:r>
-              <a:rPr b="1" dirty="0" sz="1400" lang="en-IN">
+            <a:endParaRPr lang="en-IN" dirty="0"/>
+          </a:p>
+          <a:p>
+            <a:pPr marL="305435" indent="-305435"/>
+            <a:r>
+              <a:rPr lang="en-IN" sz="1400" b="1" dirty="0">
                 <a:ea typeface="+mn-lt"/>
                 <a:cs typeface="+mn-lt"/>
               </a:rPr>
               <a:t>Prediction Process:</a:t>
             </a:r>
-            <a:endParaRPr dirty="0" sz="1400" lang="en-IN"/>
-          </a:p>
-          <a:p>
-            <a:pPr indent="-305435" lvl="1" marL="629920"/>
-            <a:r>
-              <a:rPr dirty="0" lang="en-IN">
+            <a:endParaRPr lang="en-IN" sz="1400" dirty="0"/>
+          </a:p>
+          <a:p>
+            <a:pPr marL="629920" lvl="1" indent="-305435"/>
+            <a:r>
+              <a:rPr lang="en-IN" dirty="0">
                 <a:ea typeface="+mn-lt"/>
                 <a:cs typeface="+mn-lt"/>
               </a:rPr>
               <a:t>Detail how the trained algorithm makes predictions for future bike counts. Discuss any real-time data inputs considered during the prediction phase.</a:t>
             </a:r>
-            <a:endParaRPr dirty="0" lang="en-IN"/>
-          </a:p>
-          <a:p>
-            <a:pPr indent="-305435" marL="305435"/>
+            <a:endParaRPr lang="en-IN" dirty="0"/>
+          </a:p>
+          <a:p>
+            <a:pPr marL="305435" indent="-305435"/>
             <a:endParaRPr lang="en-IN"/>
           </a:p>
         </p:txBody>
       </p:sp>
     </p:spTree>
+    <p:extLst>
+      <p:ext uri="{BB962C8B-B14F-4D97-AF65-F5344CB8AC3E}">
+        <p14:creationId xmlns:p14="http://schemas.microsoft.com/office/powerpoint/2010/main" val="4154508776"/>
+      </p:ext>
+    </p:extLst>
   </p:cSld>
   <p:clrMapOvr>
     <a:masterClrMapping/>
@@ -7356,7 +7912,7 @@
   <p:cSld>
     <p:spTree>
       <p:nvGrpSpPr>
-        <p:cNvPr id="40" name=""/>
+        <p:cNvPr id="1" name=""/>
         <p:cNvGrpSpPr/>
         <p:nvPr/>
       </p:nvGrpSpPr>
@@ -7370,7 +7926,13 @@
       </p:grpSpPr>
       <p:sp>
         <p:nvSpPr>
-          <p:cNvPr id="1048620" name="Title 4"/>
+          <p:cNvPr id="5" name="Title 4">
+            <a:extLst>
+              <a:ext uri="{FF2B5EF4-FFF2-40B4-BE49-F238E27FC236}">
+                <a16:creationId xmlns:a16="http://schemas.microsoft.com/office/drawing/2014/main" id="{8FBA75B4-2DD5-42EB-9397-F36BFB8BA723}"/>
+              </a:ext>
+            </a:extLst>
+          </p:cNvPr>
           <p:cNvSpPr>
             <a:spLocks noGrp="1"/>
           </p:cNvSpPr>
@@ -7383,9 +7945,10 @@
           <a:bodyPr>
             <a:normAutofit/>
           </a:bodyPr>
-          <a:p>
-            <a:r>
-              <a:rPr b="1" sz="4400" lang="en-US">
+          <a:lstStyle/>
+          <a:p>
+            <a:r>
+              <a:rPr lang="en-US" sz="4400" b="1">
                 <a:solidFill>
                   <a:schemeClr val="accent1"/>
                 </a:solidFill>
@@ -7401,7 +7964,13 @@
       </p:sp>
       <p:sp>
         <p:nvSpPr>
-          <p:cNvPr id="1048621" name="Content Placeholder 1"/>
+          <p:cNvPr id="2" name="Content Placeholder 1">
+            <a:extLst>
+              <a:ext uri="{FF2B5EF4-FFF2-40B4-BE49-F238E27FC236}">
+                <a16:creationId xmlns:a16="http://schemas.microsoft.com/office/drawing/2014/main" id="{D3304455-6802-6CA9-8475-2F6DD1B8D409}"/>
+              </a:ext>
+            </a:extLst>
+          </p:cNvPr>
           <p:cNvSpPr>
             <a:spLocks noGrp="1"/>
           </p:cNvSpPr>
@@ -7414,12 +7983,13 @@
           <a:bodyPr>
             <a:normAutofit/>
           </a:bodyPr>
-          <a:p>
-            <a:pPr indent="0" marL="0">
+          <a:lstStyle/>
+          <a:p>
+            <a:pPr marL="0" indent="0">
               <a:buNone/>
             </a:pPr>
             <a:r>
-              <a:rPr dirty="0" sz="2400" lang="en-IN">
+              <a:rPr lang="en-IN" sz="2400" dirty="0">
                 <a:solidFill>
                   <a:srgbClr val="0F0F0F"/>
                 </a:solidFill>
@@ -7428,11 +7998,16 @@
               </a:rPr>
               <a:t>Present the results of the machine learning model in terms of its accuracy and effectiveness in predicting bike counts. Include visualizations and comparisons between predicted and actual counts to highlight the model's performance.</a:t>
             </a:r>
-            <a:endParaRPr dirty="0" sz="2400" lang="en-IN"/>
+            <a:endParaRPr lang="en-IN" sz="2400" dirty="0"/>
           </a:p>
         </p:txBody>
       </p:sp>
     </p:spTree>
+    <p:extLst>
+      <p:ext uri="{BB962C8B-B14F-4D97-AF65-F5344CB8AC3E}">
+        <p14:creationId xmlns:p14="http://schemas.microsoft.com/office/powerpoint/2010/main" val="1483293388"/>
+      </p:ext>
+    </p:extLst>
   </p:cSld>
   <p:clrMapOvr>
     <a:masterClrMapping/>
@@ -7445,7 +8020,7 @@
   <p:cSld>
     <p:spTree>
       <p:nvGrpSpPr>
-        <p:cNvPr id="41" name=""/>
+        <p:cNvPr id="1" name=""/>
         <p:cNvGrpSpPr/>
         <p:nvPr/>
       </p:nvGrpSpPr>
@@ -7459,7 +8034,13 @@
       </p:grpSpPr>
       <p:sp>
         <p:nvSpPr>
-          <p:cNvPr id="1048622" name="Title 4"/>
+          <p:cNvPr id="5" name="Title 4">
+            <a:extLst>
+              <a:ext uri="{FF2B5EF4-FFF2-40B4-BE49-F238E27FC236}">
+                <a16:creationId xmlns:a16="http://schemas.microsoft.com/office/drawing/2014/main" id="{8FBA75B4-2DD5-42EB-9397-F36BFB8BA723}"/>
+              </a:ext>
+            </a:extLst>
+          </p:cNvPr>
           <p:cNvSpPr>
             <a:spLocks noGrp="1"/>
           </p:cNvSpPr>
@@ -7472,9 +8053,10 @@
           <a:bodyPr>
             <a:normAutofit/>
           </a:bodyPr>
-          <a:p>
-            <a:r>
-              <a:rPr b="1" sz="4400" lang="en-US">
+          <a:lstStyle/>
+          <a:p>
+            <a:r>
+              <a:rPr lang="en-US" sz="4400" b="1">
                 <a:solidFill>
                   <a:schemeClr val="accent1"/>
                 </a:solidFill>
@@ -7490,7 +8072,13 @@
       </p:sp>
       <p:sp>
         <p:nvSpPr>
-          <p:cNvPr id="1048623" name="Content Placeholder 1"/>
+          <p:cNvPr id="2" name="Content Placeholder 1">
+            <a:extLst>
+              <a:ext uri="{FF2B5EF4-FFF2-40B4-BE49-F238E27FC236}">
+                <a16:creationId xmlns:a16="http://schemas.microsoft.com/office/drawing/2014/main" id="{005E46AB-32C4-4B57-A2B1-50738A64BE1B}"/>
+              </a:ext>
+            </a:extLst>
+          </p:cNvPr>
           <p:cNvSpPr>
             <a:spLocks noGrp="1"/>
           </p:cNvSpPr>
@@ -7503,10 +8091,11 @@
           <a:bodyPr>
             <a:normAutofit/>
           </a:bodyPr>
-          <a:p>
-            <a:pPr indent="-305435" marL="305435"/>
-            <a:r>
-              <a:rPr dirty="0" sz="2000" lang="en-IN">
+          <a:lstStyle/>
+          <a:p>
+            <a:pPr marL="305435" indent="-305435"/>
+            <a:r>
+              <a:rPr lang="en-IN" sz="2000" dirty="0">
                 <a:solidFill>
                   <a:srgbClr val="0F0F0F"/>
                 </a:solidFill>
@@ -7515,11 +8104,16 @@
               </a:rPr>
               <a:t>Summarize the findings and discuss the effectiveness of the proposed solution. Highlight any challenges encountered during the implementation and potential improvements. Emphasize the importance of accurate bike count predictions for ensuring a stable supply of rental bikes in urban areas.</a:t>
             </a:r>
-            <a:endParaRPr dirty="0" sz="2000" lang="en-IN"/>
+            <a:endParaRPr lang="en-IN" sz="2000" dirty="0"/>
           </a:p>
         </p:txBody>
       </p:sp>
     </p:spTree>
+    <p:extLst>
+      <p:ext uri="{BB962C8B-B14F-4D97-AF65-F5344CB8AC3E}">
+        <p14:creationId xmlns:p14="http://schemas.microsoft.com/office/powerpoint/2010/main" val="3183315129"/>
+      </p:ext>
+    </p:extLst>
   </p:cSld>
   <p:clrMapOvr>
     <a:masterClrMapping/>
@@ -7532,7 +8126,7 @@
   <p:cSld>
     <p:spTree>
       <p:nvGrpSpPr>
-        <p:cNvPr id="42" name=""/>
+        <p:cNvPr id="1" name=""/>
         <p:cNvGrpSpPr/>
         <p:nvPr/>
       </p:nvGrpSpPr>
@@ -7546,7 +8140,13 @@
       </p:grpSpPr>
       <p:sp>
         <p:nvSpPr>
-          <p:cNvPr id="1048624" name="Content Placeholder 2"/>
+          <p:cNvPr id="3" name="Content Placeholder 2">
+            <a:extLst>
+              <a:ext uri="{FF2B5EF4-FFF2-40B4-BE49-F238E27FC236}">
+                <a16:creationId xmlns:a16="http://schemas.microsoft.com/office/drawing/2014/main" id="{A6638FD1-D00E-E75B-705C-564F06D93D7B}"/>
+              </a:ext>
+            </a:extLst>
+          </p:cNvPr>
           <p:cNvSpPr>
             <a:spLocks noGrp="1"/>
           </p:cNvSpPr>
@@ -7557,33 +8157,42 @@
         <p:spPr/>
         <p:txBody>
           <a:bodyPr/>
-          <a:p>
-            <a:pPr indent="0" marL="0">
+          <a:lstStyle/>
+          <a:p>
+            <a:pPr marL="0" indent="0">
               <a:buNone/>
             </a:pPr>
-            <a:endParaRPr b="1" dirty="0" sz="2000" lang="en-US"/>
-          </a:p>
-          <a:p>
-            <a:pPr indent="-305435" marL="305435"/>
-            <a:r>
-              <a:rPr dirty="0" sz="2000" lang="en-US">
+            <a:endParaRPr lang="en-US" sz="2000" b="1" dirty="0"/>
+          </a:p>
+          <a:p>
+            <a:pPr marL="305435" indent="-305435"/>
+            <a:r>
+              <a:rPr lang="en-US" sz="2000" dirty="0">
                 <a:ea typeface="+mn-lt"/>
                 <a:cs typeface="+mn-lt"/>
               </a:rPr>
               <a:t>Discuss potential enhancements and expansions for the system. This could include incorporating additional data sources, optimizing the algorithm for better performance, and expanding the system to cover multiple cities or regions. Consider the integration of emerging technologies such as edge computing or advanced machine learning techniques.</a:t>
             </a:r>
-            <a:endParaRPr dirty="0" sz="2000" lang="en-US"/>
-          </a:p>
-          <a:p>
-            <a:pPr indent="-305435" marL="305435"/>
+            <a:endParaRPr lang="en-US" sz="2000" dirty="0"/>
+          </a:p>
+          <a:p>
+            <a:pPr marL="305435" indent="-305435"/>
             <a:endParaRPr lang="en-US"/>
           </a:p>
         </p:txBody>
       </p:sp>
       <p:sp>
         <p:nvSpPr>
-          <p:cNvPr id="1048625" name="Title 4"/>
-          <p:cNvSpPr txBox="1"/>
+          <p:cNvPr id="5" name="Title 4">
+            <a:extLst>
+              <a:ext uri="{FF2B5EF4-FFF2-40B4-BE49-F238E27FC236}">
+                <a16:creationId xmlns:a16="http://schemas.microsoft.com/office/drawing/2014/main" id="{3F968F13-9AC4-7120-7ACD-9F752C767D5D}"/>
+              </a:ext>
+            </a:extLst>
+          </p:cNvPr>
+          <p:cNvSpPr txBox="1">
+            <a:spLocks/>
+          </p:cNvSpPr>
           <p:nvPr/>
         </p:nvSpPr>
         <p:spPr>
@@ -7591,14 +8200,16 @@
             <a:off x="535670" y="844659"/>
             <a:ext cx="11029616" cy="530296"/>
           </a:xfrm>
-          <a:prstGeom prst="rect"/>
+          <a:prstGeom prst="rect">
+            <a:avLst/>
+          </a:prstGeom>
         </p:spPr>
         <p:txBody>
-          <a:bodyPr anchor="b" bIns="45720" lIns="91440" rIns="91440" rtlCol="0" tIns="45720" vert="horz">
-            <a:normAutofit/>
+          <a:bodyPr vert="horz" lIns="91440" tIns="45720" rIns="91440" bIns="45720" rtlCol="0" anchor="b">
+            <a:normAutofit fontScale="75000" lnSpcReduction="20000"/>
           </a:bodyPr>
           <a:lstStyle>
-            <a:lvl1pPr algn="l" defTabSz="457200" eaLnBrk="1" hangingPunct="1" latinLnBrk="0" rtl="0">
+            <a:lvl1pPr algn="l" defTabSz="457200" rtl="0" eaLnBrk="1" latinLnBrk="0" hangingPunct="1">
               <a:lnSpc>
                 <a:spcPct val="100000"/>
               </a:lnSpc>
@@ -7606,7 +8217,7 @@
                 <a:spcPct val="0"/>
               </a:spcBef>
               <a:buNone/>
-              <a:defRPr b="0" cap="all" sz="2800" kern="1200">
+              <a:defRPr sz="2800" b="0" kern="1200" cap="all">
                 <a:solidFill>
                   <a:schemeClr val="tx1">
                     <a:lumMod val="75000"/>
@@ -7677,7 +8288,7 @@
           </a:lstStyle>
           <a:p>
             <a:r>
-              <a:rPr b="1" dirty="0" sz="4400" lang="en-US">
+              <a:rPr lang="en-US" sz="4400" b="1" dirty="0">
                 <a:solidFill>
                   <a:schemeClr val="accent1"/>
                 </a:solidFill>
@@ -7690,6 +8301,11 @@
         </p:txBody>
       </p:sp>
     </p:spTree>
+    <p:extLst>
+      <p:ext uri="{BB962C8B-B14F-4D97-AF65-F5344CB8AC3E}">
+        <p14:creationId xmlns:p14="http://schemas.microsoft.com/office/powerpoint/2010/main" val="614882681"/>
+      </p:ext>
+    </p:extLst>
   </p:cSld>
   <p:clrMapOvr>
     <a:masterClrMapping/>
@@ -7702,10 +8318,10 @@
   <a:themeElements>
     <a:clrScheme name="Facet">
       <a:dk1>
-        <a:sysClr lastClr="000000" val="windowText"/>
+        <a:sysClr val="windowText" lastClr="000000"/>
       </a:dk1>
       <a:lt1>
-        <a:sysClr lastClr="FFFFFF" val="window"/>
+        <a:sysClr val="window" lastClr="FFFFFF"/>
       </a:lt1>
       <a:dk2>
         <a:srgbClr val="2C3C43"/>
@@ -7875,7 +8491,7 @@
         </a:effectStyle>
         <a:effectStyle>
           <a:effectLst>
-            <a:outerShdw blurRad="38100" dir="5400000" dist="25400" rotWithShape="0">
+            <a:outerShdw blurRad="38100" dist="25400" dir="5400000" rotWithShape="0">
               <a:srgbClr val="000000">
                 <a:alpha val="35000"/>
               </a:srgbClr>
@@ -7884,7 +8500,7 @@
         </a:effectStyle>
         <a:effectStyle>
           <a:effectLst>
-            <a:outerShdw blurRad="50800" dir="5400000" dist="38100" rotWithShape="0">
+            <a:outerShdw blurRad="50800" dist="38100" dir="5400000" rotWithShape="0">
               <a:srgbClr val="000000">
                 <a:alpha val="35000"/>
               </a:srgbClr>
@@ -7894,7 +8510,7 @@
             <a:camera prst="orthographicFront">
               <a:rot lat="0" lon="0" rev="0"/>
             </a:camera>
-            <a:lightRig dir="tl" rig="threePt"/>
+            <a:lightRig rig="threePt" dir="tl"/>
           </a:scene3d>
           <a:sp3d prstMaterial="plastic">
             <a:bevelT w="0" h="0"/>
@@ -7944,6 +8560,13 @@
       </a:bgFillStyleLst>
     </a:fmtScheme>
   </a:themeElements>
+  <a:objectDefaults/>
+  <a:extraClrSchemeLst/>
+  <a:extLst>
+    <a:ext uri="{05A4C25C-085E-4340-85A3-A5531E510DB2}">
+      <thm15:themeFamily xmlns:thm15="http://schemas.microsoft.com/office/thememl/2012/main" name="Facet" id="{C0C680CD-088A-49FC-A102-D699147F32B2}" vid="{CFBC31BA-B70F-4F30-BCAA-4F3011E16C4D}"/>
+    </a:ext>
+  </a:extLst>
 </a:theme>
 </file>
 
@@ -7952,10 +8575,10 @@
   <a:themeElements>
     <a:clrScheme name="Office">
       <a:dk1>
-        <a:sysClr lastClr="000000" val="windowText"/>
+        <a:sysClr val="windowText" lastClr="000000"/>
       </a:dk1>
       <a:lt1>
-        <a:sysClr lastClr="FFFFFF" val="window"/>
+        <a:sysClr val="window" lastClr="FFFFFF"/>
       </a:lt1>
       <a:dk2>
         <a:srgbClr val="44546A"/>
@@ -8184,7 +8807,7 @@
         </a:effectStyle>
         <a:effectStyle>
           <a:effectLst>
-            <a:outerShdw algn="ctr" blurRad="57150" dir="5400000" dist="19050" rotWithShape="0">
+            <a:outerShdw blurRad="57150" dist="19050" dir="5400000" algn="ctr" rotWithShape="0">
               <a:srgbClr val="000000">
                 <a:alpha val="63000"/>
               </a:srgbClr>
@@ -8232,10 +8855,35 @@
       </a:bgFillStyleLst>
     </a:fmtScheme>
   </a:themeElements>
+  <a:objectDefaults/>
+  <a:extraClrSchemeLst/>
+  <a:extLst>
+    <a:ext uri="{05A4C25C-085E-4340-85A3-A5531E510DB2}">
+      <thm15:themeFamily xmlns:thm15="http://schemas.microsoft.com/office/thememl/2012/main" name="Office Theme" id="{62F939B6-93AF-4DB8-9C6B-D6C7DFDC589F}" vid="{4A3C46E8-61CC-4603-A589-7422A47A8E4A}"/>
+    </a:ext>
+  </a:extLst>
 </a:theme>
 </file>
 
 <file path=customXml/item1.xml><?xml version="1.0" encoding="utf-8"?>
+<p:properties xmlns:p="http://schemas.microsoft.com/office/2006/metadata/properties" xmlns:xsi="http://www.w3.org/2001/XMLSchema-instance" xmlns:pc="http://schemas.microsoft.com/office/infopath/2007/PartnerControls">
+  <documentManagement>
+    <MediaServiceKeyPoints xmlns="9162bd5b-4ed9-4da3-b376-05204580ba3f" xsi:nil="true"/>
+    <_activity xmlns="9162bd5b-4ed9-4da3-b376-05204580ba3f" xsi:nil="true"/>
+  </documentManagement>
+</p:properties>
+</file>
+
+<file path=customXml/item2.xml><?xml version="1.0" encoding="utf-8"?>
+<?mso-contentType ?>
+<FormTemplates xmlns="http://schemas.microsoft.com/sharepoint/v3/contenttype/forms">
+  <Display>DocumentLibraryForm</Display>
+  <Edit>DocumentLibraryForm</Edit>
+  <New>DocumentLibraryForm</New>
+</FormTemplates>
+</file>
+
+<file path=customXml/item3.xml><?xml version="1.0" encoding="utf-8"?>
 <ct:contentTypeSchema xmlns:ct="http://schemas.microsoft.com/office/2006/metadata/contentType" xmlns:ma="http://schemas.microsoft.com/office/2006/metadata/properties/metaAttributes" ct:_="" ma:_="" ma:contentTypeName="Document" ma:contentTypeID="0x0101000F1872188ABCFC48BECA6C87E8AC3285" ma:contentTypeVersion="17" ma:contentTypeDescription="Create a new document." ma:contentTypeScope="" ma:versionID="55a158675e089c6a85ab0f83b89e1a15">
   <xsd:schema xmlns:xsd="http://www.w3.org/2001/XMLSchema" xmlns:xs="http://www.w3.org/2001/XMLSchema" xmlns:p="http://schemas.microsoft.com/office/2006/metadata/properties" xmlns:ns3="9162bd5b-4ed9-4da3-b376-05204580ba3f" xmlns:ns4="c0fa2617-96bd-425d-8578-e93563fe37c5" targetNamespace="http://schemas.microsoft.com/office/2006/metadata/properties" ma:root="true" ma:fieldsID="b35f082308864fa161c4a0a9eca35eff" ns3:_="" ns4:_="">
     <xsd:import namespace="9162bd5b-4ed9-4da3-b376-05204580ba3f"/>
@@ -8483,20 +9131,33 @@
 </file>
 
 <file path=customXml/itemProps1.xml><?xml version="1.0" encoding="utf-8"?>
+<ds:datastoreItem xmlns:ds="http://schemas.openxmlformats.org/officeDocument/2006/customXml" ds:itemID="{8D289AE2-D2AE-49D1-AFAC-3A79F6794255}">
+  <ds:schemaRefs>
+    <ds:schemaRef ds:uri="http://schemas.microsoft.com/office/2006/metadata/properties"/>
+    <ds:schemaRef ds:uri="http://www.w3.org/2000/xmlns/"/>
+    <ds:schemaRef ds:uri="9162bd5b-4ed9-4da3-b376-05204580ba3f"/>
+    <ds:schemaRef ds:uri="http://www.w3.org/2001/XMLSchema-instance"/>
+  </ds:schemaRefs>
+</ds:datastoreItem>
+</file>
+
+<file path=customXml/itemProps2.xml><?xml version="1.0" encoding="utf-8"?>
+<ds:datastoreItem xmlns:ds="http://schemas.openxmlformats.org/officeDocument/2006/customXml" ds:itemID="{927BD4C1-B6B1-4715-ABF9-E660A51A4EA0}">
+  <ds:schemaRefs>
+    <ds:schemaRef ds:uri="http://schemas.microsoft.com/sharepoint/v3/contenttype/forms"/>
+  </ds:schemaRefs>
+</ds:datastoreItem>
+</file>
+
+<file path=customXml/itemProps3.xml><?xml version="1.0" encoding="utf-8"?>
 <ds:datastoreItem xmlns:ds="http://schemas.openxmlformats.org/officeDocument/2006/customXml" ds:itemID="{6E816721-11E4-4989-8472-AB5A7EC20404}">
   <ds:schemaRefs>
+    <ds:schemaRef ds:uri="http://schemas.microsoft.com/office/2006/metadata/contentType"/>
+    <ds:schemaRef ds:uri="http://schemas.microsoft.com/office/2006/metadata/properties/metaAttributes"/>
+    <ds:schemaRef ds:uri="http://www.w3.org/2000/xmlns/"/>
+    <ds:schemaRef ds:uri="http://www.w3.org/2001/XMLSchema"/>
     <ds:schemaRef ds:uri="9162bd5b-4ed9-4da3-b376-05204580ba3f"/>
     <ds:schemaRef ds:uri="c0fa2617-96bd-425d-8578-e93563fe37c5"/>
-    <ds:schemaRef ds:uri="http://purl.org/dc/elements/1.1/"/>
-    <ds:schemaRef ds:uri="http://purl.org/dc/terms/"/>
-    <ds:schemaRef ds:uri="http://schemas.microsoft.com/internal/obd"/>
-    <ds:schemaRef ds:uri="http://schemas.microsoft.com/office/2006/documentManagement/types"/>
-    <ds:schemaRef ds:uri="http://schemas.microsoft.com/office/2006/metadata/contentType"/>
-    <ds:schemaRef ds:uri="http://schemas.microsoft.com/office/2006/metadata/properties"/>
-    <ds:schemaRef ds:uri="http://schemas.microsoft.com/office/2006/metadata/properties/metaAttributes"/>
-    <ds:schemaRef ds:uri="http://schemas.microsoft.com/office/infopath/2007/PartnerControls"/>
-    <ds:schemaRef ds:uri="http://schemas.openxmlformats.org/package/2006/metadata/core-properties"/>
-    <ds:schemaRef ds:uri="http://www.w3.org/2001/XMLSchema"/>
   </ds:schemaRefs>
 </ds:datastoreItem>
 </file>